--- a/Documentation/Role_Mgmt.pptx
+++ b/Documentation/Role_Mgmt.pptx
@@ -2,43 +2,48 @@
 <file path=ppt/presentation.xml><?xml version="1.0" encoding="utf-8"?>
 <p:presentation xmlns:a="http://schemas.openxmlformats.org/drawingml/2006/main" xmlns:r="http://schemas.openxmlformats.org/officeDocument/2006/relationships" xmlns:p="http://schemas.openxmlformats.org/presentationml/2006/main" saveSubsetFonts="1">
   <p:sldMasterIdLst>
-    <p:sldMasterId id="2147483714" r:id="rId1"/>
+    <p:sldMasterId id="2147483750" r:id="rId1"/>
   </p:sldMasterIdLst>
   <p:sldIdLst>
     <p:sldId id="256" r:id="rId2"/>
     <p:sldId id="262" r:id="rId3"/>
-    <p:sldId id="295" r:id="rId4"/>
-    <p:sldId id="266" r:id="rId5"/>
-    <p:sldId id="269" r:id="rId6"/>
-    <p:sldId id="270" r:id="rId7"/>
+    <p:sldId id="300" r:id="rId4"/>
+    <p:sldId id="295" r:id="rId5"/>
+    <p:sldId id="270" r:id="rId6"/>
+    <p:sldId id="266" r:id="rId7"/>
     <p:sldId id="275" r:id="rId8"/>
-    <p:sldId id="281" r:id="rId9"/>
-    <p:sldId id="272" r:id="rId10"/>
-    <p:sldId id="292" r:id="rId11"/>
-    <p:sldId id="294" r:id="rId12"/>
-    <p:sldId id="293" r:id="rId13"/>
-    <p:sldId id="283" r:id="rId14"/>
-    <p:sldId id="287" r:id="rId15"/>
-    <p:sldId id="282" r:id="rId16"/>
-    <p:sldId id="289" r:id="rId17"/>
-    <p:sldId id="290" r:id="rId18"/>
-    <p:sldId id="291" r:id="rId19"/>
-    <p:sldId id="280" r:id="rId20"/>
-    <p:sldId id="271" r:id="rId21"/>
-    <p:sldId id="273" r:id="rId22"/>
-    <p:sldId id="274" r:id="rId23"/>
-    <p:sldId id="268" r:id="rId24"/>
-    <p:sldId id="263" r:id="rId25"/>
-    <p:sldId id="267" r:id="rId26"/>
-    <p:sldId id="264" r:id="rId27"/>
-    <p:sldId id="276" r:id="rId28"/>
-    <p:sldId id="277" r:id="rId29"/>
-    <p:sldId id="278" r:id="rId30"/>
-    <p:sldId id="279" r:id="rId31"/>
-    <p:sldId id="284" r:id="rId32"/>
-    <p:sldId id="285" r:id="rId33"/>
-    <p:sldId id="286" r:id="rId34"/>
-    <p:sldId id="265" r:id="rId35"/>
+    <p:sldId id="269" r:id="rId9"/>
+    <p:sldId id="281" r:id="rId10"/>
+    <p:sldId id="272" r:id="rId11"/>
+    <p:sldId id="301" r:id="rId12"/>
+    <p:sldId id="302" r:id="rId13"/>
+    <p:sldId id="305" r:id="rId14"/>
+    <p:sldId id="293" r:id="rId15"/>
+    <p:sldId id="303" r:id="rId16"/>
+    <p:sldId id="292" r:id="rId17"/>
+    <p:sldId id="299" r:id="rId18"/>
+    <p:sldId id="296" r:id="rId19"/>
+    <p:sldId id="294" r:id="rId20"/>
+    <p:sldId id="283" r:id="rId21"/>
+    <p:sldId id="287" r:id="rId22"/>
+    <p:sldId id="282" r:id="rId23"/>
+    <p:sldId id="289" r:id="rId24"/>
+    <p:sldId id="290" r:id="rId25"/>
+    <p:sldId id="271" r:id="rId26"/>
+    <p:sldId id="273" r:id="rId27"/>
+    <p:sldId id="274" r:id="rId28"/>
+    <p:sldId id="268" r:id="rId29"/>
+    <p:sldId id="263" r:id="rId30"/>
+    <p:sldId id="267" r:id="rId31"/>
+    <p:sldId id="264" r:id="rId32"/>
+    <p:sldId id="276" r:id="rId33"/>
+    <p:sldId id="277" r:id="rId34"/>
+    <p:sldId id="278" r:id="rId35"/>
+    <p:sldId id="279" r:id="rId36"/>
+    <p:sldId id="284" r:id="rId37"/>
+    <p:sldId id="285" r:id="rId38"/>
+    <p:sldId id="286" r:id="rId39"/>
+    <p:sldId id="265" r:id="rId40"/>
   </p:sldIdLst>
   <p:sldSz cx="12192000" cy="6858000"/>
   <p:notesSz cx="6858000" cy="9144000"/>
@@ -331,7 +336,7 @@
           <a:p>
             <a:fld id="{86842D2D-EEE6-4847-BD6E-D39B79A367B6}" type="datetimeFigureOut">
               <a:rPr lang="en-PH" smtClean="0"/>
-              <a:t>17/03/2023</a:t>
+              <a:t>18/03/2023</a:t>
             </a:fld>
             <a:endParaRPr lang="en-PH"/>
           </a:p>
@@ -382,7 +387,7 @@
     </p:spTree>
     <p:extLst>
       <p:ext uri="{BB962C8B-B14F-4D97-AF65-F5344CB8AC3E}">
-        <p14:creationId xmlns:p14="http://schemas.microsoft.com/office/powerpoint/2010/main" val="3432800087"/>
+        <p14:creationId xmlns:p14="http://schemas.microsoft.com/office/powerpoint/2010/main" val="929396416"/>
       </p:ext>
     </p:extLst>
   </p:cSld>
@@ -606,7 +611,7 @@
           <a:p>
             <a:fld id="{86842D2D-EEE6-4847-BD6E-D39B79A367B6}" type="datetimeFigureOut">
               <a:rPr lang="en-PH" smtClean="0"/>
-              <a:t>17/03/2023</a:t>
+              <a:t>18/03/2023</a:t>
             </a:fld>
             <a:endParaRPr lang="en-PH"/>
           </a:p>
@@ -657,7 +662,7 @@
     </p:spTree>
     <p:extLst>
       <p:ext uri="{BB962C8B-B14F-4D97-AF65-F5344CB8AC3E}">
-        <p14:creationId xmlns:p14="http://schemas.microsoft.com/office/powerpoint/2010/main" val="1542205689"/>
+        <p14:creationId xmlns:p14="http://schemas.microsoft.com/office/powerpoint/2010/main" val="2940101011"/>
       </p:ext>
     </p:extLst>
   </p:cSld>
@@ -800,7 +805,7 @@
           <a:p>
             <a:fld id="{86842D2D-EEE6-4847-BD6E-D39B79A367B6}" type="datetimeFigureOut">
               <a:rPr lang="en-PH" smtClean="0"/>
-              <a:t>17/03/2023</a:t>
+              <a:t>18/03/2023</a:t>
             </a:fld>
             <a:endParaRPr lang="en-PH"/>
           </a:p>
@@ -851,7 +856,7 @@
     </p:spTree>
     <p:extLst>
       <p:ext uri="{BB962C8B-B14F-4D97-AF65-F5344CB8AC3E}">
-        <p14:creationId xmlns:p14="http://schemas.microsoft.com/office/powerpoint/2010/main" val="163362670"/>
+        <p14:creationId xmlns:p14="http://schemas.microsoft.com/office/powerpoint/2010/main" val="3231635512"/>
       </p:ext>
     </p:extLst>
   </p:cSld>
@@ -1073,7 +1078,7 @@
           <a:p>
             <a:fld id="{86842D2D-EEE6-4847-BD6E-D39B79A367B6}" type="datetimeFigureOut">
               <a:rPr lang="en-PH" smtClean="0"/>
-              <a:t>17/03/2023</a:t>
+              <a:t>18/03/2023</a:t>
             </a:fld>
             <a:endParaRPr lang="en-PH"/>
           </a:p>
@@ -1218,7 +1223,7 @@
     </p:spTree>
     <p:extLst>
       <p:ext uri="{BB962C8B-B14F-4D97-AF65-F5344CB8AC3E}">
-        <p14:creationId xmlns:p14="http://schemas.microsoft.com/office/powerpoint/2010/main" val="3590870435"/>
+        <p14:creationId xmlns:p14="http://schemas.microsoft.com/office/powerpoint/2010/main" val="2310193919"/>
       </p:ext>
     </p:extLst>
   </p:cSld>
@@ -1414,7 +1419,7 @@
           <a:p>
             <a:fld id="{86842D2D-EEE6-4847-BD6E-D39B79A367B6}" type="datetimeFigureOut">
               <a:rPr lang="en-PH" smtClean="0"/>
-              <a:t>17/03/2023</a:t>
+              <a:t>18/03/2023</a:t>
             </a:fld>
             <a:endParaRPr lang="en-PH"/>
           </a:p>
@@ -1465,7 +1470,7 @@
     </p:spTree>
     <p:extLst>
       <p:ext uri="{BB962C8B-B14F-4D97-AF65-F5344CB8AC3E}">
-        <p14:creationId xmlns:p14="http://schemas.microsoft.com/office/powerpoint/2010/main" val="4193801972"/>
+        <p14:creationId xmlns:p14="http://schemas.microsoft.com/office/powerpoint/2010/main" val="4276709048"/>
       </p:ext>
     </p:extLst>
   </p:cSld>
@@ -2037,7 +2042,7 @@
           <a:p>
             <a:fld id="{86842D2D-EEE6-4847-BD6E-D39B79A367B6}" type="datetimeFigureOut">
               <a:rPr lang="en-PH" smtClean="0"/>
-              <a:t>17/03/2023</a:t>
+              <a:t>18/03/2023</a:t>
             </a:fld>
             <a:endParaRPr lang="en-PH"/>
           </a:p>
@@ -2088,7 +2093,7 @@
     </p:spTree>
     <p:extLst>
       <p:ext uri="{BB962C8B-B14F-4D97-AF65-F5344CB8AC3E}">
-        <p14:creationId xmlns:p14="http://schemas.microsoft.com/office/powerpoint/2010/main" val="2361784419"/>
+        <p14:creationId xmlns:p14="http://schemas.microsoft.com/office/powerpoint/2010/main" val="3522341125"/>
       </p:ext>
     </p:extLst>
   </p:cSld>
@@ -2897,7 +2902,7 @@
           <a:p>
             <a:fld id="{86842D2D-EEE6-4847-BD6E-D39B79A367B6}" type="datetimeFigureOut">
               <a:rPr lang="en-PH" smtClean="0"/>
-              <a:t>17/03/2023</a:t>
+              <a:t>18/03/2023</a:t>
             </a:fld>
             <a:endParaRPr lang="en-PH"/>
           </a:p>
@@ -2948,7 +2953,7 @@
     </p:spTree>
     <p:extLst>
       <p:ext uri="{BB962C8B-B14F-4D97-AF65-F5344CB8AC3E}">
-        <p14:creationId xmlns:p14="http://schemas.microsoft.com/office/powerpoint/2010/main" val="207041143"/>
+        <p14:creationId xmlns:p14="http://schemas.microsoft.com/office/powerpoint/2010/main" val="1718341563"/>
       </p:ext>
     </p:extLst>
   </p:cSld>
@@ -3067,7 +3072,7 @@
           <a:p>
             <a:fld id="{86842D2D-EEE6-4847-BD6E-D39B79A367B6}" type="datetimeFigureOut">
               <a:rPr lang="en-PH" smtClean="0"/>
-              <a:t>17/03/2023</a:t>
+              <a:t>18/03/2023</a:t>
             </a:fld>
             <a:endParaRPr lang="en-PH"/>
           </a:p>
@@ -3118,7 +3123,7 @@
     </p:spTree>
     <p:extLst>
       <p:ext uri="{BB962C8B-B14F-4D97-AF65-F5344CB8AC3E}">
-        <p14:creationId xmlns:p14="http://schemas.microsoft.com/office/powerpoint/2010/main" val="1404904630"/>
+        <p14:creationId xmlns:p14="http://schemas.microsoft.com/office/powerpoint/2010/main" val="1213182745"/>
       </p:ext>
     </p:extLst>
   </p:cSld>
@@ -3247,7 +3252,7 @@
           <a:p>
             <a:fld id="{86842D2D-EEE6-4847-BD6E-D39B79A367B6}" type="datetimeFigureOut">
               <a:rPr lang="en-PH" smtClean="0"/>
-              <a:t>17/03/2023</a:t>
+              <a:t>18/03/2023</a:t>
             </a:fld>
             <a:endParaRPr lang="en-PH"/>
           </a:p>
@@ -3298,7 +3303,7 @@
     </p:spTree>
     <p:extLst>
       <p:ext uri="{BB962C8B-B14F-4D97-AF65-F5344CB8AC3E}">
-        <p14:creationId xmlns:p14="http://schemas.microsoft.com/office/powerpoint/2010/main" val="4043746026"/>
+        <p14:creationId xmlns:p14="http://schemas.microsoft.com/office/powerpoint/2010/main" val="874993264"/>
       </p:ext>
     </p:extLst>
   </p:cSld>
@@ -3417,7 +3422,7 @@
           <a:p>
             <a:fld id="{86842D2D-EEE6-4847-BD6E-D39B79A367B6}" type="datetimeFigureOut">
               <a:rPr lang="en-PH" smtClean="0"/>
-              <a:t>17/03/2023</a:t>
+              <a:t>18/03/2023</a:t>
             </a:fld>
             <a:endParaRPr lang="en-PH"/>
           </a:p>
@@ -3468,7 +3473,7 @@
     </p:spTree>
     <p:extLst>
       <p:ext uri="{BB962C8B-B14F-4D97-AF65-F5344CB8AC3E}">
-        <p14:creationId xmlns:p14="http://schemas.microsoft.com/office/powerpoint/2010/main" val="1993581179"/>
+        <p14:creationId xmlns:p14="http://schemas.microsoft.com/office/powerpoint/2010/main" val="2660676619"/>
       </p:ext>
     </p:extLst>
   </p:cSld>
@@ -3664,7 +3669,7 @@
           <a:p>
             <a:fld id="{86842D2D-EEE6-4847-BD6E-D39B79A367B6}" type="datetimeFigureOut">
               <a:rPr lang="en-PH" smtClean="0"/>
-              <a:t>17/03/2023</a:t>
+              <a:t>18/03/2023</a:t>
             </a:fld>
             <a:endParaRPr lang="en-PH"/>
           </a:p>
@@ -3715,7 +3720,7 @@
     </p:spTree>
     <p:extLst>
       <p:ext uri="{BB962C8B-B14F-4D97-AF65-F5344CB8AC3E}">
-        <p14:creationId xmlns:p14="http://schemas.microsoft.com/office/powerpoint/2010/main" val="2797253727"/>
+        <p14:creationId xmlns:p14="http://schemas.microsoft.com/office/powerpoint/2010/main" val="1054724116"/>
       </p:ext>
     </p:extLst>
   </p:cSld>
@@ -3956,7 +3961,7 @@
           <a:p>
             <a:fld id="{86842D2D-EEE6-4847-BD6E-D39B79A367B6}" type="datetimeFigureOut">
               <a:rPr lang="en-PH" smtClean="0"/>
-              <a:t>17/03/2023</a:t>
+              <a:t>18/03/2023</a:t>
             </a:fld>
             <a:endParaRPr lang="en-PH"/>
           </a:p>
@@ -4007,7 +4012,7 @@
     </p:spTree>
     <p:extLst>
       <p:ext uri="{BB962C8B-B14F-4D97-AF65-F5344CB8AC3E}">
-        <p14:creationId xmlns:p14="http://schemas.microsoft.com/office/powerpoint/2010/main" val="3270470700"/>
+        <p14:creationId xmlns:p14="http://schemas.microsoft.com/office/powerpoint/2010/main" val="1448284877"/>
       </p:ext>
     </p:extLst>
   </p:cSld>
@@ -4400,7 +4405,7 @@
           <a:p>
             <a:fld id="{86842D2D-EEE6-4847-BD6E-D39B79A367B6}" type="datetimeFigureOut">
               <a:rPr lang="en-PH" smtClean="0"/>
-              <a:t>17/03/2023</a:t>
+              <a:t>18/03/2023</a:t>
             </a:fld>
             <a:endParaRPr lang="en-PH"/>
           </a:p>
@@ -4451,7 +4456,7 @@
     </p:spTree>
     <p:extLst>
       <p:ext uri="{BB962C8B-B14F-4D97-AF65-F5344CB8AC3E}">
-        <p14:creationId xmlns:p14="http://schemas.microsoft.com/office/powerpoint/2010/main" val="2498971846"/>
+        <p14:creationId xmlns:p14="http://schemas.microsoft.com/office/powerpoint/2010/main" val="3584062429"/>
       </p:ext>
     </p:extLst>
   </p:cSld>
@@ -4518,7 +4523,7 @@
           <a:p>
             <a:fld id="{86842D2D-EEE6-4847-BD6E-D39B79A367B6}" type="datetimeFigureOut">
               <a:rPr lang="en-PH" smtClean="0"/>
-              <a:t>17/03/2023</a:t>
+              <a:t>18/03/2023</a:t>
             </a:fld>
             <a:endParaRPr lang="en-PH"/>
           </a:p>
@@ -4569,7 +4574,7 @@
     </p:spTree>
     <p:extLst>
       <p:ext uri="{BB962C8B-B14F-4D97-AF65-F5344CB8AC3E}">
-        <p14:creationId xmlns:p14="http://schemas.microsoft.com/office/powerpoint/2010/main" val="513832180"/>
+        <p14:creationId xmlns:p14="http://schemas.microsoft.com/office/powerpoint/2010/main" val="2381465795"/>
       </p:ext>
     </p:extLst>
   </p:cSld>
@@ -4613,7 +4618,7 @@
           <a:p>
             <a:fld id="{86842D2D-EEE6-4847-BD6E-D39B79A367B6}" type="datetimeFigureOut">
               <a:rPr lang="en-PH" smtClean="0"/>
-              <a:t>17/03/2023</a:t>
+              <a:t>18/03/2023</a:t>
             </a:fld>
             <a:endParaRPr lang="en-PH"/>
           </a:p>
@@ -4664,7 +4669,7 @@
     </p:spTree>
     <p:extLst>
       <p:ext uri="{BB962C8B-B14F-4D97-AF65-F5344CB8AC3E}">
-        <p14:creationId xmlns:p14="http://schemas.microsoft.com/office/powerpoint/2010/main" val="1795477182"/>
+        <p14:creationId xmlns:p14="http://schemas.microsoft.com/office/powerpoint/2010/main" val="2337909347"/>
       </p:ext>
     </p:extLst>
   </p:cSld>
@@ -4892,7 +4897,7 @@
           <a:p>
             <a:fld id="{86842D2D-EEE6-4847-BD6E-D39B79A367B6}" type="datetimeFigureOut">
               <a:rPr lang="en-PH" smtClean="0"/>
-              <a:t>17/03/2023</a:t>
+              <a:t>18/03/2023</a:t>
             </a:fld>
             <a:endParaRPr lang="en-PH"/>
           </a:p>
@@ -4943,7 +4948,7 @@
     </p:spTree>
     <p:extLst>
       <p:ext uri="{BB962C8B-B14F-4D97-AF65-F5344CB8AC3E}">
-        <p14:creationId xmlns:p14="http://schemas.microsoft.com/office/powerpoint/2010/main" val="1517625397"/>
+        <p14:creationId xmlns:p14="http://schemas.microsoft.com/office/powerpoint/2010/main" val="1541306148"/>
       </p:ext>
     </p:extLst>
   </p:cSld>
@@ -5167,7 +5172,7 @@
           <a:p>
             <a:fld id="{86842D2D-EEE6-4847-BD6E-D39B79A367B6}" type="datetimeFigureOut">
               <a:rPr lang="en-PH" smtClean="0"/>
-              <a:t>17/03/2023</a:t>
+              <a:t>18/03/2023</a:t>
             </a:fld>
             <a:endParaRPr lang="en-PH"/>
           </a:p>
@@ -5218,7 +5223,7 @@
     </p:spTree>
     <p:extLst>
       <p:ext uri="{BB962C8B-B14F-4D97-AF65-F5344CB8AC3E}">
-        <p14:creationId xmlns:p14="http://schemas.microsoft.com/office/powerpoint/2010/main" val="1042177679"/>
+        <p14:creationId xmlns:p14="http://schemas.microsoft.com/office/powerpoint/2010/main" val="825129602"/>
       </p:ext>
     </p:extLst>
   </p:cSld>
@@ -5596,7 +5601,7 @@
           <a:p>
             <a:fld id="{86842D2D-EEE6-4847-BD6E-D39B79A367B6}" type="datetimeFigureOut">
               <a:rPr lang="en-PH" smtClean="0"/>
-              <a:t>17/03/2023</a:t>
+              <a:t>18/03/2023</a:t>
             </a:fld>
             <a:endParaRPr lang="en-PH"/>
           </a:p>
@@ -5684,29 +5689,29 @@
     </p:spTree>
     <p:extLst>
       <p:ext uri="{BB962C8B-B14F-4D97-AF65-F5344CB8AC3E}">
-        <p14:creationId xmlns:p14="http://schemas.microsoft.com/office/powerpoint/2010/main" val="2860462512"/>
+        <p14:creationId xmlns:p14="http://schemas.microsoft.com/office/powerpoint/2010/main" val="2552333336"/>
       </p:ext>
     </p:extLst>
   </p:cSld>
   <p:clrMap bg1="dk1" tx1="lt1" bg2="dk2" tx2="lt2" accent1="accent1" accent2="accent2" accent3="accent3" accent4="accent4" accent5="accent5" accent6="accent6" hlink="hlink" folHlink="folHlink"/>
   <p:sldLayoutIdLst>
-    <p:sldLayoutId id="2147483715" r:id="rId1"/>
-    <p:sldLayoutId id="2147483716" r:id="rId2"/>
-    <p:sldLayoutId id="2147483717" r:id="rId3"/>
-    <p:sldLayoutId id="2147483718" r:id="rId4"/>
-    <p:sldLayoutId id="2147483719" r:id="rId5"/>
-    <p:sldLayoutId id="2147483720" r:id="rId6"/>
-    <p:sldLayoutId id="2147483721" r:id="rId7"/>
-    <p:sldLayoutId id="2147483722" r:id="rId8"/>
-    <p:sldLayoutId id="2147483723" r:id="rId9"/>
-    <p:sldLayoutId id="2147483724" r:id="rId10"/>
-    <p:sldLayoutId id="2147483725" r:id="rId11"/>
-    <p:sldLayoutId id="2147483726" r:id="rId12"/>
-    <p:sldLayoutId id="2147483727" r:id="rId13"/>
-    <p:sldLayoutId id="2147483728" r:id="rId14"/>
-    <p:sldLayoutId id="2147483729" r:id="rId15"/>
-    <p:sldLayoutId id="2147483730" r:id="rId16"/>
-    <p:sldLayoutId id="2147483731" r:id="rId17"/>
+    <p:sldLayoutId id="2147483751" r:id="rId1"/>
+    <p:sldLayoutId id="2147483752" r:id="rId2"/>
+    <p:sldLayoutId id="2147483753" r:id="rId3"/>
+    <p:sldLayoutId id="2147483754" r:id="rId4"/>
+    <p:sldLayoutId id="2147483755" r:id="rId5"/>
+    <p:sldLayoutId id="2147483756" r:id="rId6"/>
+    <p:sldLayoutId id="2147483757" r:id="rId7"/>
+    <p:sldLayoutId id="2147483758" r:id="rId8"/>
+    <p:sldLayoutId id="2147483759" r:id="rId9"/>
+    <p:sldLayoutId id="2147483760" r:id="rId10"/>
+    <p:sldLayoutId id="2147483761" r:id="rId11"/>
+    <p:sldLayoutId id="2147483762" r:id="rId12"/>
+    <p:sldLayoutId id="2147483763" r:id="rId13"/>
+    <p:sldLayoutId id="2147483764" r:id="rId14"/>
+    <p:sldLayoutId id="2147483765" r:id="rId15"/>
+    <p:sldLayoutId id="2147483766" r:id="rId16"/>
+    <p:sldLayoutId id="2147483767" r:id="rId17"/>
   </p:sldLayoutIdLst>
   <p:txStyles>
     <p:titleStyle>
@@ -6177,7 +6182,7 @@
     </p:spTree>
     <p:extLst>
       <p:ext uri="{BB962C8B-B14F-4D97-AF65-F5344CB8AC3E}">
-        <p14:creationId xmlns:p14="http://schemas.microsoft.com/office/powerpoint/2010/main" val="2312852312"/>
+        <p14:creationId xmlns:p14="http://schemas.microsoft.com/office/powerpoint/2010/main" val="791726554"/>
       </p:ext>
     </p:extLst>
   </p:cSld>
@@ -6188,6 +6193,1656 @@
 </file>
 
 <file path=ppt/slides/slide10.xml><?xml version="1.0" encoding="utf-8"?>
+<p:sld xmlns:a="http://schemas.openxmlformats.org/drawingml/2006/main" xmlns:r="http://schemas.openxmlformats.org/officeDocument/2006/relationships" xmlns:p="http://schemas.openxmlformats.org/presentationml/2006/main" showMasterSp="0">
+  <p:cSld>
+    <p:spTree>
+      <p:nvGrpSpPr>
+        <p:cNvPr id="1" name=""/>
+        <p:cNvGrpSpPr/>
+        <p:nvPr/>
+      </p:nvGrpSpPr>
+      <p:grpSpPr>
+        <a:xfrm>
+          <a:off x="0" y="0"/>
+          <a:ext cx="0" cy="0"/>
+          <a:chOff x="0" y="0"/>
+          <a:chExt cx="0" cy="0"/>
+        </a:xfrm>
+      </p:grpSpPr>
+      <p:sp>
+        <p:nvSpPr>
+          <p:cNvPr id="2" name="Title 1">
+            <a:extLst>
+              <a:ext uri="{FF2B5EF4-FFF2-40B4-BE49-F238E27FC236}">
+                <a16:creationId xmlns:a16="http://schemas.microsoft.com/office/drawing/2014/main" id="{A798699D-B3C2-4CBA-9697-6D45B479BDD6}"/>
+              </a:ext>
+            </a:extLst>
+          </p:cNvPr>
+          <p:cNvSpPr>
+            <a:spLocks noGrp="1"/>
+          </p:cNvSpPr>
+          <p:nvPr>
+            <p:ph type="title"/>
+          </p:nvPr>
+        </p:nvSpPr>
+        <p:spPr>
+          <a:xfrm>
+            <a:off x="1601059" y="151459"/>
+            <a:ext cx="8989882" cy="915514"/>
+          </a:xfrm>
+        </p:spPr>
+        <p:txBody>
+          <a:bodyPr/>
+          <a:lstStyle/>
+          <a:p>
+            <a:r>
+              <a:rPr lang="en-PH" u="sng" dirty="0"/>
+              <a:t>User Interface: Role Management</a:t>
+            </a:r>
+          </a:p>
+        </p:txBody>
+      </p:sp>
+      <p:sp>
+        <p:nvSpPr>
+          <p:cNvPr id="4" name="AutoShape 2" descr="Untitled">
+            <a:extLst>
+              <a:ext uri="{FF2B5EF4-FFF2-40B4-BE49-F238E27FC236}">
+                <a16:creationId xmlns:a16="http://schemas.microsoft.com/office/drawing/2014/main" id="{DD536FA0-C290-4DCC-ABB1-A2278D9087EC}"/>
+              </a:ext>
+            </a:extLst>
+          </p:cNvPr>
+          <p:cNvSpPr>
+            <a:spLocks noChangeAspect="1" noChangeArrowheads="1"/>
+          </p:cNvSpPr>
+          <p:nvPr/>
+        </p:nvSpPr>
+        <p:spPr bwMode="auto">
+          <a:xfrm>
+            <a:off x="5943600" y="3276600"/>
+            <a:ext cx="304800" cy="304800"/>
+          </a:xfrm>
+          <a:prstGeom prst="rect">
+            <a:avLst/>
+          </a:prstGeom>
+          <a:noFill/>
+          <a:extLst>
+            <a:ext uri="{909E8E84-426E-40DD-AFC4-6F175D3DCCD1}">
+              <a14:hiddenFill xmlns:a14="http://schemas.microsoft.com/office/drawing/2010/main">
+                <a:solidFill>
+                  <a:srgbClr val="FFFFFF"/>
+                </a:solidFill>
+              </a14:hiddenFill>
+            </a:ext>
+          </a:extLst>
+        </p:spPr>
+        <p:txBody>
+          <a:bodyPr vert="horz" wrap="square" lIns="91440" tIns="45720" rIns="91440" bIns="45720" numCol="1" anchor="t" anchorCtr="0" compatLnSpc="1">
+            <a:prstTxWarp prst="textNoShape">
+              <a:avLst/>
+            </a:prstTxWarp>
+          </a:bodyPr>
+          <a:lstStyle/>
+          <a:p>
+            <a:endParaRPr lang="en-PH" dirty="0"/>
+          </a:p>
+        </p:txBody>
+      </p:sp>
+      <p:sp>
+        <p:nvSpPr>
+          <p:cNvPr id="5" name="AutoShape 4" descr="Untitled">
+            <a:extLst>
+              <a:ext uri="{FF2B5EF4-FFF2-40B4-BE49-F238E27FC236}">
+                <a16:creationId xmlns:a16="http://schemas.microsoft.com/office/drawing/2014/main" id="{CA59A72B-03AF-4F0A-9E97-13D6ABCF8856}"/>
+              </a:ext>
+            </a:extLst>
+          </p:cNvPr>
+          <p:cNvSpPr>
+            <a:spLocks noChangeAspect="1" noChangeArrowheads="1"/>
+          </p:cNvSpPr>
+          <p:nvPr/>
+        </p:nvSpPr>
+        <p:spPr bwMode="auto">
+          <a:xfrm>
+            <a:off x="6096000" y="3429000"/>
+            <a:ext cx="304800" cy="304800"/>
+          </a:xfrm>
+          <a:prstGeom prst="rect">
+            <a:avLst/>
+          </a:prstGeom>
+          <a:noFill/>
+          <a:extLst>
+            <a:ext uri="{909E8E84-426E-40DD-AFC4-6F175D3DCCD1}">
+              <a14:hiddenFill xmlns:a14="http://schemas.microsoft.com/office/drawing/2010/main">
+                <a:solidFill>
+                  <a:srgbClr val="FFFFFF"/>
+                </a:solidFill>
+              </a14:hiddenFill>
+            </a:ext>
+          </a:extLst>
+        </p:spPr>
+        <p:txBody>
+          <a:bodyPr vert="horz" wrap="square" lIns="91440" tIns="45720" rIns="91440" bIns="45720" numCol="1" anchor="t" anchorCtr="0" compatLnSpc="1">
+            <a:prstTxWarp prst="textNoShape">
+              <a:avLst/>
+            </a:prstTxWarp>
+          </a:bodyPr>
+          <a:lstStyle/>
+          <a:p>
+            <a:endParaRPr lang="en-PH" dirty="0"/>
+          </a:p>
+        </p:txBody>
+      </p:sp>
+      <p:pic>
+        <p:nvPicPr>
+          <p:cNvPr id="7" name="Picture 6">
+            <a:extLst>
+              <a:ext uri="{FF2B5EF4-FFF2-40B4-BE49-F238E27FC236}">
+                <a16:creationId xmlns:a16="http://schemas.microsoft.com/office/drawing/2014/main" id="{C19EA369-E154-4E78-8B9C-12CEBDBF5E8A}"/>
+              </a:ext>
+            </a:extLst>
+          </p:cNvPr>
+          <p:cNvPicPr>
+            <a:picLocks noChangeAspect="1"/>
+          </p:cNvPicPr>
+          <p:nvPr/>
+        </p:nvPicPr>
+        <p:blipFill rotWithShape="1">
+          <a:blip r:embed="rId2">
+            <a:extLst>
+              <a:ext uri="{28A0092B-C50C-407E-A947-70E740481C1C}">
+                <a14:useLocalDpi xmlns:a14="http://schemas.microsoft.com/office/drawing/2010/main" val="0"/>
+              </a:ext>
+            </a:extLst>
+          </a:blip>
+          <a:srcRect b="22014"/>
+          <a:stretch/>
+        </p:blipFill>
+        <p:spPr>
+          <a:xfrm>
+            <a:off x="688926" y="1066973"/>
+            <a:ext cx="10814148" cy="4247535"/>
+          </a:xfrm>
+          <a:prstGeom prst="rect">
+            <a:avLst/>
+          </a:prstGeom>
+        </p:spPr>
+      </p:pic>
+      <p:sp>
+        <p:nvSpPr>
+          <p:cNvPr id="11" name="TextBox 10">
+            <a:extLst>
+              <a:ext uri="{FF2B5EF4-FFF2-40B4-BE49-F238E27FC236}">
+                <a16:creationId xmlns:a16="http://schemas.microsoft.com/office/drawing/2014/main" id="{ABC9C3FE-2B43-4905-B28F-AADB292D9310}"/>
+              </a:ext>
+            </a:extLst>
+          </p:cNvPr>
+          <p:cNvSpPr txBox="1"/>
+          <p:nvPr/>
+        </p:nvSpPr>
+        <p:spPr>
+          <a:xfrm>
+            <a:off x="842101" y="5583691"/>
+            <a:ext cx="8430434" cy="646331"/>
+          </a:xfrm>
+          <a:prstGeom prst="rect">
+            <a:avLst/>
+          </a:prstGeom>
+          <a:noFill/>
+        </p:spPr>
+        <p:txBody>
+          <a:bodyPr wrap="square" rtlCol="0">
+            <a:spAutoFit/>
+          </a:bodyPr>
+          <a:lstStyle/>
+          <a:p>
+            <a:pPr marL="285750" indent="-285750">
+              <a:buFont typeface="Wingdings" panose="05000000000000000000" pitchFamily="2" charset="2"/>
+              <a:buChar char="§"/>
+            </a:pPr>
+            <a:r>
+              <a:rPr lang="en-PH" dirty="0"/>
+              <a:t>The names of the column in the table are </a:t>
+            </a:r>
+            <a:r>
+              <a:rPr lang="en-PH" b="1" i="1" dirty="0"/>
+              <a:t>Role, Title </a:t>
+            </a:r>
+            <a:r>
+              <a:rPr lang="en-PH" dirty="0"/>
+              <a:t>and</a:t>
+            </a:r>
+            <a:r>
+              <a:rPr lang="en-PH" b="1" i="1" dirty="0"/>
+              <a:t> Option.</a:t>
+            </a:r>
+            <a:endParaRPr lang="en-PH" dirty="0"/>
+          </a:p>
+          <a:p>
+            <a:pPr marL="285750" indent="-285750">
+              <a:buFont typeface="Wingdings" panose="05000000000000000000" pitchFamily="2" charset="2"/>
+              <a:buChar char="§"/>
+            </a:pPr>
+            <a:r>
+              <a:rPr lang="en-PH" dirty="0"/>
+              <a:t>In the option column, </a:t>
+            </a:r>
+            <a:r>
+              <a:rPr lang="en-PH" b="1" i="1" dirty="0"/>
+              <a:t>Open/View &amp; Delete </a:t>
+            </a:r>
+            <a:r>
+              <a:rPr lang="en-PH" dirty="0"/>
+              <a:t>must be shown.</a:t>
+            </a:r>
+          </a:p>
+        </p:txBody>
+      </p:sp>
+    </p:spTree>
+    <p:extLst>
+      <p:ext uri="{BB962C8B-B14F-4D97-AF65-F5344CB8AC3E}">
+        <p14:creationId xmlns:p14="http://schemas.microsoft.com/office/powerpoint/2010/main" val="1288450438"/>
+      </p:ext>
+    </p:extLst>
+  </p:cSld>
+  <p:clrMapOvr>
+    <a:masterClrMapping/>
+  </p:clrMapOvr>
+</p:sld>
+</file>
+
+<file path=ppt/slides/slide11.xml><?xml version="1.0" encoding="utf-8"?>
+<p:sld xmlns:a="http://schemas.openxmlformats.org/drawingml/2006/main" xmlns:r="http://schemas.openxmlformats.org/officeDocument/2006/relationships" xmlns:p="http://schemas.openxmlformats.org/presentationml/2006/main" showMasterSp="0">
+  <p:cSld>
+    <p:spTree>
+      <p:nvGrpSpPr>
+        <p:cNvPr id="1" name=""/>
+        <p:cNvGrpSpPr/>
+        <p:nvPr/>
+      </p:nvGrpSpPr>
+      <p:grpSpPr>
+        <a:xfrm>
+          <a:off x="0" y="0"/>
+          <a:ext cx="0" cy="0"/>
+          <a:chOff x="0" y="0"/>
+          <a:chExt cx="0" cy="0"/>
+        </a:xfrm>
+      </p:grpSpPr>
+      <p:sp>
+        <p:nvSpPr>
+          <p:cNvPr id="21" name="Rectangle 20">
+            <a:extLst>
+              <a:ext uri="{FF2B5EF4-FFF2-40B4-BE49-F238E27FC236}">
+                <a16:creationId xmlns:a16="http://schemas.microsoft.com/office/drawing/2014/main" id="{88CF0040-80B7-4F01-8895-E511E76133F0}"/>
+              </a:ext>
+            </a:extLst>
+          </p:cNvPr>
+          <p:cNvSpPr/>
+          <p:nvPr/>
+        </p:nvSpPr>
+        <p:spPr>
+          <a:xfrm>
+            <a:off x="314389" y="1721210"/>
+            <a:ext cx="7020266" cy="3677056"/>
+          </a:xfrm>
+          <a:prstGeom prst="rect">
+            <a:avLst/>
+          </a:prstGeom>
+          <a:ln>
+            <a:solidFill>
+              <a:srgbClr val="CDCDCD"/>
+            </a:solidFill>
+          </a:ln>
+        </p:spPr>
+        <p:style>
+          <a:lnRef idx="2">
+            <a:schemeClr val="accent4">
+              <a:shade val="50000"/>
+            </a:schemeClr>
+          </a:lnRef>
+          <a:fillRef idx="1">
+            <a:schemeClr val="accent4"/>
+          </a:fillRef>
+          <a:effectRef idx="0">
+            <a:schemeClr val="accent4"/>
+          </a:effectRef>
+          <a:fontRef idx="minor">
+            <a:schemeClr val="lt1"/>
+          </a:fontRef>
+        </p:style>
+        <p:txBody>
+          <a:bodyPr rtlCol="0" anchor="ctr"/>
+          <a:lstStyle/>
+          <a:p>
+            <a:pPr algn="ctr"/>
+            <a:endParaRPr lang="en-PH" dirty="0"/>
+          </a:p>
+        </p:txBody>
+      </p:sp>
+      <p:sp>
+        <p:nvSpPr>
+          <p:cNvPr id="2" name="Title 1">
+            <a:extLst>
+              <a:ext uri="{FF2B5EF4-FFF2-40B4-BE49-F238E27FC236}">
+                <a16:creationId xmlns:a16="http://schemas.microsoft.com/office/drawing/2014/main" id="{A798699D-B3C2-4CBA-9697-6D45B479BDD6}"/>
+              </a:ext>
+            </a:extLst>
+          </p:cNvPr>
+          <p:cNvSpPr>
+            <a:spLocks noGrp="1"/>
+          </p:cNvSpPr>
+          <p:nvPr>
+            <p:ph type="title"/>
+          </p:nvPr>
+        </p:nvSpPr>
+        <p:spPr>
+          <a:xfrm>
+            <a:off x="314389" y="234130"/>
+            <a:ext cx="9404723" cy="1400530"/>
+          </a:xfrm>
+        </p:spPr>
+        <p:txBody>
+          <a:bodyPr/>
+          <a:lstStyle/>
+          <a:p>
+            <a:r>
+              <a:rPr lang="en-PH" dirty="0"/>
+              <a:t>UI: Add Module / New Project</a:t>
+            </a:r>
+          </a:p>
+        </p:txBody>
+      </p:sp>
+      <p:graphicFrame>
+        <p:nvGraphicFramePr>
+          <p:cNvPr id="13" name="Table 13">
+            <a:extLst>
+              <a:ext uri="{FF2B5EF4-FFF2-40B4-BE49-F238E27FC236}">
+                <a16:creationId xmlns:a16="http://schemas.microsoft.com/office/drawing/2014/main" id="{077394E6-6A12-4118-829C-4960ED343264}"/>
+              </a:ext>
+            </a:extLst>
+          </p:cNvPr>
+          <p:cNvGraphicFramePr>
+            <a:graphicFrameLocks noGrp="1"/>
+          </p:cNvGraphicFramePr>
+          <p:nvPr>
+            <p:ph idx="1"/>
+            <p:extLst>
+              <p:ext uri="{D42A27DB-BD31-4B8C-83A1-F6EECF244321}">
+                <p14:modId xmlns:p14="http://schemas.microsoft.com/office/powerpoint/2010/main" val="450059964"/>
+              </p:ext>
+            </p:extLst>
+          </p:nvPr>
+        </p:nvGraphicFramePr>
+        <p:xfrm>
+          <a:off x="556247" y="2860152"/>
+          <a:ext cx="6473607" cy="1620000"/>
+        </p:xfrm>
+        <a:graphic>
+          <a:graphicData uri="http://schemas.openxmlformats.org/drawingml/2006/table">
+            <a:tbl>
+              <a:tblPr firstRow="1" bandRow="1">
+                <a:tableStyleId>{D7AC3CCA-C797-4891-BE02-D94E43425B78}</a:tableStyleId>
+              </a:tblPr>
+              <a:tblGrid>
+                <a:gridCol w="639703">
+                  <a:extLst>
+                    <a:ext uri="{9D8B030D-6E8A-4147-A177-3AD203B41FA5}">
+                      <a16:colId xmlns:a16="http://schemas.microsoft.com/office/drawing/2014/main" val="4023073215"/>
+                    </a:ext>
+                  </a:extLst>
+                </a:gridCol>
+                <a:gridCol w="2883181">
+                  <a:extLst>
+                    <a:ext uri="{9D8B030D-6E8A-4147-A177-3AD203B41FA5}">
+                      <a16:colId xmlns:a16="http://schemas.microsoft.com/office/drawing/2014/main" val="4083579815"/>
+                    </a:ext>
+                  </a:extLst>
+                </a:gridCol>
+                <a:gridCol w="2950723">
+                  <a:extLst>
+                    <a:ext uri="{9D8B030D-6E8A-4147-A177-3AD203B41FA5}">
+                      <a16:colId xmlns:a16="http://schemas.microsoft.com/office/drawing/2014/main" val="1430853434"/>
+                    </a:ext>
+                  </a:extLst>
+                </a:gridCol>
+              </a:tblGrid>
+              <a:tr h="540000">
+                <a:tc>
+                  <a:txBody>
+                    <a:bodyPr/>
+                    <a:lstStyle/>
+                    <a:p>
+                      <a:endParaRPr lang="en-PH" dirty="0"/>
+                    </a:p>
+                  </a:txBody>
+                  <a:tcPr>
+                    <a:solidFill>
+                      <a:schemeClr val="accent4">
+                        <a:lumMod val="75000"/>
+                      </a:schemeClr>
+                    </a:solidFill>
+                  </a:tcPr>
+                </a:tc>
+                <a:tc>
+                  <a:txBody>
+                    <a:bodyPr/>
+                    <a:lstStyle/>
+                    <a:p>
+                      <a:pPr algn="ctr"/>
+                      <a:r>
+                        <a:rPr lang="en-PH" b="1" dirty="0">
+                          <a:solidFill>
+                            <a:schemeClr val="tx1"/>
+                          </a:solidFill>
+                        </a:rPr>
+                        <a:t>User Role</a:t>
+                      </a:r>
+                    </a:p>
+                  </a:txBody>
+                  <a:tcPr anchor="ctr">
+                    <a:solidFill>
+                      <a:schemeClr val="accent4">
+                        <a:lumMod val="75000"/>
+                      </a:schemeClr>
+                    </a:solidFill>
+                  </a:tcPr>
+                </a:tc>
+                <a:tc>
+                  <a:txBody>
+                    <a:bodyPr/>
+                    <a:lstStyle/>
+                    <a:p>
+                      <a:pPr algn="ctr"/>
+                      <a:r>
+                        <a:rPr lang="en-PH" b="1" dirty="0">
+                          <a:solidFill>
+                            <a:schemeClr val="tx1"/>
+                          </a:solidFill>
+                        </a:rPr>
+                        <a:t>Title</a:t>
+                      </a:r>
+                    </a:p>
+                  </a:txBody>
+                  <a:tcPr anchor="ctr">
+                    <a:solidFill>
+                      <a:schemeClr val="accent4">
+                        <a:lumMod val="75000"/>
+                      </a:schemeClr>
+                    </a:solidFill>
+                  </a:tcPr>
+                </a:tc>
+                <a:extLst>
+                  <a:ext uri="{0D108BD9-81ED-4DB2-BD59-A6C34878D82A}">
+                    <a16:rowId xmlns:a16="http://schemas.microsoft.com/office/drawing/2014/main" val="1732126330"/>
+                  </a:ext>
+                </a:extLst>
+              </a:tr>
+              <a:tr h="540000">
+                <a:tc>
+                  <a:txBody>
+                    <a:bodyPr/>
+                    <a:lstStyle/>
+                    <a:p>
+                      <a:endParaRPr lang="en-PH" dirty="0"/>
+                    </a:p>
+                  </a:txBody>
+                  <a:tcPr/>
+                </a:tc>
+                <a:tc>
+                  <a:txBody>
+                    <a:bodyPr/>
+                    <a:lstStyle/>
+                    <a:p>
+                      <a:pPr algn="l"/>
+                      <a:r>
+                        <a:rPr lang="en-PH" dirty="0"/>
+                        <a:t>ADMINISTRATION</a:t>
+                      </a:r>
+                    </a:p>
+                  </a:txBody>
+                  <a:tcPr anchor="ctr"/>
+                </a:tc>
+                <a:tc>
+                  <a:txBody>
+                    <a:bodyPr/>
+                    <a:lstStyle/>
+                    <a:p>
+                      <a:pPr algn="l"/>
+                      <a:r>
+                        <a:rPr lang="en-PH" dirty="0"/>
+                        <a:t>VAMOS ADMIN</a:t>
+                      </a:r>
+                    </a:p>
+                  </a:txBody>
+                  <a:tcPr anchor="ctr"/>
+                </a:tc>
+                <a:extLst>
+                  <a:ext uri="{0D108BD9-81ED-4DB2-BD59-A6C34878D82A}">
+                    <a16:rowId xmlns:a16="http://schemas.microsoft.com/office/drawing/2014/main" val="1602023234"/>
+                  </a:ext>
+                </a:extLst>
+              </a:tr>
+              <a:tr h="540000">
+                <a:tc>
+                  <a:txBody>
+                    <a:bodyPr/>
+                    <a:lstStyle/>
+                    <a:p>
+                      <a:endParaRPr lang="en-PH" dirty="0"/>
+                    </a:p>
+                  </a:txBody>
+                  <a:tcPr/>
+                </a:tc>
+                <a:tc>
+                  <a:txBody>
+                    <a:bodyPr/>
+                    <a:lstStyle/>
+                    <a:p>
+                      <a:pPr algn="l"/>
+                      <a:r>
+                        <a:rPr lang="en-PH" dirty="0"/>
+                        <a:t>DATA ENCODER</a:t>
+                      </a:r>
+                    </a:p>
+                  </a:txBody>
+                  <a:tcPr anchor="ctr"/>
+                </a:tc>
+                <a:tc>
+                  <a:txBody>
+                    <a:bodyPr/>
+                    <a:lstStyle/>
+                    <a:p>
+                      <a:pPr algn="l"/>
+                      <a:r>
+                        <a:rPr lang="en-PH" dirty="0"/>
+                        <a:t>VAMOS DATA ENCODER</a:t>
+                      </a:r>
+                    </a:p>
+                  </a:txBody>
+                  <a:tcPr anchor="ctr"/>
+                </a:tc>
+                <a:extLst>
+                  <a:ext uri="{0D108BD9-81ED-4DB2-BD59-A6C34878D82A}">
+                    <a16:rowId xmlns:a16="http://schemas.microsoft.com/office/drawing/2014/main" val="1187477693"/>
+                  </a:ext>
+                </a:extLst>
+              </a:tr>
+            </a:tbl>
+          </a:graphicData>
+        </a:graphic>
+      </p:graphicFrame>
+      <p:sp>
+        <p:nvSpPr>
+          <p:cNvPr id="4" name="AutoShape 2" descr="Untitled">
+            <a:extLst>
+              <a:ext uri="{FF2B5EF4-FFF2-40B4-BE49-F238E27FC236}">
+                <a16:creationId xmlns:a16="http://schemas.microsoft.com/office/drawing/2014/main" id="{DD536FA0-C290-4DCC-ABB1-A2278D9087EC}"/>
+              </a:ext>
+            </a:extLst>
+          </p:cNvPr>
+          <p:cNvSpPr>
+            <a:spLocks noChangeAspect="1" noChangeArrowheads="1"/>
+          </p:cNvSpPr>
+          <p:nvPr/>
+        </p:nvSpPr>
+        <p:spPr bwMode="auto">
+          <a:xfrm>
+            <a:off x="4594558" y="2803626"/>
+            <a:ext cx="304800" cy="304800"/>
+          </a:xfrm>
+          <a:prstGeom prst="rect">
+            <a:avLst/>
+          </a:prstGeom>
+          <a:noFill/>
+          <a:extLst>
+            <a:ext uri="{909E8E84-426E-40DD-AFC4-6F175D3DCCD1}">
+              <a14:hiddenFill xmlns:a14="http://schemas.microsoft.com/office/drawing/2010/main">
+                <a:solidFill>
+                  <a:srgbClr val="FFFFFF"/>
+                </a:solidFill>
+              </a14:hiddenFill>
+            </a:ext>
+          </a:extLst>
+        </p:spPr>
+        <p:txBody>
+          <a:bodyPr vert="horz" wrap="square" lIns="91440" tIns="45720" rIns="91440" bIns="45720" numCol="1" anchor="t" anchorCtr="0" compatLnSpc="1">
+            <a:prstTxWarp prst="textNoShape">
+              <a:avLst/>
+            </a:prstTxWarp>
+          </a:bodyPr>
+          <a:lstStyle/>
+          <a:p>
+            <a:endParaRPr lang="en-PH" dirty="0"/>
+          </a:p>
+        </p:txBody>
+      </p:sp>
+      <p:sp>
+        <p:nvSpPr>
+          <p:cNvPr id="5" name="AutoShape 4" descr="Untitled">
+            <a:extLst>
+              <a:ext uri="{FF2B5EF4-FFF2-40B4-BE49-F238E27FC236}">
+                <a16:creationId xmlns:a16="http://schemas.microsoft.com/office/drawing/2014/main" id="{CA59A72B-03AF-4F0A-9E97-13D6ABCF8856}"/>
+              </a:ext>
+            </a:extLst>
+          </p:cNvPr>
+          <p:cNvSpPr>
+            <a:spLocks noChangeAspect="1" noChangeArrowheads="1"/>
+          </p:cNvSpPr>
+          <p:nvPr/>
+        </p:nvSpPr>
+        <p:spPr bwMode="auto">
+          <a:xfrm>
+            <a:off x="4746958" y="2670291"/>
+            <a:ext cx="304800" cy="304800"/>
+          </a:xfrm>
+          <a:prstGeom prst="rect">
+            <a:avLst/>
+          </a:prstGeom>
+          <a:noFill/>
+          <a:extLst>
+            <a:ext uri="{909E8E84-426E-40DD-AFC4-6F175D3DCCD1}">
+              <a14:hiddenFill xmlns:a14="http://schemas.microsoft.com/office/drawing/2010/main">
+                <a:solidFill>
+                  <a:srgbClr val="FFFFFF"/>
+                </a:solidFill>
+              </a14:hiddenFill>
+            </a:ext>
+          </a:extLst>
+        </p:spPr>
+        <p:txBody>
+          <a:bodyPr vert="horz" wrap="square" lIns="91440" tIns="45720" rIns="91440" bIns="45720" numCol="1" anchor="t" anchorCtr="0" compatLnSpc="1">
+            <a:prstTxWarp prst="textNoShape">
+              <a:avLst/>
+            </a:prstTxWarp>
+          </a:bodyPr>
+          <a:lstStyle/>
+          <a:p>
+            <a:endParaRPr lang="en-PH" dirty="0"/>
+          </a:p>
+        </p:txBody>
+      </p:sp>
+      <p:sp>
+        <p:nvSpPr>
+          <p:cNvPr id="15" name="Plus Sign 14">
+            <a:extLst>
+              <a:ext uri="{FF2B5EF4-FFF2-40B4-BE49-F238E27FC236}">
+                <a16:creationId xmlns:a16="http://schemas.microsoft.com/office/drawing/2014/main" id="{82822F67-EF4D-4966-A69D-91B6482A33FD}"/>
+              </a:ext>
+            </a:extLst>
+          </p:cNvPr>
+          <p:cNvSpPr/>
+          <p:nvPr/>
+        </p:nvSpPr>
+        <p:spPr>
+          <a:xfrm>
+            <a:off x="765846" y="3020918"/>
+            <a:ext cx="266441" cy="290277"/>
+          </a:xfrm>
+          <a:prstGeom prst="mathPlus">
+            <a:avLst/>
+          </a:prstGeom>
+        </p:spPr>
+        <p:style>
+          <a:lnRef idx="0">
+            <a:schemeClr val="accent1"/>
+          </a:lnRef>
+          <a:fillRef idx="3">
+            <a:schemeClr val="accent1"/>
+          </a:fillRef>
+          <a:effectRef idx="3">
+            <a:schemeClr val="accent1"/>
+          </a:effectRef>
+          <a:fontRef idx="minor">
+            <a:schemeClr val="lt1"/>
+          </a:fontRef>
+        </p:style>
+        <p:txBody>
+          <a:bodyPr rtlCol="0" anchor="ctr"/>
+          <a:lstStyle/>
+          <a:p>
+            <a:pPr algn="ctr"/>
+            <a:endParaRPr lang="en-PH"/>
+          </a:p>
+        </p:txBody>
+      </p:sp>
+      <p:sp>
+        <p:nvSpPr>
+          <p:cNvPr id="18" name="TextBox 17">
+            <a:extLst>
+              <a:ext uri="{FF2B5EF4-FFF2-40B4-BE49-F238E27FC236}">
+                <a16:creationId xmlns:a16="http://schemas.microsoft.com/office/drawing/2014/main" id="{A8E4D2DA-F34D-49A9-8F2B-AB490F959E27}"/>
+              </a:ext>
+            </a:extLst>
+          </p:cNvPr>
+          <p:cNvSpPr txBox="1"/>
+          <p:nvPr/>
+        </p:nvSpPr>
+        <p:spPr>
+          <a:xfrm>
+            <a:off x="715722" y="2154532"/>
+            <a:ext cx="1177344" cy="369332"/>
+          </a:xfrm>
+          <a:prstGeom prst="rect">
+            <a:avLst/>
+          </a:prstGeom>
+          <a:noFill/>
+        </p:spPr>
+        <p:txBody>
+          <a:bodyPr wrap="square" rtlCol="0">
+            <a:spAutoFit/>
+          </a:bodyPr>
+          <a:lstStyle/>
+          <a:p>
+            <a:r>
+              <a:rPr lang="en-PH" b="1" dirty="0"/>
+              <a:t>Module</a:t>
+            </a:r>
+          </a:p>
+        </p:txBody>
+      </p:sp>
+      <p:sp>
+        <p:nvSpPr>
+          <p:cNvPr id="19" name="Rectangle 18">
+            <a:extLst>
+              <a:ext uri="{FF2B5EF4-FFF2-40B4-BE49-F238E27FC236}">
+                <a16:creationId xmlns:a16="http://schemas.microsoft.com/office/drawing/2014/main" id="{3C7F1E2E-1113-47B4-B297-7C626C8C4E17}"/>
+              </a:ext>
+            </a:extLst>
+          </p:cNvPr>
+          <p:cNvSpPr/>
+          <p:nvPr/>
+        </p:nvSpPr>
+        <p:spPr>
+          <a:xfrm>
+            <a:off x="2344451" y="2069961"/>
+            <a:ext cx="3755248" cy="540191"/>
+          </a:xfrm>
+          <a:prstGeom prst="rect">
+            <a:avLst/>
+          </a:prstGeom>
+        </p:spPr>
+        <p:style>
+          <a:lnRef idx="2">
+            <a:schemeClr val="dk1"/>
+          </a:lnRef>
+          <a:fillRef idx="1">
+            <a:schemeClr val="lt1"/>
+          </a:fillRef>
+          <a:effectRef idx="0">
+            <a:schemeClr val="dk1"/>
+          </a:effectRef>
+          <a:fontRef idx="minor">
+            <a:schemeClr val="dk1"/>
+          </a:fontRef>
+        </p:style>
+        <p:txBody>
+          <a:bodyPr rtlCol="0" anchor="ctr"/>
+          <a:lstStyle/>
+          <a:p>
+            <a:pPr algn="ctr"/>
+            <a:r>
+              <a:rPr lang="en-PH" dirty="0"/>
+              <a:t>VAMOS</a:t>
+            </a:r>
+          </a:p>
+        </p:txBody>
+      </p:sp>
+      <p:sp>
+        <p:nvSpPr>
+          <p:cNvPr id="20" name="Rectangle 19">
+            <a:extLst>
+              <a:ext uri="{FF2B5EF4-FFF2-40B4-BE49-F238E27FC236}">
+                <a16:creationId xmlns:a16="http://schemas.microsoft.com/office/drawing/2014/main" id="{2C5B5115-AEFE-4B58-8B10-72248337D8F3}"/>
+              </a:ext>
+            </a:extLst>
+          </p:cNvPr>
+          <p:cNvSpPr/>
+          <p:nvPr/>
+        </p:nvSpPr>
+        <p:spPr>
+          <a:xfrm>
+            <a:off x="5862535" y="4704185"/>
+            <a:ext cx="933855" cy="470047"/>
+          </a:xfrm>
+          <a:prstGeom prst="rect">
+            <a:avLst/>
+          </a:prstGeom>
+          <a:solidFill>
+            <a:srgbClr val="1F5136"/>
+          </a:solidFill>
+          <a:ln w="3175">
+            <a:solidFill>
+              <a:schemeClr val="tx1"/>
+            </a:solidFill>
+          </a:ln>
+        </p:spPr>
+        <p:style>
+          <a:lnRef idx="2">
+            <a:schemeClr val="accent1">
+              <a:shade val="50000"/>
+            </a:schemeClr>
+          </a:lnRef>
+          <a:fillRef idx="1">
+            <a:schemeClr val="accent1"/>
+          </a:fillRef>
+          <a:effectRef idx="0">
+            <a:schemeClr val="accent1"/>
+          </a:effectRef>
+          <a:fontRef idx="minor">
+            <a:schemeClr val="lt1"/>
+          </a:fontRef>
+        </p:style>
+        <p:txBody>
+          <a:bodyPr rtlCol="0" anchor="ctr"/>
+          <a:lstStyle/>
+          <a:p>
+            <a:pPr algn="ctr"/>
+            <a:r>
+              <a:rPr lang="en-PH" dirty="0"/>
+              <a:t>Save</a:t>
+            </a:r>
+          </a:p>
+        </p:txBody>
+      </p:sp>
+      <p:sp>
+        <p:nvSpPr>
+          <p:cNvPr id="25" name="TextBox 24">
+            <a:extLst>
+              <a:ext uri="{FF2B5EF4-FFF2-40B4-BE49-F238E27FC236}">
+                <a16:creationId xmlns:a16="http://schemas.microsoft.com/office/drawing/2014/main" id="{23C69160-F903-4EAE-9281-77BE6748F66C}"/>
+              </a:ext>
+            </a:extLst>
+          </p:cNvPr>
+          <p:cNvSpPr txBox="1"/>
+          <p:nvPr/>
+        </p:nvSpPr>
+        <p:spPr>
+          <a:xfrm>
+            <a:off x="7419369" y="2145388"/>
+            <a:ext cx="4251740" cy="2862322"/>
+          </a:xfrm>
+          <a:prstGeom prst="rect">
+            <a:avLst/>
+          </a:prstGeom>
+          <a:noFill/>
+        </p:spPr>
+        <p:txBody>
+          <a:bodyPr wrap="square" rtlCol="0">
+            <a:spAutoFit/>
+          </a:bodyPr>
+          <a:lstStyle/>
+          <a:p>
+            <a:r>
+              <a:rPr lang="en-PH" dirty="0"/>
+              <a:t>Note:</a:t>
+            </a:r>
+          </a:p>
+          <a:p>
+            <a:pPr marL="447675" lvl="1" indent="-285750">
+              <a:buFont typeface="Arial" panose="020B0604020202020204" pitchFamily="34" charset="0"/>
+              <a:buChar char="•"/>
+            </a:pPr>
+            <a:endParaRPr lang="en-PH" dirty="0"/>
+          </a:p>
+          <a:p>
+            <a:pPr marL="447675" lvl="1" indent="-285750">
+              <a:buFont typeface="Arial" panose="020B0604020202020204" pitchFamily="34" charset="0"/>
+              <a:buChar char="•"/>
+            </a:pPr>
+            <a:r>
+              <a:rPr lang="en-PH" dirty="0"/>
+              <a:t>Input fields should be capitalized.</a:t>
+            </a:r>
+          </a:p>
+          <a:p>
+            <a:pPr marL="447675" lvl="1" indent="-285750">
+              <a:buFont typeface="Arial" panose="020B0604020202020204" pitchFamily="34" charset="0"/>
+              <a:buChar char="•"/>
+            </a:pPr>
+            <a:r>
+              <a:rPr lang="en-PH" dirty="0"/>
+              <a:t>First row is the column name.</a:t>
+            </a:r>
+          </a:p>
+          <a:p>
+            <a:pPr marL="447675" lvl="1" indent="-285750">
+              <a:buFont typeface="Arial" panose="020B0604020202020204" pitchFamily="34" charset="0"/>
+              <a:buChar char="•"/>
+            </a:pPr>
+            <a:r>
+              <a:rPr lang="en-PH" dirty="0"/>
+              <a:t>Second row will be the user role and the title.</a:t>
+            </a:r>
+          </a:p>
+          <a:p>
+            <a:pPr marL="447675" lvl="1" indent="-285750">
+              <a:buFont typeface="Arial" panose="020B0604020202020204" pitchFamily="34" charset="0"/>
+              <a:buChar char="•"/>
+            </a:pPr>
+            <a:r>
+              <a:rPr lang="en-PH" dirty="0"/>
+              <a:t>User Role should be an array.</a:t>
+            </a:r>
+          </a:p>
+          <a:p>
+            <a:pPr marL="447675" lvl="1" indent="-285750">
+              <a:buFont typeface="Arial" panose="020B0604020202020204" pitchFamily="34" charset="0"/>
+              <a:buChar char="•"/>
+            </a:pPr>
+            <a:r>
+              <a:rPr lang="en-PH" dirty="0"/>
+              <a:t>Plus sign must be a button that can add a row in the table.</a:t>
+            </a:r>
+          </a:p>
+        </p:txBody>
+      </p:sp>
+      <p:sp>
+        <p:nvSpPr>
+          <p:cNvPr id="26" name="Multiplication Sign 25">
+            <a:extLst>
+              <a:ext uri="{FF2B5EF4-FFF2-40B4-BE49-F238E27FC236}">
+                <a16:creationId xmlns:a16="http://schemas.microsoft.com/office/drawing/2014/main" id="{F5A06F94-62AD-49F0-948B-00E414556D64}"/>
+              </a:ext>
+            </a:extLst>
+          </p:cNvPr>
+          <p:cNvSpPr/>
+          <p:nvPr/>
+        </p:nvSpPr>
+        <p:spPr>
+          <a:xfrm>
+            <a:off x="737076" y="3556425"/>
+            <a:ext cx="323980" cy="274845"/>
+          </a:xfrm>
+          <a:prstGeom prst="mathMultiply">
+            <a:avLst/>
+          </a:prstGeom>
+        </p:spPr>
+        <p:style>
+          <a:lnRef idx="1">
+            <a:schemeClr val="accent1"/>
+          </a:lnRef>
+          <a:fillRef idx="3">
+            <a:schemeClr val="accent1"/>
+          </a:fillRef>
+          <a:effectRef idx="2">
+            <a:schemeClr val="accent1"/>
+          </a:effectRef>
+          <a:fontRef idx="minor">
+            <a:schemeClr val="lt1"/>
+          </a:fontRef>
+        </p:style>
+        <p:txBody>
+          <a:bodyPr rtlCol="0" anchor="ctr"/>
+          <a:lstStyle/>
+          <a:p>
+            <a:pPr algn="ctr"/>
+            <a:endParaRPr lang="en-PH"/>
+          </a:p>
+        </p:txBody>
+      </p:sp>
+      <p:sp>
+        <p:nvSpPr>
+          <p:cNvPr id="27" name="Multiplication Sign 26">
+            <a:extLst>
+              <a:ext uri="{FF2B5EF4-FFF2-40B4-BE49-F238E27FC236}">
+                <a16:creationId xmlns:a16="http://schemas.microsoft.com/office/drawing/2014/main" id="{B7268091-E880-4E6A-8BD9-DD2FE883C6EA}"/>
+              </a:ext>
+            </a:extLst>
+          </p:cNvPr>
+          <p:cNvSpPr/>
+          <p:nvPr/>
+        </p:nvSpPr>
+        <p:spPr>
+          <a:xfrm>
+            <a:off x="737076" y="4093692"/>
+            <a:ext cx="323980" cy="274845"/>
+          </a:xfrm>
+          <a:prstGeom prst="mathMultiply">
+            <a:avLst/>
+          </a:prstGeom>
+        </p:spPr>
+        <p:style>
+          <a:lnRef idx="1">
+            <a:schemeClr val="accent1"/>
+          </a:lnRef>
+          <a:fillRef idx="3">
+            <a:schemeClr val="accent1"/>
+          </a:fillRef>
+          <a:effectRef idx="2">
+            <a:schemeClr val="accent1"/>
+          </a:effectRef>
+          <a:fontRef idx="minor">
+            <a:schemeClr val="lt1"/>
+          </a:fontRef>
+        </p:style>
+        <p:txBody>
+          <a:bodyPr rtlCol="0" anchor="ctr"/>
+          <a:lstStyle/>
+          <a:p>
+            <a:pPr algn="ctr"/>
+            <a:endParaRPr lang="en-PH"/>
+          </a:p>
+        </p:txBody>
+      </p:sp>
+    </p:spTree>
+    <p:extLst>
+      <p:ext uri="{BB962C8B-B14F-4D97-AF65-F5344CB8AC3E}">
+        <p14:creationId xmlns:p14="http://schemas.microsoft.com/office/powerpoint/2010/main" val="2050694454"/>
+      </p:ext>
+    </p:extLst>
+  </p:cSld>
+  <p:clrMapOvr>
+    <a:masterClrMapping/>
+  </p:clrMapOvr>
+</p:sld>
+</file>
+
+<file path=ppt/slides/slide12.xml><?xml version="1.0" encoding="utf-8"?>
+<p:sld xmlns:a="http://schemas.openxmlformats.org/drawingml/2006/main" xmlns:r="http://schemas.openxmlformats.org/officeDocument/2006/relationships" xmlns:p="http://schemas.openxmlformats.org/presentationml/2006/main" showMasterSp="0">
+  <p:cSld>
+    <p:spTree>
+      <p:nvGrpSpPr>
+        <p:cNvPr id="1" name=""/>
+        <p:cNvGrpSpPr/>
+        <p:nvPr/>
+      </p:nvGrpSpPr>
+      <p:grpSpPr>
+        <a:xfrm>
+          <a:off x="0" y="0"/>
+          <a:ext cx="0" cy="0"/>
+          <a:chOff x="0" y="0"/>
+          <a:chExt cx="0" cy="0"/>
+        </a:xfrm>
+      </p:grpSpPr>
+      <p:sp>
+        <p:nvSpPr>
+          <p:cNvPr id="2" name="Title 1">
+            <a:extLst>
+              <a:ext uri="{FF2B5EF4-FFF2-40B4-BE49-F238E27FC236}">
+                <a16:creationId xmlns:a16="http://schemas.microsoft.com/office/drawing/2014/main" id="{8CB058B7-8ED0-41ED-B765-DAC3E320FD0B}"/>
+              </a:ext>
+            </a:extLst>
+          </p:cNvPr>
+          <p:cNvSpPr>
+            <a:spLocks noGrp="1"/>
+          </p:cNvSpPr>
+          <p:nvPr>
+            <p:ph type="title"/>
+          </p:nvPr>
+        </p:nvSpPr>
+        <p:spPr>
+          <a:xfrm>
+            <a:off x="503871" y="593930"/>
+            <a:ext cx="9404723" cy="892530"/>
+          </a:xfrm>
+        </p:spPr>
+        <p:txBody>
+          <a:bodyPr/>
+          <a:lstStyle/>
+          <a:p>
+            <a:r>
+              <a:rPr lang="en-PH" dirty="0"/>
+              <a:t>Data Structure:</a:t>
+            </a:r>
+            <a:endParaRPr lang="en-PH" b="1" i="1" dirty="0"/>
+          </a:p>
+        </p:txBody>
+      </p:sp>
+      <p:graphicFrame>
+        <p:nvGraphicFramePr>
+          <p:cNvPr id="8" name="Table 7">
+            <a:extLst>
+              <a:ext uri="{FF2B5EF4-FFF2-40B4-BE49-F238E27FC236}">
+                <a16:creationId xmlns:a16="http://schemas.microsoft.com/office/drawing/2014/main" id="{793B2B4C-14D1-4FEB-8866-50960CAD67FA}"/>
+              </a:ext>
+            </a:extLst>
+          </p:cNvPr>
+          <p:cNvGraphicFramePr>
+            <a:graphicFrameLocks noGrp="1"/>
+          </p:cNvGraphicFramePr>
+          <p:nvPr>
+            <p:extLst>
+              <p:ext uri="{D42A27DB-BD31-4B8C-83A1-F6EECF244321}">
+                <p14:modId xmlns:p14="http://schemas.microsoft.com/office/powerpoint/2010/main" val="3413543976"/>
+              </p:ext>
+            </p:extLst>
+          </p:nvPr>
+        </p:nvGraphicFramePr>
+        <p:xfrm>
+          <a:off x="1093371" y="3018536"/>
+          <a:ext cx="10005256" cy="1828800"/>
+        </p:xfrm>
+        <a:graphic>
+          <a:graphicData uri="http://schemas.openxmlformats.org/drawingml/2006/table">
+            <a:tbl>
+              <a:tblPr>
+                <a:tableStyleId>{775DCB02-9BB8-47FD-8907-85C794F793BA}</a:tableStyleId>
+              </a:tblPr>
+              <a:tblGrid>
+                <a:gridCol w="964461">
+                  <a:extLst>
+                    <a:ext uri="{9D8B030D-6E8A-4147-A177-3AD203B41FA5}">
+                      <a16:colId xmlns:a16="http://schemas.microsoft.com/office/drawing/2014/main" val="3135077932"/>
+                    </a:ext>
+                  </a:extLst>
+                </a:gridCol>
+                <a:gridCol w="1818442">
+                  <a:extLst>
+                    <a:ext uri="{9D8B030D-6E8A-4147-A177-3AD203B41FA5}">
+                      <a16:colId xmlns:a16="http://schemas.microsoft.com/office/drawing/2014/main" val="55574180"/>
+                    </a:ext>
+                  </a:extLst>
+                </a:gridCol>
+                <a:gridCol w="1856540">
+                  <a:extLst>
+                    <a:ext uri="{9D8B030D-6E8A-4147-A177-3AD203B41FA5}">
+                      <a16:colId xmlns:a16="http://schemas.microsoft.com/office/drawing/2014/main" val="3354725398"/>
+                    </a:ext>
+                  </a:extLst>
+                </a:gridCol>
+                <a:gridCol w="2175573">
+                  <a:extLst>
+                    <a:ext uri="{9D8B030D-6E8A-4147-A177-3AD203B41FA5}">
+                      <a16:colId xmlns:a16="http://schemas.microsoft.com/office/drawing/2014/main" val="2317916711"/>
+                    </a:ext>
+                  </a:extLst>
+                </a:gridCol>
+                <a:gridCol w="3190240">
+                  <a:extLst>
+                    <a:ext uri="{9D8B030D-6E8A-4147-A177-3AD203B41FA5}">
+                      <a16:colId xmlns:a16="http://schemas.microsoft.com/office/drawing/2014/main" val="2034720444"/>
+                    </a:ext>
+                  </a:extLst>
+                </a:gridCol>
+              </a:tblGrid>
+              <a:tr h="360000">
+                <a:tc>
+                  <a:txBody>
+                    <a:bodyPr/>
+                    <a:lstStyle/>
+                    <a:p>
+                      <a:pPr algn="ctr"/>
+                      <a:r>
+                        <a:rPr lang="en-PH" b="1"/>
+                        <a:t>#</a:t>
+                      </a:r>
+                    </a:p>
+                  </a:txBody>
+                  <a:tcPr anchor="ctr"/>
+                </a:tc>
+                <a:tc>
+                  <a:txBody>
+                    <a:bodyPr/>
+                    <a:lstStyle/>
+                    <a:p>
+                      <a:pPr algn="ctr"/>
+                      <a:r>
+                        <a:rPr lang="en-PH" b="1"/>
+                        <a:t>COLUMN</a:t>
+                      </a:r>
+                    </a:p>
+                  </a:txBody>
+                  <a:tcPr anchor="ctr"/>
+                </a:tc>
+                <a:tc>
+                  <a:txBody>
+                    <a:bodyPr/>
+                    <a:lstStyle/>
+                    <a:p>
+                      <a:pPr algn="ctr"/>
+                      <a:r>
+                        <a:rPr lang="en-PH" b="1" dirty="0"/>
+                        <a:t>DATA TYPE</a:t>
+                      </a:r>
+                    </a:p>
+                  </a:txBody>
+                  <a:tcPr anchor="ctr"/>
+                </a:tc>
+                <a:tc>
+                  <a:txBody>
+                    <a:bodyPr/>
+                    <a:lstStyle/>
+                    <a:p>
+                      <a:pPr algn="ctr"/>
+                      <a:r>
+                        <a:rPr lang="en-PH" b="1" dirty="0"/>
+                        <a:t>LENGTH</a:t>
+                      </a:r>
+                    </a:p>
+                  </a:txBody>
+                  <a:tcPr anchor="ctr"/>
+                </a:tc>
+                <a:tc>
+                  <a:txBody>
+                    <a:bodyPr/>
+                    <a:lstStyle/>
+                    <a:p>
+                      <a:pPr algn="ctr"/>
+                      <a:r>
+                        <a:rPr lang="en-PH" b="1" dirty="0"/>
+                        <a:t>REMARKS</a:t>
+                      </a:r>
+                    </a:p>
+                  </a:txBody>
+                  <a:tcPr anchor="ctr"/>
+                </a:tc>
+                <a:extLst>
+                  <a:ext uri="{0D108BD9-81ED-4DB2-BD59-A6C34878D82A}">
+                    <a16:rowId xmlns:a16="http://schemas.microsoft.com/office/drawing/2014/main" val="830437197"/>
+                  </a:ext>
+                </a:extLst>
+              </a:tr>
+              <a:tr h="360000">
+                <a:tc>
+                  <a:txBody>
+                    <a:bodyPr/>
+                    <a:lstStyle/>
+                    <a:p>
+                      <a:r>
+                        <a:rPr lang="en-PH" b="1"/>
+                        <a:t>PK</a:t>
+                      </a:r>
+                    </a:p>
+                  </a:txBody>
+                  <a:tcPr anchor="ctr"/>
+                </a:tc>
+                <a:tc>
+                  <a:txBody>
+                    <a:bodyPr/>
+                    <a:lstStyle/>
+                    <a:p>
+                      <a:r>
+                        <a:rPr lang="en-PH" b="1" dirty="0" err="1"/>
+                        <a:t>role_id</a:t>
+                      </a:r>
+                      <a:endParaRPr lang="en-PH" b="1" dirty="0"/>
+                    </a:p>
+                  </a:txBody>
+                  <a:tcPr anchor="ctr"/>
+                </a:tc>
+                <a:tc>
+                  <a:txBody>
+                    <a:bodyPr/>
+                    <a:lstStyle/>
+                    <a:p>
+                      <a:r>
+                        <a:rPr lang="en-PH" dirty="0"/>
+                        <a:t>VARCHAR</a:t>
+                      </a:r>
+                    </a:p>
+                  </a:txBody>
+                  <a:tcPr anchor="ctr"/>
+                </a:tc>
+                <a:tc>
+                  <a:txBody>
+                    <a:bodyPr/>
+                    <a:lstStyle/>
+                    <a:p>
+                      <a:r>
+                        <a:rPr lang="en-PH"/>
+                        <a:t>100</a:t>
+                      </a:r>
+                    </a:p>
+                  </a:txBody>
+                  <a:tcPr anchor="ctr"/>
+                </a:tc>
+                <a:tc>
+                  <a:txBody>
+                    <a:bodyPr/>
+                    <a:lstStyle/>
+                    <a:p>
+                      <a:r>
+                        <a:rPr lang="en-PH" dirty="0"/>
+                        <a:t>Unique ID (</a:t>
+                      </a:r>
+                      <a:r>
+                        <a:rPr lang="en-PH" dirty="0" err="1"/>
+                        <a:t>module.role</a:t>
+                      </a:r>
+                      <a:r>
+                        <a:rPr lang="en-PH" dirty="0"/>
+                        <a:t>)</a:t>
+                      </a:r>
+                    </a:p>
+                  </a:txBody>
+                  <a:tcPr anchor="ctr"/>
+                </a:tc>
+                <a:extLst>
+                  <a:ext uri="{0D108BD9-81ED-4DB2-BD59-A6C34878D82A}">
+                    <a16:rowId xmlns:a16="http://schemas.microsoft.com/office/drawing/2014/main" val="2140421657"/>
+                  </a:ext>
+                </a:extLst>
+              </a:tr>
+              <a:tr h="360000">
+                <a:tc>
+                  <a:txBody>
+                    <a:bodyPr/>
+                    <a:lstStyle/>
+                    <a:p>
+                      <a:endParaRPr lang="en-PH"/>
+                    </a:p>
+                  </a:txBody>
+                  <a:tcPr anchor="ctr"/>
+                </a:tc>
+                <a:tc>
+                  <a:txBody>
+                    <a:bodyPr/>
+                    <a:lstStyle/>
+                    <a:p>
+                      <a:r>
+                        <a:rPr lang="en-PH"/>
+                        <a:t>module</a:t>
+                      </a:r>
+                    </a:p>
+                  </a:txBody>
+                  <a:tcPr anchor="ctr"/>
+                </a:tc>
+                <a:tc>
+                  <a:txBody>
+                    <a:bodyPr/>
+                    <a:lstStyle/>
+                    <a:p>
+                      <a:r>
+                        <a:rPr lang="en-PH"/>
+                        <a:t>VARCHAR</a:t>
+                      </a:r>
+                    </a:p>
+                  </a:txBody>
+                  <a:tcPr anchor="ctr"/>
+                </a:tc>
+                <a:tc>
+                  <a:txBody>
+                    <a:bodyPr/>
+                    <a:lstStyle/>
+                    <a:p>
+                      <a:r>
+                        <a:rPr lang="en-PH"/>
+                        <a:t>25</a:t>
+                      </a:r>
+                    </a:p>
+                  </a:txBody>
+                  <a:tcPr anchor="ctr"/>
+                </a:tc>
+                <a:tc>
+                  <a:txBody>
+                    <a:bodyPr/>
+                    <a:lstStyle/>
+                    <a:p>
+                      <a:endParaRPr lang="en-PH"/>
+                    </a:p>
+                  </a:txBody>
+                  <a:tcPr anchor="ctr"/>
+                </a:tc>
+                <a:extLst>
+                  <a:ext uri="{0D108BD9-81ED-4DB2-BD59-A6C34878D82A}">
+                    <a16:rowId xmlns:a16="http://schemas.microsoft.com/office/drawing/2014/main" val="1006319983"/>
+                  </a:ext>
+                </a:extLst>
+              </a:tr>
+              <a:tr h="360000">
+                <a:tc>
+                  <a:txBody>
+                    <a:bodyPr/>
+                    <a:lstStyle/>
+                    <a:p>
+                      <a:endParaRPr lang="en-PH"/>
+                    </a:p>
+                  </a:txBody>
+                  <a:tcPr anchor="ctr"/>
+                </a:tc>
+                <a:tc>
+                  <a:txBody>
+                    <a:bodyPr/>
+                    <a:lstStyle/>
+                    <a:p>
+                      <a:r>
+                        <a:rPr lang="en-PH"/>
+                        <a:t>role</a:t>
+                      </a:r>
+                    </a:p>
+                  </a:txBody>
+                  <a:tcPr anchor="ctr"/>
+                </a:tc>
+                <a:tc>
+                  <a:txBody>
+                    <a:bodyPr/>
+                    <a:lstStyle/>
+                    <a:p>
+                      <a:r>
+                        <a:rPr lang="en-PH"/>
+                        <a:t>VARCHAR</a:t>
+                      </a:r>
+                    </a:p>
+                  </a:txBody>
+                  <a:tcPr anchor="ctr"/>
+                </a:tc>
+                <a:tc>
+                  <a:txBody>
+                    <a:bodyPr/>
+                    <a:lstStyle/>
+                    <a:p>
+                      <a:r>
+                        <a:rPr lang="en-PH"/>
+                        <a:t>50</a:t>
+                      </a:r>
+                    </a:p>
+                  </a:txBody>
+                  <a:tcPr anchor="ctr"/>
+                </a:tc>
+                <a:tc>
+                  <a:txBody>
+                    <a:bodyPr/>
+                    <a:lstStyle/>
+                    <a:p>
+                      <a:endParaRPr lang="en-PH" dirty="0"/>
+                    </a:p>
+                  </a:txBody>
+                  <a:tcPr anchor="ctr"/>
+                </a:tc>
+                <a:extLst>
+                  <a:ext uri="{0D108BD9-81ED-4DB2-BD59-A6C34878D82A}">
+                    <a16:rowId xmlns:a16="http://schemas.microsoft.com/office/drawing/2014/main" val="839765032"/>
+                  </a:ext>
+                </a:extLst>
+              </a:tr>
+              <a:tr h="360000">
+                <a:tc>
+                  <a:txBody>
+                    <a:bodyPr/>
+                    <a:lstStyle/>
+                    <a:p>
+                      <a:endParaRPr lang="en-PH"/>
+                    </a:p>
+                  </a:txBody>
+                  <a:tcPr anchor="ctr"/>
+                </a:tc>
+                <a:tc>
+                  <a:txBody>
+                    <a:bodyPr/>
+                    <a:lstStyle/>
+                    <a:p>
+                      <a:r>
+                        <a:rPr lang="en-PH"/>
+                        <a:t>title</a:t>
+                      </a:r>
+                    </a:p>
+                  </a:txBody>
+                  <a:tcPr anchor="ctr"/>
+                </a:tc>
+                <a:tc>
+                  <a:txBody>
+                    <a:bodyPr/>
+                    <a:lstStyle/>
+                    <a:p>
+                      <a:r>
+                        <a:rPr lang="en-PH"/>
+                        <a:t>VARCHAR</a:t>
+                      </a:r>
+                    </a:p>
+                  </a:txBody>
+                  <a:tcPr anchor="ctr"/>
+                </a:tc>
+                <a:tc>
+                  <a:txBody>
+                    <a:bodyPr/>
+                    <a:lstStyle/>
+                    <a:p>
+                      <a:r>
+                        <a:rPr lang="en-PH"/>
+                        <a:t>100</a:t>
+                      </a:r>
+                    </a:p>
+                  </a:txBody>
+                  <a:tcPr anchor="ctr"/>
+                </a:tc>
+                <a:tc>
+                  <a:txBody>
+                    <a:bodyPr/>
+                    <a:lstStyle/>
+                    <a:p>
+                      <a:endParaRPr lang="en-PH" dirty="0"/>
+                    </a:p>
+                  </a:txBody>
+                  <a:tcPr anchor="ctr"/>
+                </a:tc>
+                <a:extLst>
+                  <a:ext uri="{0D108BD9-81ED-4DB2-BD59-A6C34878D82A}">
+                    <a16:rowId xmlns:a16="http://schemas.microsoft.com/office/drawing/2014/main" val="3564998573"/>
+                  </a:ext>
+                </a:extLst>
+              </a:tr>
+            </a:tbl>
+          </a:graphicData>
+        </a:graphic>
+      </p:graphicFrame>
+      <p:sp>
+        <p:nvSpPr>
+          <p:cNvPr id="13" name="Title 1">
+            <a:extLst>
+              <a:ext uri="{FF2B5EF4-FFF2-40B4-BE49-F238E27FC236}">
+                <a16:creationId xmlns:a16="http://schemas.microsoft.com/office/drawing/2014/main" id="{1650F810-9DEA-40F8-86AC-9E59EE94039D}"/>
+              </a:ext>
+            </a:extLst>
+          </p:cNvPr>
+          <p:cNvSpPr txBox="1">
+            <a:spLocks/>
+          </p:cNvSpPr>
+          <p:nvPr/>
+        </p:nvSpPr>
+        <p:spPr>
+          <a:xfrm>
+            <a:off x="1093371" y="2471446"/>
+            <a:ext cx="9404723" cy="547090"/>
+          </a:xfrm>
+          <a:prstGeom prst="rect">
+            <a:avLst/>
+          </a:prstGeom>
+        </p:spPr>
+        <p:txBody>
+          <a:bodyPr vert="horz" lIns="91440" tIns="45720" rIns="91440" bIns="45720" rtlCol="0" anchor="t">
+            <a:noAutofit/>
+          </a:bodyPr>
+          <a:lstStyle>
+            <a:lvl1pPr algn="l" defTabSz="457200" rtl="0" eaLnBrk="1" latinLnBrk="0" hangingPunct="1">
+              <a:spcBef>
+                <a:spcPct val="0"/>
+              </a:spcBef>
+              <a:buNone/>
+              <a:defRPr sz="4200" b="0" i="0" kern="1200">
+                <a:solidFill>
+                  <a:schemeClr val="tx2"/>
+                </a:solidFill>
+                <a:latin typeface="+mj-lt"/>
+                <a:ea typeface="+mj-ea"/>
+                <a:cs typeface="+mj-cs"/>
+              </a:defRPr>
+            </a:lvl1pPr>
+            <a:lvl2pPr eaLnBrk="1" hangingPunct="1">
+              <a:defRPr>
+                <a:solidFill>
+                  <a:schemeClr val="tx2"/>
+                </a:solidFill>
+              </a:defRPr>
+            </a:lvl2pPr>
+            <a:lvl3pPr eaLnBrk="1" hangingPunct="1">
+              <a:defRPr>
+                <a:solidFill>
+                  <a:schemeClr val="tx2"/>
+                </a:solidFill>
+              </a:defRPr>
+            </a:lvl3pPr>
+            <a:lvl4pPr eaLnBrk="1" hangingPunct="1">
+              <a:defRPr>
+                <a:solidFill>
+                  <a:schemeClr val="tx2"/>
+                </a:solidFill>
+              </a:defRPr>
+            </a:lvl4pPr>
+            <a:lvl5pPr eaLnBrk="1" hangingPunct="1">
+              <a:defRPr>
+                <a:solidFill>
+                  <a:schemeClr val="tx2"/>
+                </a:solidFill>
+              </a:defRPr>
+            </a:lvl5pPr>
+            <a:lvl6pPr eaLnBrk="1" hangingPunct="1">
+              <a:defRPr>
+                <a:solidFill>
+                  <a:schemeClr val="tx2"/>
+                </a:solidFill>
+              </a:defRPr>
+            </a:lvl6pPr>
+            <a:lvl7pPr eaLnBrk="1" hangingPunct="1">
+              <a:defRPr>
+                <a:solidFill>
+                  <a:schemeClr val="tx2"/>
+                </a:solidFill>
+              </a:defRPr>
+            </a:lvl7pPr>
+            <a:lvl8pPr eaLnBrk="1" hangingPunct="1">
+              <a:defRPr>
+                <a:solidFill>
+                  <a:schemeClr val="tx2"/>
+                </a:solidFill>
+              </a:defRPr>
+            </a:lvl8pPr>
+            <a:lvl9pPr eaLnBrk="1" hangingPunct="1">
+              <a:defRPr>
+                <a:solidFill>
+                  <a:schemeClr val="tx2"/>
+                </a:solidFill>
+              </a:defRPr>
+            </a:lvl9pPr>
+          </a:lstStyle>
+          <a:p>
+            <a:r>
+              <a:rPr lang="en-PH" sz="2400" dirty="0"/>
+              <a:t>Table : </a:t>
+            </a:r>
+            <a:r>
+              <a:rPr lang="en-PH" sz="2400" b="1" i="1" dirty="0" err="1"/>
+              <a:t>role_management</a:t>
+            </a:r>
+            <a:r>
+              <a:rPr lang="en-PH" sz="2400" b="1" i="1" dirty="0"/>
+              <a:t> </a:t>
+            </a:r>
+          </a:p>
+        </p:txBody>
+      </p:sp>
+    </p:spTree>
+    <p:extLst>
+      <p:ext uri="{BB962C8B-B14F-4D97-AF65-F5344CB8AC3E}">
+        <p14:creationId xmlns:p14="http://schemas.microsoft.com/office/powerpoint/2010/main" val="2072674268"/>
+      </p:ext>
+    </p:extLst>
+  </p:cSld>
+  <p:clrMapOvr>
+    <a:masterClrMapping/>
+  </p:clrMapOvr>
+</p:sld>
+</file>
+
+<file path=ppt/slides/slide13.xml><?xml version="1.0" encoding="utf-8"?>
 <p:sld xmlns:a="http://schemas.openxmlformats.org/drawingml/2006/main" xmlns:r="http://schemas.openxmlformats.org/officeDocument/2006/relationships" xmlns:p="http://schemas.openxmlformats.org/presentationml/2006/main">
   <p:cSld>
     <p:spTree>
@@ -6206,6 +7861,1231 @@
       </p:grpSpPr>
       <p:sp>
         <p:nvSpPr>
+          <p:cNvPr id="4" name="Title 1">
+            <a:extLst>
+              <a:ext uri="{FF2B5EF4-FFF2-40B4-BE49-F238E27FC236}">
+                <a16:creationId xmlns:a16="http://schemas.microsoft.com/office/drawing/2014/main" id="{C9144078-741E-4B77-AC41-1D0D7F9843F8}"/>
+              </a:ext>
+            </a:extLst>
+          </p:cNvPr>
+          <p:cNvSpPr txBox="1">
+            <a:spLocks/>
+          </p:cNvSpPr>
+          <p:nvPr/>
+        </p:nvSpPr>
+        <p:spPr>
+          <a:xfrm>
+            <a:off x="392111" y="1076185"/>
+            <a:ext cx="9404723" cy="892530"/>
+          </a:xfrm>
+          <a:prstGeom prst="rect">
+            <a:avLst/>
+          </a:prstGeom>
+        </p:spPr>
+        <p:txBody>
+          <a:bodyPr vert="horz" lIns="91440" tIns="45720" rIns="91440" bIns="45720" rtlCol="0" anchor="t">
+            <a:noAutofit/>
+          </a:bodyPr>
+          <a:lstStyle>
+            <a:lvl1pPr algn="l" defTabSz="457200" rtl="0" eaLnBrk="1" latinLnBrk="0" hangingPunct="1">
+              <a:spcBef>
+                <a:spcPct val="0"/>
+              </a:spcBef>
+              <a:buNone/>
+              <a:defRPr sz="4200" b="0" i="0" kern="1200">
+                <a:solidFill>
+                  <a:schemeClr val="tx2"/>
+                </a:solidFill>
+                <a:latin typeface="+mj-lt"/>
+                <a:ea typeface="+mj-ea"/>
+                <a:cs typeface="+mj-cs"/>
+              </a:defRPr>
+            </a:lvl1pPr>
+            <a:lvl2pPr eaLnBrk="1" hangingPunct="1">
+              <a:defRPr>
+                <a:solidFill>
+                  <a:schemeClr val="tx2"/>
+                </a:solidFill>
+              </a:defRPr>
+            </a:lvl2pPr>
+            <a:lvl3pPr eaLnBrk="1" hangingPunct="1">
+              <a:defRPr>
+                <a:solidFill>
+                  <a:schemeClr val="tx2"/>
+                </a:solidFill>
+              </a:defRPr>
+            </a:lvl3pPr>
+            <a:lvl4pPr eaLnBrk="1" hangingPunct="1">
+              <a:defRPr>
+                <a:solidFill>
+                  <a:schemeClr val="tx2"/>
+                </a:solidFill>
+              </a:defRPr>
+            </a:lvl4pPr>
+            <a:lvl5pPr eaLnBrk="1" hangingPunct="1">
+              <a:defRPr>
+                <a:solidFill>
+                  <a:schemeClr val="tx2"/>
+                </a:solidFill>
+              </a:defRPr>
+            </a:lvl5pPr>
+            <a:lvl6pPr eaLnBrk="1" hangingPunct="1">
+              <a:defRPr>
+                <a:solidFill>
+                  <a:schemeClr val="tx2"/>
+                </a:solidFill>
+              </a:defRPr>
+            </a:lvl6pPr>
+            <a:lvl7pPr eaLnBrk="1" hangingPunct="1">
+              <a:defRPr>
+                <a:solidFill>
+                  <a:schemeClr val="tx2"/>
+                </a:solidFill>
+              </a:defRPr>
+            </a:lvl7pPr>
+            <a:lvl8pPr eaLnBrk="1" hangingPunct="1">
+              <a:defRPr>
+                <a:solidFill>
+                  <a:schemeClr val="tx2"/>
+                </a:solidFill>
+              </a:defRPr>
+            </a:lvl8pPr>
+            <a:lvl9pPr eaLnBrk="1" hangingPunct="1">
+              <a:defRPr>
+                <a:solidFill>
+                  <a:schemeClr val="tx2"/>
+                </a:solidFill>
+              </a:defRPr>
+            </a:lvl9pPr>
+          </a:lstStyle>
+          <a:p>
+            <a:r>
+              <a:rPr lang="en-PH" u="sng" dirty="0"/>
+              <a:t>Sample Data for this table:</a:t>
+            </a:r>
+            <a:endParaRPr lang="en-PH" b="1" i="1" u="sng" dirty="0"/>
+          </a:p>
+        </p:txBody>
+      </p:sp>
+      <p:pic>
+        <p:nvPicPr>
+          <p:cNvPr id="5" name="Content Placeholder 3">
+            <a:extLst>
+              <a:ext uri="{FF2B5EF4-FFF2-40B4-BE49-F238E27FC236}">
+                <a16:creationId xmlns:a16="http://schemas.microsoft.com/office/drawing/2014/main" id="{36875153-A261-4051-9F16-6205319E9D49}"/>
+              </a:ext>
+            </a:extLst>
+          </p:cNvPr>
+          <p:cNvPicPr>
+            <a:picLocks noChangeAspect="1"/>
+          </p:cNvPicPr>
+          <p:nvPr/>
+        </p:nvPicPr>
+        <p:blipFill>
+          <a:blip r:embed="rId2"/>
+          <a:stretch>
+            <a:fillRect/>
+          </a:stretch>
+        </p:blipFill>
+        <p:spPr>
+          <a:xfrm>
+            <a:off x="1156259" y="2415755"/>
+            <a:ext cx="9879481" cy="2176835"/>
+          </a:xfrm>
+          <a:prstGeom prst="rect">
+            <a:avLst/>
+          </a:prstGeom>
+        </p:spPr>
+      </p:pic>
+    </p:spTree>
+    <p:extLst>
+      <p:ext uri="{BB962C8B-B14F-4D97-AF65-F5344CB8AC3E}">
+        <p14:creationId xmlns:p14="http://schemas.microsoft.com/office/powerpoint/2010/main" val="1771207991"/>
+      </p:ext>
+    </p:extLst>
+  </p:cSld>
+  <p:clrMapOvr>
+    <a:masterClrMapping/>
+  </p:clrMapOvr>
+</p:sld>
+</file>
+
+<file path=ppt/slides/slide14.xml><?xml version="1.0" encoding="utf-8"?>
+<p:sld xmlns:a="http://schemas.openxmlformats.org/drawingml/2006/main" xmlns:r="http://schemas.openxmlformats.org/officeDocument/2006/relationships" xmlns:p="http://schemas.openxmlformats.org/presentationml/2006/main" showMasterSp="0">
+  <p:cSld>
+    <p:spTree>
+      <p:nvGrpSpPr>
+        <p:cNvPr id="1" name=""/>
+        <p:cNvGrpSpPr/>
+        <p:nvPr/>
+      </p:nvGrpSpPr>
+      <p:grpSpPr>
+        <a:xfrm>
+          <a:off x="0" y="0"/>
+          <a:ext cx="0" cy="0"/>
+          <a:chOff x="0" y="0"/>
+          <a:chExt cx="0" cy="0"/>
+        </a:xfrm>
+      </p:grpSpPr>
+      <p:sp>
+        <p:nvSpPr>
+          <p:cNvPr id="4" name="Title 1">
+            <a:extLst>
+              <a:ext uri="{FF2B5EF4-FFF2-40B4-BE49-F238E27FC236}">
+                <a16:creationId xmlns:a16="http://schemas.microsoft.com/office/drawing/2014/main" id="{66EF89B7-1120-45F8-A088-272D3A033017}"/>
+              </a:ext>
+            </a:extLst>
+          </p:cNvPr>
+          <p:cNvSpPr>
+            <a:spLocks noGrp="1"/>
+          </p:cNvSpPr>
+          <p:nvPr>
+            <p:ph type="title"/>
+          </p:nvPr>
+        </p:nvSpPr>
+        <p:spPr>
+          <a:xfrm>
+            <a:off x="596392" y="27465"/>
+            <a:ext cx="4185225" cy="915514"/>
+          </a:xfrm>
+        </p:spPr>
+        <p:txBody>
+          <a:bodyPr/>
+          <a:lstStyle/>
+          <a:p>
+            <a:pPr algn="ctr"/>
+            <a:r>
+              <a:rPr lang="en-PH" u="sng" dirty="0"/>
+              <a:t>Account Type</a:t>
+            </a:r>
+          </a:p>
+        </p:txBody>
+      </p:sp>
+      <p:graphicFrame>
+        <p:nvGraphicFramePr>
+          <p:cNvPr id="2" name="Table 4">
+            <a:extLst>
+              <a:ext uri="{FF2B5EF4-FFF2-40B4-BE49-F238E27FC236}">
+                <a16:creationId xmlns:a16="http://schemas.microsoft.com/office/drawing/2014/main" id="{DE090C23-D47C-43FE-A453-945B7E7A54C0}"/>
+              </a:ext>
+            </a:extLst>
+          </p:cNvPr>
+          <p:cNvGraphicFramePr>
+            <a:graphicFrameLocks noGrp="1"/>
+          </p:cNvGraphicFramePr>
+          <p:nvPr>
+            <p:extLst>
+              <p:ext uri="{D42A27DB-BD31-4B8C-83A1-F6EECF244321}">
+                <p14:modId xmlns:p14="http://schemas.microsoft.com/office/powerpoint/2010/main" val="618833150"/>
+              </p:ext>
+            </p:extLst>
+          </p:nvPr>
+        </p:nvGraphicFramePr>
+        <p:xfrm>
+          <a:off x="596392" y="932098"/>
+          <a:ext cx="4329569" cy="5486400"/>
+        </p:xfrm>
+        <a:graphic>
+          <a:graphicData uri="http://schemas.openxmlformats.org/drawingml/2006/table">
+            <a:tbl>
+              <a:tblPr firstRow="1" bandRow="1">
+                <a:tableStyleId>{D7AC3CCA-C797-4891-BE02-D94E43425B78}</a:tableStyleId>
+              </a:tblPr>
+              <a:tblGrid>
+                <a:gridCol w="616364">
+                  <a:extLst>
+                    <a:ext uri="{9D8B030D-6E8A-4147-A177-3AD203B41FA5}">
+                      <a16:colId xmlns:a16="http://schemas.microsoft.com/office/drawing/2014/main" val="4000531815"/>
+                    </a:ext>
+                  </a:extLst>
+                </a:gridCol>
+                <a:gridCol w="3713205">
+                  <a:extLst>
+                    <a:ext uri="{9D8B030D-6E8A-4147-A177-3AD203B41FA5}">
+                      <a16:colId xmlns:a16="http://schemas.microsoft.com/office/drawing/2014/main" val="1760332925"/>
+                    </a:ext>
+                  </a:extLst>
+                </a:gridCol>
+              </a:tblGrid>
+              <a:tr h="0">
+                <a:tc>
+                  <a:txBody>
+                    <a:bodyPr/>
+                    <a:lstStyle/>
+                    <a:p>
+                      <a:r>
+                        <a:rPr lang="en-PH" dirty="0"/>
+                        <a:t>0</a:t>
+                      </a:r>
+                    </a:p>
+                  </a:txBody>
+                  <a:tcPr/>
+                </a:tc>
+                <a:tc>
+                  <a:txBody>
+                    <a:bodyPr/>
+                    <a:lstStyle/>
+                    <a:p>
+                      <a:r>
+                        <a:rPr lang="en-PH" dirty="0"/>
+                        <a:t>None</a:t>
+                      </a:r>
+                    </a:p>
+                  </a:txBody>
+                  <a:tcPr/>
+                </a:tc>
+                <a:extLst>
+                  <a:ext uri="{0D108BD9-81ED-4DB2-BD59-A6C34878D82A}">
+                    <a16:rowId xmlns:a16="http://schemas.microsoft.com/office/drawing/2014/main" val="2564257133"/>
+                  </a:ext>
+                </a:extLst>
+              </a:tr>
+              <a:tr h="0">
+                <a:tc>
+                  <a:txBody>
+                    <a:bodyPr/>
+                    <a:lstStyle/>
+                    <a:p>
+                      <a:r>
+                        <a:rPr lang="en-PH" dirty="0"/>
+                        <a:t>1</a:t>
+                      </a:r>
+                    </a:p>
+                  </a:txBody>
+                  <a:tcPr/>
+                </a:tc>
+                <a:tc>
+                  <a:txBody>
+                    <a:bodyPr/>
+                    <a:lstStyle/>
+                    <a:p>
+                      <a:r>
+                        <a:rPr lang="en-PH" dirty="0"/>
+                        <a:t>Super Admin</a:t>
+                      </a:r>
+                    </a:p>
+                  </a:txBody>
+                  <a:tcPr/>
+                </a:tc>
+                <a:extLst>
+                  <a:ext uri="{0D108BD9-81ED-4DB2-BD59-A6C34878D82A}">
+                    <a16:rowId xmlns:a16="http://schemas.microsoft.com/office/drawing/2014/main" val="1297971598"/>
+                  </a:ext>
+                </a:extLst>
+              </a:tr>
+              <a:tr h="0">
+                <a:tc>
+                  <a:txBody>
+                    <a:bodyPr/>
+                    <a:lstStyle/>
+                    <a:p>
+                      <a:r>
+                        <a:rPr lang="en-PH" dirty="0"/>
+                        <a:t>2</a:t>
+                      </a:r>
+                    </a:p>
+                  </a:txBody>
+                  <a:tcPr/>
+                </a:tc>
+                <a:tc>
+                  <a:txBody>
+                    <a:bodyPr/>
+                    <a:lstStyle/>
+                    <a:p>
+                      <a:r>
+                        <a:rPr lang="en-PH" dirty="0"/>
+                        <a:t>Admin</a:t>
+                      </a:r>
+                    </a:p>
+                  </a:txBody>
+                  <a:tcPr/>
+                </a:tc>
+                <a:extLst>
+                  <a:ext uri="{0D108BD9-81ED-4DB2-BD59-A6C34878D82A}">
+                    <a16:rowId xmlns:a16="http://schemas.microsoft.com/office/drawing/2014/main" val="3425844289"/>
+                  </a:ext>
+                </a:extLst>
+              </a:tr>
+              <a:tr h="0">
+                <a:tc>
+                  <a:txBody>
+                    <a:bodyPr/>
+                    <a:lstStyle/>
+                    <a:p>
+                      <a:r>
+                        <a:rPr lang="en-PH" dirty="0"/>
+                        <a:t>3</a:t>
+                      </a:r>
+                    </a:p>
+                  </a:txBody>
+                  <a:tcPr/>
+                </a:tc>
+                <a:tc>
+                  <a:txBody>
+                    <a:bodyPr/>
+                    <a:lstStyle/>
+                    <a:p>
+                      <a:r>
+                        <a:rPr lang="en-PH" dirty="0"/>
+                        <a:t>Data Encoders</a:t>
+                      </a:r>
+                    </a:p>
+                  </a:txBody>
+                  <a:tcPr/>
+                </a:tc>
+                <a:extLst>
+                  <a:ext uri="{0D108BD9-81ED-4DB2-BD59-A6C34878D82A}">
+                    <a16:rowId xmlns:a16="http://schemas.microsoft.com/office/drawing/2014/main" val="3490851813"/>
+                  </a:ext>
+                </a:extLst>
+              </a:tr>
+              <a:tr h="0">
+                <a:tc>
+                  <a:txBody>
+                    <a:bodyPr/>
+                    <a:lstStyle/>
+                    <a:p>
+                      <a:r>
+                        <a:rPr lang="en-PH" dirty="0"/>
+                        <a:t>4</a:t>
+                      </a:r>
+                    </a:p>
+                  </a:txBody>
+                  <a:tcPr/>
+                </a:tc>
+                <a:tc>
+                  <a:txBody>
+                    <a:bodyPr/>
+                    <a:lstStyle/>
+                    <a:p>
+                      <a:r>
+                        <a:rPr lang="en-PH" dirty="0"/>
+                        <a:t>Helpdesk</a:t>
+                      </a:r>
+                    </a:p>
+                  </a:txBody>
+                  <a:tcPr/>
+                </a:tc>
+                <a:extLst>
+                  <a:ext uri="{0D108BD9-81ED-4DB2-BD59-A6C34878D82A}">
+                    <a16:rowId xmlns:a16="http://schemas.microsoft.com/office/drawing/2014/main" val="1955536997"/>
+                  </a:ext>
+                </a:extLst>
+              </a:tr>
+              <a:tr h="0">
+                <a:tc>
+                  <a:txBody>
+                    <a:bodyPr/>
+                    <a:lstStyle/>
+                    <a:p>
+                      <a:r>
+                        <a:rPr lang="en-PH" dirty="0"/>
+                        <a:t>5</a:t>
+                      </a:r>
+                    </a:p>
+                  </a:txBody>
+                  <a:tcPr/>
+                </a:tc>
+                <a:tc>
+                  <a:txBody>
+                    <a:bodyPr/>
+                    <a:lstStyle/>
+                    <a:p>
+                      <a:r>
+                        <a:rPr lang="en-PH" dirty="0"/>
+                        <a:t>Viewer</a:t>
+                      </a:r>
+                    </a:p>
+                  </a:txBody>
+                  <a:tcPr/>
+                </a:tc>
+                <a:extLst>
+                  <a:ext uri="{0D108BD9-81ED-4DB2-BD59-A6C34878D82A}">
+                    <a16:rowId xmlns:a16="http://schemas.microsoft.com/office/drawing/2014/main" val="2837835403"/>
+                  </a:ext>
+                </a:extLst>
+              </a:tr>
+              <a:tr h="0">
+                <a:tc>
+                  <a:txBody>
+                    <a:bodyPr/>
+                    <a:lstStyle/>
+                    <a:p>
+                      <a:r>
+                        <a:rPr lang="en-PH" dirty="0"/>
+                        <a:t>6</a:t>
+                      </a:r>
+                    </a:p>
+                  </a:txBody>
+                  <a:tcPr/>
+                </a:tc>
+                <a:tc>
+                  <a:txBody>
+                    <a:bodyPr/>
+                    <a:lstStyle/>
+                    <a:p>
+                      <a:r>
+                        <a:rPr lang="en-PH" dirty="0"/>
+                        <a:t>Barangay Encoders</a:t>
+                      </a:r>
+                    </a:p>
+                  </a:txBody>
+                  <a:tcPr/>
+                </a:tc>
+                <a:extLst>
+                  <a:ext uri="{0D108BD9-81ED-4DB2-BD59-A6C34878D82A}">
+                    <a16:rowId xmlns:a16="http://schemas.microsoft.com/office/drawing/2014/main" val="2538916001"/>
+                  </a:ext>
+                </a:extLst>
+              </a:tr>
+              <a:tr h="0">
+                <a:tc>
+                  <a:txBody>
+                    <a:bodyPr/>
+                    <a:lstStyle/>
+                    <a:p>
+                      <a:r>
+                        <a:rPr lang="en-PH" dirty="0"/>
+                        <a:t>7</a:t>
+                      </a:r>
+                    </a:p>
+                  </a:txBody>
+                  <a:tcPr/>
+                </a:tc>
+                <a:tc>
+                  <a:txBody>
+                    <a:bodyPr/>
+                    <a:lstStyle/>
+                    <a:p>
+                      <a:r>
+                        <a:rPr lang="en-PH" dirty="0"/>
+                        <a:t>Validator</a:t>
+                      </a:r>
+                    </a:p>
+                  </a:txBody>
+                  <a:tcPr/>
+                </a:tc>
+                <a:extLst>
+                  <a:ext uri="{0D108BD9-81ED-4DB2-BD59-A6C34878D82A}">
+                    <a16:rowId xmlns:a16="http://schemas.microsoft.com/office/drawing/2014/main" val="477023843"/>
+                  </a:ext>
+                </a:extLst>
+              </a:tr>
+              <a:tr h="0">
+                <a:tc>
+                  <a:txBody>
+                    <a:bodyPr/>
+                    <a:lstStyle/>
+                    <a:p>
+                      <a:r>
+                        <a:rPr lang="en-PH" dirty="0"/>
+                        <a:t>8</a:t>
+                      </a:r>
+                    </a:p>
+                  </a:txBody>
+                  <a:tcPr/>
+                </a:tc>
+                <a:tc>
+                  <a:txBody>
+                    <a:bodyPr/>
+                    <a:lstStyle/>
+                    <a:p>
+                      <a:r>
+                        <a:rPr lang="en-PH" dirty="0"/>
+                        <a:t>Processors</a:t>
+                      </a:r>
+                    </a:p>
+                  </a:txBody>
+                  <a:tcPr/>
+                </a:tc>
+                <a:extLst>
+                  <a:ext uri="{0D108BD9-81ED-4DB2-BD59-A6C34878D82A}">
+                    <a16:rowId xmlns:a16="http://schemas.microsoft.com/office/drawing/2014/main" val="2393284268"/>
+                  </a:ext>
+                </a:extLst>
+              </a:tr>
+              <a:tr h="0">
+                <a:tc>
+                  <a:txBody>
+                    <a:bodyPr/>
+                    <a:lstStyle/>
+                    <a:p>
+                      <a:r>
+                        <a:rPr lang="en-PH" dirty="0"/>
+                        <a:t>9</a:t>
+                      </a:r>
+                    </a:p>
+                  </a:txBody>
+                  <a:tcPr/>
+                </a:tc>
+                <a:tc>
+                  <a:txBody>
+                    <a:bodyPr/>
+                    <a:lstStyle/>
+                    <a:p>
+                      <a:r>
+                        <a:rPr lang="en-PH" dirty="0"/>
+                        <a:t>Controller</a:t>
+                      </a:r>
+                    </a:p>
+                  </a:txBody>
+                  <a:tcPr/>
+                </a:tc>
+                <a:extLst>
+                  <a:ext uri="{0D108BD9-81ED-4DB2-BD59-A6C34878D82A}">
+                    <a16:rowId xmlns:a16="http://schemas.microsoft.com/office/drawing/2014/main" val="733370292"/>
+                  </a:ext>
+                </a:extLst>
+              </a:tr>
+              <a:tr h="0">
+                <a:tc>
+                  <a:txBody>
+                    <a:bodyPr/>
+                    <a:lstStyle/>
+                    <a:p>
+                      <a:r>
+                        <a:rPr lang="en-PH" dirty="0"/>
+                        <a:t>10</a:t>
+                      </a:r>
+                    </a:p>
+                  </a:txBody>
+                  <a:tcPr/>
+                </a:tc>
+                <a:tc>
+                  <a:txBody>
+                    <a:bodyPr/>
+                    <a:lstStyle/>
+                    <a:p>
+                      <a:r>
+                        <a:rPr lang="en-PH" dirty="0"/>
+                        <a:t>Clerk</a:t>
+                      </a:r>
+                    </a:p>
+                  </a:txBody>
+                  <a:tcPr/>
+                </a:tc>
+                <a:extLst>
+                  <a:ext uri="{0D108BD9-81ED-4DB2-BD59-A6C34878D82A}">
+                    <a16:rowId xmlns:a16="http://schemas.microsoft.com/office/drawing/2014/main" val="762716203"/>
+                  </a:ext>
+                </a:extLst>
+              </a:tr>
+              <a:tr h="0">
+                <a:tc>
+                  <a:txBody>
+                    <a:bodyPr/>
+                    <a:lstStyle/>
+                    <a:p>
+                      <a:r>
+                        <a:rPr lang="en-PH" dirty="0"/>
+                        <a:t>11</a:t>
+                      </a:r>
+                    </a:p>
+                  </a:txBody>
+                  <a:tcPr/>
+                </a:tc>
+                <a:tc>
+                  <a:txBody>
+                    <a:bodyPr/>
+                    <a:lstStyle/>
+                    <a:p>
+                      <a:r>
+                        <a:rPr lang="en-PH" dirty="0"/>
+                        <a:t>Doctor </a:t>
+                      </a:r>
+                    </a:p>
+                  </a:txBody>
+                  <a:tcPr/>
+                </a:tc>
+                <a:extLst>
+                  <a:ext uri="{0D108BD9-81ED-4DB2-BD59-A6C34878D82A}">
+                    <a16:rowId xmlns:a16="http://schemas.microsoft.com/office/drawing/2014/main" val="1287315444"/>
+                  </a:ext>
+                </a:extLst>
+              </a:tr>
+              <a:tr h="0">
+                <a:tc>
+                  <a:txBody>
+                    <a:bodyPr/>
+                    <a:lstStyle/>
+                    <a:p>
+                      <a:r>
+                        <a:rPr lang="en-PH" dirty="0"/>
+                        <a:t>12</a:t>
+                      </a:r>
+                    </a:p>
+                  </a:txBody>
+                  <a:tcPr/>
+                </a:tc>
+                <a:tc>
+                  <a:txBody>
+                    <a:bodyPr/>
+                    <a:lstStyle/>
+                    <a:p>
+                      <a:r>
+                        <a:rPr lang="en-PH" dirty="0"/>
+                        <a:t>Encoder</a:t>
+                      </a:r>
+                    </a:p>
+                  </a:txBody>
+                  <a:tcPr/>
+                </a:tc>
+                <a:extLst>
+                  <a:ext uri="{0D108BD9-81ED-4DB2-BD59-A6C34878D82A}">
+                    <a16:rowId xmlns:a16="http://schemas.microsoft.com/office/drawing/2014/main" val="2248651334"/>
+                  </a:ext>
+                </a:extLst>
+              </a:tr>
+              <a:tr h="0">
+                <a:tc>
+                  <a:txBody>
+                    <a:bodyPr/>
+                    <a:lstStyle/>
+                    <a:p>
+                      <a:r>
+                        <a:rPr lang="en-PH" dirty="0"/>
+                        <a:t>13</a:t>
+                      </a:r>
+                    </a:p>
+                  </a:txBody>
+                  <a:tcPr/>
+                </a:tc>
+                <a:tc>
+                  <a:txBody>
+                    <a:bodyPr/>
+                    <a:lstStyle/>
+                    <a:p>
+                      <a:endParaRPr lang="en-PH"/>
+                    </a:p>
+                  </a:txBody>
+                  <a:tcPr/>
+                </a:tc>
+                <a:extLst>
+                  <a:ext uri="{0D108BD9-81ED-4DB2-BD59-A6C34878D82A}">
+                    <a16:rowId xmlns:a16="http://schemas.microsoft.com/office/drawing/2014/main" val="3124273885"/>
+                  </a:ext>
+                </a:extLst>
+              </a:tr>
+              <a:tr h="0">
+                <a:tc>
+                  <a:txBody>
+                    <a:bodyPr/>
+                    <a:lstStyle/>
+                    <a:p>
+                      <a:r>
+                        <a:rPr lang="en-PH" dirty="0"/>
+                        <a:t>14</a:t>
+                      </a:r>
+                    </a:p>
+                  </a:txBody>
+                  <a:tcPr/>
+                </a:tc>
+                <a:tc>
+                  <a:txBody>
+                    <a:bodyPr/>
+                    <a:lstStyle/>
+                    <a:p>
+                      <a:endParaRPr lang="en-PH" dirty="0"/>
+                    </a:p>
+                  </a:txBody>
+                  <a:tcPr/>
+                </a:tc>
+                <a:extLst>
+                  <a:ext uri="{0D108BD9-81ED-4DB2-BD59-A6C34878D82A}">
+                    <a16:rowId xmlns:a16="http://schemas.microsoft.com/office/drawing/2014/main" val="3448174999"/>
+                  </a:ext>
+                </a:extLst>
+              </a:tr>
+            </a:tbl>
+          </a:graphicData>
+        </a:graphic>
+      </p:graphicFrame>
+      <p:graphicFrame>
+        <p:nvGraphicFramePr>
+          <p:cNvPr id="6" name="Table 6">
+            <a:extLst>
+              <a:ext uri="{FF2B5EF4-FFF2-40B4-BE49-F238E27FC236}">
+                <a16:creationId xmlns:a16="http://schemas.microsoft.com/office/drawing/2014/main" id="{5C6F11FF-53E2-409A-98B2-19F27C758ECC}"/>
+              </a:ext>
+            </a:extLst>
+          </p:cNvPr>
+          <p:cNvGraphicFramePr>
+            <a:graphicFrameLocks noGrp="1"/>
+          </p:cNvGraphicFramePr>
+          <p:nvPr>
+            <p:extLst>
+              <p:ext uri="{D42A27DB-BD31-4B8C-83A1-F6EECF244321}">
+                <p14:modId xmlns:p14="http://schemas.microsoft.com/office/powerpoint/2010/main" val="3070406656"/>
+              </p:ext>
+            </p:extLst>
+          </p:nvPr>
+        </p:nvGraphicFramePr>
+        <p:xfrm>
+          <a:off x="6642329" y="1471594"/>
+          <a:ext cx="4018673" cy="2194560"/>
+        </p:xfrm>
+        <a:graphic>
+          <a:graphicData uri="http://schemas.openxmlformats.org/drawingml/2006/table">
+            <a:tbl>
+              <a:tblPr firstRow="1" bandRow="1">
+                <a:tableStyleId>{616DA210-FB5B-4158-B5E0-FEB733F419BA}</a:tableStyleId>
+              </a:tblPr>
+              <a:tblGrid>
+                <a:gridCol w="1140111">
+                  <a:extLst>
+                    <a:ext uri="{9D8B030D-6E8A-4147-A177-3AD203B41FA5}">
+                      <a16:colId xmlns:a16="http://schemas.microsoft.com/office/drawing/2014/main" val="4151754613"/>
+                    </a:ext>
+                  </a:extLst>
+                </a:gridCol>
+                <a:gridCol w="2878562">
+                  <a:extLst>
+                    <a:ext uri="{9D8B030D-6E8A-4147-A177-3AD203B41FA5}">
+                      <a16:colId xmlns:a16="http://schemas.microsoft.com/office/drawing/2014/main" val="2927114744"/>
+                    </a:ext>
+                  </a:extLst>
+                </a:gridCol>
+              </a:tblGrid>
+              <a:tr h="360000">
+                <a:tc>
+                  <a:txBody>
+                    <a:bodyPr/>
+                    <a:lstStyle/>
+                    <a:p>
+                      <a:pPr algn="ctr"/>
+                      <a:r>
+                        <a:rPr lang="en-PH" b="1" dirty="0">
+                          <a:solidFill>
+                            <a:schemeClr val="accent1"/>
+                          </a:solidFill>
+                        </a:rPr>
+                        <a:t>√</a:t>
+                      </a:r>
+                    </a:p>
+                  </a:txBody>
+                  <a:tcPr/>
+                </a:tc>
+                <a:tc>
+                  <a:txBody>
+                    <a:bodyPr/>
+                    <a:lstStyle/>
+                    <a:p>
+                      <a:r>
+                        <a:rPr lang="en-PH" b="0" dirty="0"/>
+                        <a:t>Create</a:t>
+                      </a:r>
+                    </a:p>
+                  </a:txBody>
+                  <a:tcPr/>
+                </a:tc>
+                <a:extLst>
+                  <a:ext uri="{0D108BD9-81ED-4DB2-BD59-A6C34878D82A}">
+                    <a16:rowId xmlns:a16="http://schemas.microsoft.com/office/drawing/2014/main" val="3900830908"/>
+                  </a:ext>
+                </a:extLst>
+              </a:tr>
+              <a:tr h="360000">
+                <a:tc>
+                  <a:txBody>
+                    <a:bodyPr/>
+                    <a:lstStyle/>
+                    <a:p>
+                      <a:pPr algn="ctr"/>
+                      <a:endParaRPr lang="en-PH" b="1" dirty="0">
+                        <a:solidFill>
+                          <a:schemeClr val="accent1"/>
+                        </a:solidFill>
+                      </a:endParaRPr>
+                    </a:p>
+                  </a:txBody>
+                  <a:tcPr/>
+                </a:tc>
+                <a:tc>
+                  <a:txBody>
+                    <a:bodyPr/>
+                    <a:lstStyle/>
+                    <a:p>
+                      <a:r>
+                        <a:rPr lang="en-PH" dirty="0"/>
+                        <a:t>Delete</a:t>
+                      </a:r>
+                    </a:p>
+                  </a:txBody>
+                  <a:tcPr/>
+                </a:tc>
+                <a:extLst>
+                  <a:ext uri="{0D108BD9-81ED-4DB2-BD59-A6C34878D82A}">
+                    <a16:rowId xmlns:a16="http://schemas.microsoft.com/office/drawing/2014/main" val="2922941738"/>
+                  </a:ext>
+                </a:extLst>
+              </a:tr>
+              <a:tr h="360000">
+                <a:tc>
+                  <a:txBody>
+                    <a:bodyPr/>
+                    <a:lstStyle/>
+                    <a:p>
+                      <a:pPr algn="ctr"/>
+                      <a:endParaRPr lang="en-PH" b="1" dirty="0">
+                        <a:solidFill>
+                          <a:schemeClr val="accent1"/>
+                        </a:solidFill>
+                      </a:endParaRPr>
+                    </a:p>
+                  </a:txBody>
+                  <a:tcPr/>
+                </a:tc>
+                <a:tc>
+                  <a:txBody>
+                    <a:bodyPr/>
+                    <a:lstStyle/>
+                    <a:p>
+                      <a:r>
+                        <a:rPr lang="en-PH" dirty="0"/>
+                        <a:t>Edit</a:t>
+                      </a:r>
+                    </a:p>
+                  </a:txBody>
+                  <a:tcPr/>
+                </a:tc>
+                <a:extLst>
+                  <a:ext uri="{0D108BD9-81ED-4DB2-BD59-A6C34878D82A}">
+                    <a16:rowId xmlns:a16="http://schemas.microsoft.com/office/drawing/2014/main" val="2495035991"/>
+                  </a:ext>
+                </a:extLst>
+              </a:tr>
+              <a:tr h="360000">
+                <a:tc>
+                  <a:txBody>
+                    <a:bodyPr/>
+                    <a:lstStyle/>
+                    <a:p>
+                      <a:pPr algn="ctr"/>
+                      <a:endParaRPr lang="en-PH" b="1">
+                        <a:solidFill>
+                          <a:schemeClr val="accent1"/>
+                        </a:solidFill>
+                      </a:endParaRPr>
+                    </a:p>
+                  </a:txBody>
+                  <a:tcPr/>
+                </a:tc>
+                <a:tc>
+                  <a:txBody>
+                    <a:bodyPr/>
+                    <a:lstStyle/>
+                    <a:p>
+                      <a:r>
+                        <a:rPr lang="en-PH" dirty="0"/>
+                        <a:t>Print</a:t>
+                      </a:r>
+                    </a:p>
+                  </a:txBody>
+                  <a:tcPr/>
+                </a:tc>
+                <a:extLst>
+                  <a:ext uri="{0D108BD9-81ED-4DB2-BD59-A6C34878D82A}">
+                    <a16:rowId xmlns:a16="http://schemas.microsoft.com/office/drawing/2014/main" val="1973197366"/>
+                  </a:ext>
+                </a:extLst>
+              </a:tr>
+              <a:tr h="360000">
+                <a:tc>
+                  <a:txBody>
+                    <a:bodyPr/>
+                    <a:lstStyle/>
+                    <a:p>
+                      <a:pPr algn="ctr"/>
+                      <a:endParaRPr lang="en-PH" b="1">
+                        <a:solidFill>
+                          <a:schemeClr val="accent1"/>
+                        </a:solidFill>
+                      </a:endParaRPr>
+                    </a:p>
+                  </a:txBody>
+                  <a:tcPr/>
+                </a:tc>
+                <a:tc>
+                  <a:txBody>
+                    <a:bodyPr/>
+                    <a:lstStyle/>
+                    <a:p>
+                      <a:r>
+                        <a:rPr lang="en-PH" dirty="0"/>
+                        <a:t>View</a:t>
+                      </a:r>
+                    </a:p>
+                  </a:txBody>
+                  <a:tcPr/>
+                </a:tc>
+                <a:extLst>
+                  <a:ext uri="{0D108BD9-81ED-4DB2-BD59-A6C34878D82A}">
+                    <a16:rowId xmlns:a16="http://schemas.microsoft.com/office/drawing/2014/main" val="1963116755"/>
+                  </a:ext>
+                </a:extLst>
+              </a:tr>
+              <a:tr h="360000">
+                <a:tc>
+                  <a:txBody>
+                    <a:bodyPr/>
+                    <a:lstStyle/>
+                    <a:p>
+                      <a:pPr algn="ctr"/>
+                      <a:endParaRPr lang="en-PH" b="1" dirty="0">
+                        <a:solidFill>
+                          <a:schemeClr val="accent1"/>
+                        </a:solidFill>
+                      </a:endParaRPr>
+                    </a:p>
+                  </a:txBody>
+                  <a:tcPr/>
+                </a:tc>
+                <a:tc>
+                  <a:txBody>
+                    <a:bodyPr/>
+                    <a:lstStyle/>
+                    <a:p>
+                      <a:r>
+                        <a:rPr lang="en-PH" dirty="0"/>
+                        <a:t>Upload</a:t>
+                      </a:r>
+                    </a:p>
+                  </a:txBody>
+                  <a:tcPr/>
+                </a:tc>
+                <a:extLst>
+                  <a:ext uri="{0D108BD9-81ED-4DB2-BD59-A6C34878D82A}">
+                    <a16:rowId xmlns:a16="http://schemas.microsoft.com/office/drawing/2014/main" val="1739529800"/>
+                  </a:ext>
+                </a:extLst>
+              </a:tr>
+            </a:tbl>
+          </a:graphicData>
+        </a:graphic>
+      </p:graphicFrame>
+      <p:sp>
+        <p:nvSpPr>
+          <p:cNvPr id="8" name="Title 1">
+            <a:extLst>
+              <a:ext uri="{FF2B5EF4-FFF2-40B4-BE49-F238E27FC236}">
+                <a16:creationId xmlns:a16="http://schemas.microsoft.com/office/drawing/2014/main" id="{1D105D50-3D8A-41FF-9A1B-AA746763CCC9}"/>
+              </a:ext>
+            </a:extLst>
+          </p:cNvPr>
+          <p:cNvSpPr txBox="1">
+            <a:spLocks/>
+          </p:cNvSpPr>
+          <p:nvPr/>
+        </p:nvSpPr>
+        <p:spPr>
+          <a:xfrm>
+            <a:off x="6559054" y="391488"/>
+            <a:ext cx="4185225" cy="915514"/>
+          </a:xfrm>
+          <a:prstGeom prst="rect">
+            <a:avLst/>
+          </a:prstGeom>
+        </p:spPr>
+        <p:txBody>
+          <a:bodyPr vert="horz" lIns="91440" tIns="45720" rIns="91440" bIns="45720" rtlCol="0" anchor="t">
+            <a:noAutofit/>
+          </a:bodyPr>
+          <a:lstStyle>
+            <a:lvl1pPr algn="l" defTabSz="457200" rtl="0" eaLnBrk="1" latinLnBrk="0" hangingPunct="1">
+              <a:spcBef>
+                <a:spcPct val="0"/>
+              </a:spcBef>
+              <a:buNone/>
+              <a:defRPr sz="4200" b="0" i="0" kern="1200">
+                <a:solidFill>
+                  <a:schemeClr val="tx2"/>
+                </a:solidFill>
+                <a:latin typeface="+mj-lt"/>
+                <a:ea typeface="+mj-ea"/>
+                <a:cs typeface="+mj-cs"/>
+              </a:defRPr>
+            </a:lvl1pPr>
+            <a:lvl2pPr eaLnBrk="1" hangingPunct="1">
+              <a:defRPr>
+                <a:solidFill>
+                  <a:schemeClr val="tx2"/>
+                </a:solidFill>
+              </a:defRPr>
+            </a:lvl2pPr>
+            <a:lvl3pPr eaLnBrk="1" hangingPunct="1">
+              <a:defRPr>
+                <a:solidFill>
+                  <a:schemeClr val="tx2"/>
+                </a:solidFill>
+              </a:defRPr>
+            </a:lvl3pPr>
+            <a:lvl4pPr eaLnBrk="1" hangingPunct="1">
+              <a:defRPr>
+                <a:solidFill>
+                  <a:schemeClr val="tx2"/>
+                </a:solidFill>
+              </a:defRPr>
+            </a:lvl4pPr>
+            <a:lvl5pPr eaLnBrk="1" hangingPunct="1">
+              <a:defRPr>
+                <a:solidFill>
+                  <a:schemeClr val="tx2"/>
+                </a:solidFill>
+              </a:defRPr>
+            </a:lvl5pPr>
+            <a:lvl6pPr eaLnBrk="1" hangingPunct="1">
+              <a:defRPr>
+                <a:solidFill>
+                  <a:schemeClr val="tx2"/>
+                </a:solidFill>
+              </a:defRPr>
+            </a:lvl6pPr>
+            <a:lvl7pPr eaLnBrk="1" hangingPunct="1">
+              <a:defRPr>
+                <a:solidFill>
+                  <a:schemeClr val="tx2"/>
+                </a:solidFill>
+              </a:defRPr>
+            </a:lvl7pPr>
+            <a:lvl8pPr eaLnBrk="1" hangingPunct="1">
+              <a:defRPr>
+                <a:solidFill>
+                  <a:schemeClr val="tx2"/>
+                </a:solidFill>
+              </a:defRPr>
+            </a:lvl8pPr>
+            <a:lvl9pPr eaLnBrk="1" hangingPunct="1">
+              <a:defRPr>
+                <a:solidFill>
+                  <a:schemeClr val="tx2"/>
+                </a:solidFill>
+              </a:defRPr>
+            </a:lvl9pPr>
+          </a:lstStyle>
+          <a:p>
+            <a:pPr algn="ctr"/>
+            <a:r>
+              <a:rPr lang="en-PH" u="sng" dirty="0"/>
+              <a:t>Permissions</a:t>
+            </a:r>
+          </a:p>
+        </p:txBody>
+      </p:sp>
+    </p:spTree>
+    <p:extLst>
+      <p:ext uri="{BB962C8B-B14F-4D97-AF65-F5344CB8AC3E}">
+        <p14:creationId xmlns:p14="http://schemas.microsoft.com/office/powerpoint/2010/main" val="2413812354"/>
+      </p:ext>
+    </p:extLst>
+  </p:cSld>
+  <p:clrMapOvr>
+    <a:masterClrMapping/>
+  </p:clrMapOvr>
+</p:sld>
+</file>
+
+<file path=ppt/slides/slide15.xml><?xml version="1.0" encoding="utf-8"?>
+<p:sld xmlns:a="http://schemas.openxmlformats.org/drawingml/2006/main" xmlns:r="http://schemas.openxmlformats.org/officeDocument/2006/relationships" xmlns:p="http://schemas.openxmlformats.org/presentationml/2006/main">
+  <p:cSld>
+    <p:spTree>
+      <p:nvGrpSpPr>
+        <p:cNvPr id="1" name=""/>
+        <p:cNvGrpSpPr/>
+        <p:nvPr/>
+      </p:nvGrpSpPr>
+      <p:grpSpPr>
+        <a:xfrm>
+          <a:off x="0" y="0"/>
+          <a:ext cx="0" cy="0"/>
+          <a:chOff x="0" y="0"/>
+          <a:chExt cx="0" cy="0"/>
+        </a:xfrm>
+      </p:grpSpPr>
+      <p:sp>
+        <p:nvSpPr>
+          <p:cNvPr id="2" name="Title 1">
+            <a:extLst>
+              <a:ext uri="{FF2B5EF4-FFF2-40B4-BE49-F238E27FC236}">
+                <a16:creationId xmlns:a16="http://schemas.microsoft.com/office/drawing/2014/main" id="{10606D89-7023-4E93-8016-152CC5F0618E}"/>
+              </a:ext>
+            </a:extLst>
+          </p:cNvPr>
+          <p:cNvSpPr>
+            <a:spLocks noGrp="1"/>
+          </p:cNvSpPr>
+          <p:nvPr>
+            <p:ph type="title"/>
+          </p:nvPr>
+        </p:nvSpPr>
+        <p:spPr/>
+        <p:txBody>
+          <a:bodyPr/>
+          <a:lstStyle/>
+          <a:p>
+            <a:r>
+              <a:rPr lang="en-PH" dirty="0"/>
+              <a:t>Instruction</a:t>
+            </a:r>
+          </a:p>
+        </p:txBody>
+      </p:sp>
+      <p:sp>
+        <p:nvSpPr>
+          <p:cNvPr id="3" name="Content Placeholder 2">
+            <a:extLst>
+              <a:ext uri="{FF2B5EF4-FFF2-40B4-BE49-F238E27FC236}">
+                <a16:creationId xmlns:a16="http://schemas.microsoft.com/office/drawing/2014/main" id="{D1C0E72B-006C-4D76-9A1F-7DF3B5B54B66}"/>
+              </a:ext>
+            </a:extLst>
+          </p:cNvPr>
+          <p:cNvSpPr>
+            <a:spLocks noGrp="1"/>
+          </p:cNvSpPr>
+          <p:nvPr>
+            <p:ph idx="1"/>
+          </p:nvPr>
+        </p:nvSpPr>
+        <p:spPr/>
+        <p:txBody>
+          <a:bodyPr/>
+          <a:lstStyle/>
+          <a:p>
+            <a:endParaRPr lang="en-PH"/>
+          </a:p>
+        </p:txBody>
+      </p:sp>
+    </p:spTree>
+    <p:extLst>
+      <p:ext uri="{BB962C8B-B14F-4D97-AF65-F5344CB8AC3E}">
+        <p14:creationId xmlns:p14="http://schemas.microsoft.com/office/powerpoint/2010/main" val="283447908"/>
+      </p:ext>
+    </p:extLst>
+  </p:cSld>
+  <p:clrMapOvr>
+    <a:masterClrMapping/>
+  </p:clrMapOvr>
+</p:sld>
+</file>
+
+<file path=ppt/slides/slide16.xml><?xml version="1.0" encoding="utf-8"?>
+<p:sld xmlns:a="http://schemas.openxmlformats.org/drawingml/2006/main" xmlns:r="http://schemas.openxmlformats.org/officeDocument/2006/relationships" xmlns:p="http://schemas.openxmlformats.org/presentationml/2006/main" showMasterSp="0">
+  <p:cSld>
+    <p:spTree>
+      <p:nvGrpSpPr>
+        <p:cNvPr id="1" name=""/>
+        <p:cNvGrpSpPr/>
+        <p:nvPr/>
+      </p:nvGrpSpPr>
+      <p:grpSpPr>
+        <a:xfrm>
+          <a:off x="0" y="0"/>
+          <a:ext cx="0" cy="0"/>
+          <a:chOff x="0" y="0"/>
+          <a:chExt cx="0" cy="0"/>
+        </a:xfrm>
+      </p:grpSpPr>
+      <p:sp>
+        <p:nvSpPr>
           <p:cNvPr id="2" name="Title 1">
             <a:extLst>
               <a:ext uri="{FF2B5EF4-FFF2-40B4-BE49-F238E27FC236}">
@@ -6225,7 +9105,7 @@
           <a:bodyPr/>
           <a:lstStyle/>
           <a:p>
-            <a:endParaRPr lang="en-PH"/>
+            <a:endParaRPr lang="en-PH" dirty="0"/>
           </a:p>
         </p:txBody>
       </p:sp>
@@ -6250,7 +9130,7 @@
           <a:bodyPr/>
           <a:lstStyle/>
           <a:p>
-            <a:endParaRPr lang="en-PH"/>
+            <a:endParaRPr lang="en-PH" dirty="0"/>
           </a:p>
         </p:txBody>
       </p:sp>
@@ -6283,7 +9163,7 @@
         </p:blipFill>
         <p:spPr bwMode="auto">
           <a:xfrm>
-            <a:off x="505838" y="694150"/>
+            <a:off x="1431587" y="1373846"/>
             <a:ext cx="9328825" cy="4874553"/>
           </a:xfrm>
           <a:prstGeom prst="rect">
@@ -6304,7 +9184,7 @@
     </p:spTree>
     <p:extLst>
       <p:ext uri="{BB962C8B-B14F-4D97-AF65-F5344CB8AC3E}">
-        <p14:creationId xmlns:p14="http://schemas.microsoft.com/office/powerpoint/2010/main" val="2949212412"/>
+        <p14:creationId xmlns:p14="http://schemas.microsoft.com/office/powerpoint/2010/main" val="4282185573"/>
       </p:ext>
     </p:extLst>
   </p:cSld>
@@ -6314,8 +9194,168 @@
 </p:sld>
 </file>
 
-<file path=ppt/slides/slide11.xml><?xml version="1.0" encoding="utf-8"?>
-<p:sld xmlns:a="http://schemas.openxmlformats.org/drawingml/2006/main" xmlns:r="http://schemas.openxmlformats.org/officeDocument/2006/relationships" xmlns:p="http://schemas.openxmlformats.org/presentationml/2006/main">
+<file path=ppt/slides/slide17.xml><?xml version="1.0" encoding="utf-8"?>
+<p:sld xmlns:a="http://schemas.openxmlformats.org/drawingml/2006/main" xmlns:r="http://schemas.openxmlformats.org/officeDocument/2006/relationships" xmlns:p="http://schemas.openxmlformats.org/presentationml/2006/main" showMasterSp="0">
+  <p:cSld>
+    <p:spTree>
+      <p:nvGrpSpPr>
+        <p:cNvPr id="1" name=""/>
+        <p:cNvGrpSpPr/>
+        <p:nvPr/>
+      </p:nvGrpSpPr>
+      <p:grpSpPr>
+        <a:xfrm>
+          <a:off x="0" y="0"/>
+          <a:ext cx="0" cy="0"/>
+          <a:chOff x="0" y="0"/>
+          <a:chExt cx="0" cy="0"/>
+        </a:xfrm>
+      </p:grpSpPr>
+      <p:sp>
+        <p:nvSpPr>
+          <p:cNvPr id="2" name="Title 1">
+            <a:extLst>
+              <a:ext uri="{FF2B5EF4-FFF2-40B4-BE49-F238E27FC236}">
+                <a16:creationId xmlns:a16="http://schemas.microsoft.com/office/drawing/2014/main" id="{44D0AA3C-0C7C-4E95-9BDC-7FCF50008D8C}"/>
+              </a:ext>
+            </a:extLst>
+          </p:cNvPr>
+          <p:cNvSpPr>
+            <a:spLocks noGrp="1"/>
+          </p:cNvSpPr>
+          <p:nvPr>
+            <p:ph type="title"/>
+          </p:nvPr>
+        </p:nvSpPr>
+        <p:spPr/>
+        <p:txBody>
+          <a:bodyPr/>
+          <a:lstStyle/>
+          <a:p>
+            <a:endParaRPr lang="en-PH" dirty="0"/>
+          </a:p>
+        </p:txBody>
+      </p:sp>
+      <p:sp>
+        <p:nvSpPr>
+          <p:cNvPr id="3" name="Content Placeholder 2">
+            <a:extLst>
+              <a:ext uri="{FF2B5EF4-FFF2-40B4-BE49-F238E27FC236}">
+                <a16:creationId xmlns:a16="http://schemas.microsoft.com/office/drawing/2014/main" id="{069303D3-71FF-433A-9633-DAA75F0BB4E6}"/>
+              </a:ext>
+            </a:extLst>
+          </p:cNvPr>
+          <p:cNvSpPr>
+            <a:spLocks noGrp="1"/>
+          </p:cNvSpPr>
+          <p:nvPr>
+            <p:ph idx="1"/>
+          </p:nvPr>
+        </p:nvSpPr>
+        <p:spPr/>
+        <p:txBody>
+          <a:bodyPr/>
+          <a:lstStyle/>
+          <a:p>
+            <a:endParaRPr lang="en-PH" dirty="0"/>
+          </a:p>
+        </p:txBody>
+      </p:sp>
+    </p:spTree>
+    <p:extLst>
+      <p:ext uri="{BB962C8B-B14F-4D97-AF65-F5344CB8AC3E}">
+        <p14:creationId xmlns:p14="http://schemas.microsoft.com/office/powerpoint/2010/main" val="3407340223"/>
+      </p:ext>
+    </p:extLst>
+  </p:cSld>
+  <p:clrMapOvr>
+    <a:masterClrMapping/>
+  </p:clrMapOvr>
+</p:sld>
+</file>
+
+<file path=ppt/slides/slide18.xml><?xml version="1.0" encoding="utf-8"?>
+<p:sld xmlns:a="http://schemas.openxmlformats.org/drawingml/2006/main" xmlns:r="http://schemas.openxmlformats.org/officeDocument/2006/relationships" xmlns:p="http://schemas.openxmlformats.org/presentationml/2006/main" showMasterSp="0">
+  <p:cSld>
+    <p:spTree>
+      <p:nvGrpSpPr>
+        <p:cNvPr id="1" name=""/>
+        <p:cNvGrpSpPr/>
+        <p:nvPr/>
+      </p:nvGrpSpPr>
+      <p:grpSpPr>
+        <a:xfrm>
+          <a:off x="0" y="0"/>
+          <a:ext cx="0" cy="0"/>
+          <a:chOff x="0" y="0"/>
+          <a:chExt cx="0" cy="0"/>
+        </a:xfrm>
+      </p:grpSpPr>
+      <p:sp>
+        <p:nvSpPr>
+          <p:cNvPr id="2" name="Title 1">
+            <a:extLst>
+              <a:ext uri="{FF2B5EF4-FFF2-40B4-BE49-F238E27FC236}">
+                <a16:creationId xmlns:a16="http://schemas.microsoft.com/office/drawing/2014/main" id="{B5A22ACB-B76D-4F29-B0F0-ED20B0CF44AB}"/>
+              </a:ext>
+            </a:extLst>
+          </p:cNvPr>
+          <p:cNvSpPr>
+            <a:spLocks noGrp="1"/>
+          </p:cNvSpPr>
+          <p:nvPr>
+            <p:ph type="title"/>
+          </p:nvPr>
+        </p:nvSpPr>
+        <p:spPr/>
+        <p:txBody>
+          <a:bodyPr/>
+          <a:lstStyle/>
+          <a:p>
+            <a:endParaRPr lang="en-PH" dirty="0"/>
+          </a:p>
+        </p:txBody>
+      </p:sp>
+      <p:sp>
+        <p:nvSpPr>
+          <p:cNvPr id="3" name="Content Placeholder 2">
+            <a:extLst>
+              <a:ext uri="{FF2B5EF4-FFF2-40B4-BE49-F238E27FC236}">
+                <a16:creationId xmlns:a16="http://schemas.microsoft.com/office/drawing/2014/main" id="{6D98F006-2E37-44A8-A6C1-5F73E38A2655}"/>
+              </a:ext>
+            </a:extLst>
+          </p:cNvPr>
+          <p:cNvSpPr>
+            <a:spLocks noGrp="1"/>
+          </p:cNvSpPr>
+          <p:nvPr>
+            <p:ph idx="1"/>
+          </p:nvPr>
+        </p:nvSpPr>
+        <p:spPr/>
+        <p:txBody>
+          <a:bodyPr/>
+          <a:lstStyle/>
+          <a:p>
+            <a:endParaRPr lang="en-PH" dirty="0"/>
+          </a:p>
+        </p:txBody>
+      </p:sp>
+    </p:spTree>
+    <p:extLst>
+      <p:ext uri="{BB962C8B-B14F-4D97-AF65-F5344CB8AC3E}">
+        <p14:creationId xmlns:p14="http://schemas.microsoft.com/office/powerpoint/2010/main" val="313879147"/>
+      </p:ext>
+    </p:extLst>
+  </p:cSld>
+  <p:clrMapOvr>
+    <a:masterClrMapping/>
+  </p:clrMapOvr>
+</p:sld>
+</file>
+
+<file path=ppt/slides/slide19.xml><?xml version="1.0" encoding="utf-8"?>
+<p:sld xmlns:a="http://schemas.openxmlformats.org/drawingml/2006/main" xmlns:r="http://schemas.openxmlformats.org/officeDocument/2006/relationships" xmlns:p="http://schemas.openxmlformats.org/presentationml/2006/main" showMasterSp="0">
   <p:cSld>
     <p:spTree>
       <p:nvGrpSpPr>
@@ -6425,7 +9465,7 @@
     </p:spTree>
     <p:extLst>
       <p:ext uri="{BB962C8B-B14F-4D97-AF65-F5344CB8AC3E}">
-        <p14:creationId xmlns:p14="http://schemas.microsoft.com/office/powerpoint/2010/main" val="3012790043"/>
+        <p14:creationId xmlns:p14="http://schemas.microsoft.com/office/powerpoint/2010/main" val="167568205"/>
       </p:ext>
     </p:extLst>
   </p:cSld>
@@ -6435,7 +9475,7 @@
 </p:sld>
 </file>
 
-<file path=ppt/slides/slide12.xml><?xml version="1.0" encoding="utf-8"?>
+<file path=ppt/slides/slide2.xml><?xml version="1.0" encoding="utf-8"?>
 <p:sld xmlns:a="http://schemas.openxmlformats.org/drawingml/2006/main" xmlns:r="http://schemas.openxmlformats.org/officeDocument/2006/relationships" xmlns:p="http://schemas.openxmlformats.org/presentationml/2006/main">
   <p:cSld>
     <p:spTree>
@@ -6454,10 +9494,43 @@
       </p:grpSpPr>
       <p:sp>
         <p:nvSpPr>
+          <p:cNvPr id="2" name="Title 1">
+            <a:extLst>
+              <a:ext uri="{FF2B5EF4-FFF2-40B4-BE49-F238E27FC236}">
+                <a16:creationId xmlns:a16="http://schemas.microsoft.com/office/drawing/2014/main" id="{9B0C4F7E-C914-4DBF-8E6A-8E0CB30C49D4}"/>
+              </a:ext>
+            </a:extLst>
+          </p:cNvPr>
+          <p:cNvSpPr>
+            <a:spLocks noGrp="1"/>
+          </p:cNvSpPr>
+          <p:nvPr>
+            <p:ph type="title"/>
+          </p:nvPr>
+        </p:nvSpPr>
+        <p:spPr>
+          <a:xfrm>
+            <a:off x="440243" y="365473"/>
+            <a:ext cx="8534400" cy="1248795"/>
+          </a:xfrm>
+        </p:spPr>
+        <p:txBody>
+          <a:bodyPr/>
+          <a:lstStyle/>
+          <a:p>
+            <a:r>
+              <a:rPr lang="en-PH" sz="7000" b="1" dirty="0"/>
+              <a:t>Objective </a:t>
+            </a:r>
+          </a:p>
+        </p:txBody>
+      </p:sp>
+      <p:sp>
+        <p:nvSpPr>
           <p:cNvPr id="3" name="Content Placeholder 2">
             <a:extLst>
               <a:ext uri="{FF2B5EF4-FFF2-40B4-BE49-F238E27FC236}">
-                <a16:creationId xmlns:a16="http://schemas.microsoft.com/office/drawing/2014/main" id="{6F5B3B11-9304-46EF-91E0-7EF413584631}"/>
+                <a16:creationId xmlns:a16="http://schemas.microsoft.com/office/drawing/2014/main" id="{C5CC2E39-51EF-4A2C-BF29-68D213E9DCBA}"/>
               </a:ext>
             </a:extLst>
           </p:cNvPr>
@@ -6468,60 +9541,287 @@
             <p:ph idx="1"/>
           </p:nvPr>
         </p:nvSpPr>
-        <p:spPr/>
-        <p:txBody>
-          <a:bodyPr/>
-          <a:lstStyle/>
-          <a:p>
-            <a:endParaRPr lang="en-PH"/>
-          </a:p>
-        </p:txBody>
-      </p:sp>
-      <p:pic>
-        <p:nvPicPr>
-          <p:cNvPr id="4" name="Content Placeholder 3">
-            <a:extLst>
-              <a:ext uri="{FF2B5EF4-FFF2-40B4-BE49-F238E27FC236}">
-                <a16:creationId xmlns:a16="http://schemas.microsoft.com/office/drawing/2014/main" id="{5D680967-6984-46C2-B750-B51E3274AFC4}"/>
-              </a:ext>
-            </a:extLst>
-          </p:cNvPr>
-          <p:cNvPicPr>
-            <a:picLocks noChangeAspect="1"/>
-          </p:cNvPicPr>
-          <p:nvPr/>
-        </p:nvPicPr>
-        <p:blipFill>
-          <a:blip r:embed="rId2"/>
-          <a:stretch>
-            <a:fillRect/>
-          </a:stretch>
-        </p:blipFill>
         <p:spPr>
           <a:xfrm>
-            <a:off x="344629" y="2596595"/>
-            <a:ext cx="11055269" cy="3651804"/>
+            <a:off x="1281780" y="1973083"/>
+            <a:ext cx="9864639" cy="4278671"/>
           </a:xfrm>
-          <a:prstGeom prst="rect">
-            <a:avLst/>
-          </a:prstGeom>
         </p:spPr>
-      </p:pic>
+        <p:txBody>
+          <a:bodyPr anchor="t">
+            <a:normAutofit/>
+          </a:bodyPr>
+          <a:lstStyle/>
+          <a:p>
+            <a:r>
+              <a:rPr lang="en-PH" sz="3000" dirty="0"/>
+              <a:t>User Interface</a:t>
+            </a:r>
+          </a:p>
+          <a:p>
+            <a:r>
+              <a:rPr lang="en-PH" sz="3000" dirty="0"/>
+              <a:t>Role Management</a:t>
+            </a:r>
+          </a:p>
+          <a:p>
+            <a:r>
+              <a:rPr lang="en-PH" sz="3000" dirty="0"/>
+              <a:t>Permission Management</a:t>
+            </a:r>
+          </a:p>
+          <a:p>
+            <a:r>
+              <a:rPr lang="en-PH" sz="3000" dirty="0"/>
+              <a:t>End Users Management</a:t>
+            </a:r>
+          </a:p>
+        </p:txBody>
+      </p:sp>
     </p:spTree>
     <p:extLst>
       <p:ext uri="{BB962C8B-B14F-4D97-AF65-F5344CB8AC3E}">
-        <p14:creationId xmlns:p14="http://schemas.microsoft.com/office/powerpoint/2010/main" val="911344414"/>
+        <p14:creationId xmlns:p14="http://schemas.microsoft.com/office/powerpoint/2010/main" val="3255239065"/>
       </p:ext>
     </p:extLst>
   </p:cSld>
   <p:clrMapOvr>
     <a:masterClrMapping/>
   </p:clrMapOvr>
+  <p:timing>
+    <p:tnLst>
+      <p:par>
+        <p:cTn id="1" dur="indefinite" restart="never" nodeType="tmRoot">
+          <p:childTnLst>
+            <p:seq concurrent="1" nextAc="seek">
+              <p:cTn id="2" dur="indefinite" nodeType="mainSeq">
+                <p:childTnLst>
+                  <p:par>
+                    <p:cTn id="3" fill="hold">
+                      <p:stCondLst>
+                        <p:cond delay="indefinite"/>
+                      </p:stCondLst>
+                      <p:childTnLst>
+                        <p:par>
+                          <p:cTn id="4" fill="hold">
+                            <p:stCondLst>
+                              <p:cond delay="0"/>
+                            </p:stCondLst>
+                            <p:childTnLst>
+                              <p:par>
+                                <p:cTn id="5" presetID="1" presetClass="entr" presetSubtype="0" fill="hold" grpId="0" nodeType="clickEffect">
+                                  <p:stCondLst>
+                                    <p:cond delay="0"/>
+                                  </p:stCondLst>
+                                  <p:childTnLst>
+                                    <p:set>
+                                      <p:cBhvr>
+                                        <p:cTn id="6" dur="1" fill="hold">
+                                          <p:stCondLst>
+                                            <p:cond delay="0"/>
+                                          </p:stCondLst>
+                                        </p:cTn>
+                                        <p:tgtEl>
+                                          <p:spTgt spid="3">
+                                            <p:txEl>
+                                              <p:pRg st="0" end="0"/>
+                                            </p:txEl>
+                                          </p:spTgt>
+                                        </p:tgtEl>
+                                        <p:attrNameLst>
+                                          <p:attrName>style.visibility</p:attrName>
+                                        </p:attrNameLst>
+                                      </p:cBhvr>
+                                      <p:to>
+                                        <p:strVal val="visible"/>
+                                      </p:to>
+                                    </p:set>
+                                  </p:childTnLst>
+                                </p:cTn>
+                              </p:par>
+                            </p:childTnLst>
+                          </p:cTn>
+                        </p:par>
+                      </p:childTnLst>
+                    </p:cTn>
+                  </p:par>
+                  <p:par>
+                    <p:cTn id="7" fill="hold">
+                      <p:stCondLst>
+                        <p:cond delay="indefinite"/>
+                      </p:stCondLst>
+                      <p:childTnLst>
+                        <p:par>
+                          <p:cTn id="8" fill="hold">
+                            <p:stCondLst>
+                              <p:cond delay="0"/>
+                            </p:stCondLst>
+                            <p:childTnLst>
+                              <p:par>
+                                <p:cTn id="9" presetID="1" presetClass="entr" presetSubtype="0" fill="hold" grpId="0" nodeType="clickEffect">
+                                  <p:stCondLst>
+                                    <p:cond delay="0"/>
+                                  </p:stCondLst>
+                                  <p:childTnLst>
+                                    <p:set>
+                                      <p:cBhvr>
+                                        <p:cTn id="10" dur="1" fill="hold">
+                                          <p:stCondLst>
+                                            <p:cond delay="0"/>
+                                          </p:stCondLst>
+                                        </p:cTn>
+                                        <p:tgtEl>
+                                          <p:spTgt spid="3">
+                                            <p:txEl>
+                                              <p:pRg st="1" end="1"/>
+                                            </p:txEl>
+                                          </p:spTgt>
+                                        </p:tgtEl>
+                                        <p:attrNameLst>
+                                          <p:attrName>style.visibility</p:attrName>
+                                        </p:attrNameLst>
+                                      </p:cBhvr>
+                                      <p:to>
+                                        <p:strVal val="visible"/>
+                                      </p:to>
+                                    </p:set>
+                                  </p:childTnLst>
+                                </p:cTn>
+                              </p:par>
+                            </p:childTnLst>
+                          </p:cTn>
+                        </p:par>
+                      </p:childTnLst>
+                    </p:cTn>
+                  </p:par>
+                  <p:par>
+                    <p:cTn id="11" fill="hold">
+                      <p:stCondLst>
+                        <p:cond delay="indefinite"/>
+                      </p:stCondLst>
+                      <p:childTnLst>
+                        <p:par>
+                          <p:cTn id="12" fill="hold">
+                            <p:stCondLst>
+                              <p:cond delay="0"/>
+                            </p:stCondLst>
+                            <p:childTnLst>
+                              <p:par>
+                                <p:cTn id="13" presetID="1" presetClass="entr" presetSubtype="0" fill="hold" grpId="0" nodeType="clickEffect">
+                                  <p:stCondLst>
+                                    <p:cond delay="0"/>
+                                  </p:stCondLst>
+                                  <p:childTnLst>
+                                    <p:set>
+                                      <p:cBhvr>
+                                        <p:cTn id="14" dur="1" fill="hold">
+                                          <p:stCondLst>
+                                            <p:cond delay="0"/>
+                                          </p:stCondLst>
+                                        </p:cTn>
+                                        <p:tgtEl>
+                                          <p:spTgt spid="3">
+                                            <p:txEl>
+                                              <p:pRg st="2" end="2"/>
+                                            </p:txEl>
+                                          </p:spTgt>
+                                        </p:tgtEl>
+                                        <p:attrNameLst>
+                                          <p:attrName>style.visibility</p:attrName>
+                                        </p:attrNameLst>
+                                      </p:cBhvr>
+                                      <p:to>
+                                        <p:strVal val="visible"/>
+                                      </p:to>
+                                    </p:set>
+                                  </p:childTnLst>
+                                </p:cTn>
+                              </p:par>
+                            </p:childTnLst>
+                          </p:cTn>
+                        </p:par>
+                      </p:childTnLst>
+                    </p:cTn>
+                  </p:par>
+                  <p:par>
+                    <p:cTn id="15" fill="hold">
+                      <p:stCondLst>
+                        <p:cond delay="indefinite"/>
+                      </p:stCondLst>
+                      <p:childTnLst>
+                        <p:par>
+                          <p:cTn id="16" fill="hold">
+                            <p:stCondLst>
+                              <p:cond delay="0"/>
+                            </p:stCondLst>
+                            <p:childTnLst>
+                              <p:par>
+                                <p:cTn id="17" presetID="1" presetClass="entr" presetSubtype="0" fill="hold" grpId="0" nodeType="clickEffect">
+                                  <p:stCondLst>
+                                    <p:cond delay="0"/>
+                                  </p:stCondLst>
+                                  <p:childTnLst>
+                                    <p:set>
+                                      <p:cBhvr>
+                                        <p:cTn id="18" dur="1" fill="hold">
+                                          <p:stCondLst>
+                                            <p:cond delay="0"/>
+                                          </p:stCondLst>
+                                        </p:cTn>
+                                        <p:tgtEl>
+                                          <p:spTgt spid="3">
+                                            <p:txEl>
+                                              <p:pRg st="3" end="3"/>
+                                            </p:txEl>
+                                          </p:spTgt>
+                                        </p:tgtEl>
+                                        <p:attrNameLst>
+                                          <p:attrName>style.visibility</p:attrName>
+                                        </p:attrNameLst>
+                                      </p:cBhvr>
+                                      <p:to>
+                                        <p:strVal val="visible"/>
+                                      </p:to>
+                                    </p:set>
+                                  </p:childTnLst>
+                                </p:cTn>
+                              </p:par>
+                            </p:childTnLst>
+                          </p:cTn>
+                        </p:par>
+                      </p:childTnLst>
+                    </p:cTn>
+                  </p:par>
+                </p:childTnLst>
+              </p:cTn>
+              <p:prevCondLst>
+                <p:cond evt="onPrev" delay="0">
+                  <p:tgtEl>
+                    <p:sldTgt/>
+                  </p:tgtEl>
+                </p:cond>
+              </p:prevCondLst>
+              <p:nextCondLst>
+                <p:cond evt="onNext" delay="0">
+                  <p:tgtEl>
+                    <p:sldTgt/>
+                  </p:tgtEl>
+                </p:cond>
+              </p:nextCondLst>
+            </p:seq>
+          </p:childTnLst>
+        </p:cTn>
+      </p:par>
+    </p:tnLst>
+    <p:bldLst>
+      <p:bldP spid="3" grpId="0" build="p"/>
+    </p:bldLst>
+  </p:timing>
 </p:sld>
 </file>
 
-<file path=ppt/slides/slide13.xml><?xml version="1.0" encoding="utf-8"?>
-<p:sld xmlns:a="http://schemas.openxmlformats.org/drawingml/2006/main" xmlns:r="http://schemas.openxmlformats.org/officeDocument/2006/relationships" xmlns:p="http://schemas.openxmlformats.org/presentationml/2006/main">
+<file path=ppt/slides/slide20.xml><?xml version="1.0" encoding="utf-8"?>
+<p:sld xmlns:a="http://schemas.openxmlformats.org/drawingml/2006/main" xmlns:r="http://schemas.openxmlformats.org/officeDocument/2006/relationships" xmlns:p="http://schemas.openxmlformats.org/presentationml/2006/main" showMasterSp="0">
   <p:cSld>
     <p:spTree>
       <p:nvGrpSpPr>
@@ -6558,7 +9858,7 @@
           <a:bodyPr/>
           <a:lstStyle/>
           <a:p>
-            <a:endParaRPr lang="en-PH"/>
+            <a:endParaRPr lang="en-PH" dirty="0"/>
           </a:p>
         </p:txBody>
       </p:sp>
@@ -6583,7 +9883,7 @@
           <a:bodyPr/>
           <a:lstStyle/>
           <a:p>
-            <a:endParaRPr lang="en-PH"/>
+            <a:endParaRPr lang="en-PH" dirty="0"/>
           </a:p>
         </p:txBody>
       </p:sp>
@@ -6635,7 +9935,7 @@
     </p:spTree>
     <p:extLst>
       <p:ext uri="{BB962C8B-B14F-4D97-AF65-F5344CB8AC3E}">
-        <p14:creationId xmlns:p14="http://schemas.microsoft.com/office/powerpoint/2010/main" val="3792008644"/>
+        <p14:creationId xmlns:p14="http://schemas.microsoft.com/office/powerpoint/2010/main" val="2270421272"/>
       </p:ext>
     </p:extLst>
   </p:cSld>
@@ -6645,8 +9945,8 @@
 </p:sld>
 </file>
 
-<file path=ppt/slides/slide14.xml><?xml version="1.0" encoding="utf-8"?>
-<p:sld xmlns:a="http://schemas.openxmlformats.org/drawingml/2006/main" xmlns:r="http://schemas.openxmlformats.org/officeDocument/2006/relationships" xmlns:p="http://schemas.openxmlformats.org/presentationml/2006/main">
+<file path=ppt/slides/slide21.xml><?xml version="1.0" encoding="utf-8"?>
+<p:sld xmlns:a="http://schemas.openxmlformats.org/drawingml/2006/main" xmlns:r="http://schemas.openxmlformats.org/officeDocument/2006/relationships" xmlns:p="http://schemas.openxmlformats.org/presentationml/2006/main" showMasterSp="0">
   <p:cSld>
     <p:spTree>
       <p:nvGrpSpPr>
@@ -6737,7 +10037,7 @@
     </p:spTree>
     <p:extLst>
       <p:ext uri="{BB962C8B-B14F-4D97-AF65-F5344CB8AC3E}">
-        <p14:creationId xmlns:p14="http://schemas.microsoft.com/office/powerpoint/2010/main" val="1167770533"/>
+        <p14:creationId xmlns:p14="http://schemas.microsoft.com/office/powerpoint/2010/main" val="1458782072"/>
       </p:ext>
     </p:extLst>
   </p:cSld>
@@ -6747,8 +10047,8 @@
 </p:sld>
 </file>
 
-<file path=ppt/slides/slide15.xml><?xml version="1.0" encoding="utf-8"?>
-<p:sld xmlns:a="http://schemas.openxmlformats.org/drawingml/2006/main" xmlns:r="http://schemas.openxmlformats.org/officeDocument/2006/relationships" xmlns:p="http://schemas.openxmlformats.org/presentationml/2006/main">
+<file path=ppt/slides/slide22.xml><?xml version="1.0" encoding="utf-8"?>
+<p:sld xmlns:a="http://schemas.openxmlformats.org/drawingml/2006/main" xmlns:r="http://schemas.openxmlformats.org/officeDocument/2006/relationships" xmlns:p="http://schemas.openxmlformats.org/presentationml/2006/main" showMasterSp="0">
   <p:cSld>
     <p:spTree>
       <p:nvGrpSpPr>
@@ -6815,11 +10115,7 @@
             <a:graphicFrameLocks noGrp="1"/>
           </p:cNvGraphicFramePr>
           <p:nvPr>
-            <p:extLst>
-              <p:ext uri="{D42A27DB-BD31-4B8C-83A1-F6EECF244321}">
-                <p14:modId xmlns:p14="http://schemas.microsoft.com/office/powerpoint/2010/main" val="446532954"/>
-              </p:ext>
-            </p:extLst>
+            <p:extLst/>
           </p:nvPr>
         </p:nvGraphicFramePr>
         <p:xfrm>
@@ -7852,7 +11148,7 @@
     </p:spTree>
     <p:extLst>
       <p:ext uri="{BB962C8B-B14F-4D97-AF65-F5344CB8AC3E}">
-        <p14:creationId xmlns:p14="http://schemas.microsoft.com/office/powerpoint/2010/main" val="1226890895"/>
+        <p14:creationId xmlns:p14="http://schemas.microsoft.com/office/powerpoint/2010/main" val="530491935"/>
       </p:ext>
     </p:extLst>
   </p:cSld>
@@ -7862,154 +11158,7 @@
 </p:sld>
 </file>
 
-<file path=ppt/slides/slide16.xml><?xml version="1.0" encoding="utf-8"?>
-<p:sld xmlns:a="http://schemas.openxmlformats.org/drawingml/2006/main" xmlns:r="http://schemas.openxmlformats.org/officeDocument/2006/relationships" xmlns:p="http://schemas.openxmlformats.org/presentationml/2006/main">
-  <p:cSld>
-    <p:spTree>
-      <p:nvGrpSpPr>
-        <p:cNvPr id="1" name=""/>
-        <p:cNvGrpSpPr/>
-        <p:nvPr/>
-      </p:nvGrpSpPr>
-      <p:grpSpPr>
-        <a:xfrm>
-          <a:off x="0" y="0"/>
-          <a:ext cx="0" cy="0"/>
-          <a:chOff x="0" y="0"/>
-          <a:chExt cx="0" cy="0"/>
-        </a:xfrm>
-      </p:grpSpPr>
-      <p:sp>
-        <p:nvSpPr>
-          <p:cNvPr id="2" name="Title 1">
-            <a:extLst>
-              <a:ext uri="{FF2B5EF4-FFF2-40B4-BE49-F238E27FC236}">
-                <a16:creationId xmlns:a16="http://schemas.microsoft.com/office/drawing/2014/main" id="{0E256382-5AB5-4423-8603-48FCAC161563}"/>
-              </a:ext>
-            </a:extLst>
-          </p:cNvPr>
-          <p:cNvSpPr>
-            <a:spLocks noGrp="1"/>
-          </p:cNvSpPr>
-          <p:nvPr>
-            <p:ph type="title"/>
-          </p:nvPr>
-        </p:nvSpPr>
-        <p:spPr/>
-        <p:txBody>
-          <a:bodyPr/>
-          <a:lstStyle/>
-          <a:p>
-            <a:r>
-              <a:rPr lang="en-PH" dirty="0"/>
-              <a:t>A</a:t>
-            </a:r>
-          </a:p>
-        </p:txBody>
-      </p:sp>
-      <p:sp>
-        <p:nvSpPr>
-          <p:cNvPr id="3" name="Content Placeholder 2">
-            <a:extLst>
-              <a:ext uri="{FF2B5EF4-FFF2-40B4-BE49-F238E27FC236}">
-                <a16:creationId xmlns:a16="http://schemas.microsoft.com/office/drawing/2014/main" id="{701DB5EE-4DDB-4566-9C5D-8E5AFA8536AF}"/>
-              </a:ext>
-            </a:extLst>
-          </p:cNvPr>
-          <p:cNvSpPr>
-            <a:spLocks noGrp="1"/>
-          </p:cNvSpPr>
-          <p:nvPr>
-            <p:ph idx="1"/>
-          </p:nvPr>
-        </p:nvSpPr>
-        <p:spPr/>
-        <p:txBody>
-          <a:bodyPr/>
-          <a:lstStyle/>
-          <a:p>
-            <a:endParaRPr lang="en-PH"/>
-          </a:p>
-        </p:txBody>
-      </p:sp>
-    </p:spTree>
-    <p:extLst>
-      <p:ext uri="{BB962C8B-B14F-4D97-AF65-F5344CB8AC3E}">
-        <p14:creationId xmlns:p14="http://schemas.microsoft.com/office/powerpoint/2010/main" val="2985987147"/>
-      </p:ext>
-    </p:extLst>
-  </p:cSld>
-  <p:clrMapOvr>
-    <a:masterClrMapping/>
-  </p:clrMapOvr>
-</p:sld>
-</file>
-
-<file path=ppt/slides/slide17.xml><?xml version="1.0" encoding="utf-8"?>
-<p:sld xmlns:a="http://schemas.openxmlformats.org/drawingml/2006/main" xmlns:r="http://schemas.openxmlformats.org/officeDocument/2006/relationships" xmlns:p="http://schemas.openxmlformats.org/presentationml/2006/main">
-  <p:cSld>
-    <p:spTree>
-      <p:nvGrpSpPr>
-        <p:cNvPr id="1" name=""/>
-        <p:cNvGrpSpPr/>
-        <p:nvPr/>
-      </p:nvGrpSpPr>
-      <p:grpSpPr>
-        <a:xfrm>
-          <a:off x="0" y="0"/>
-          <a:ext cx="0" cy="0"/>
-          <a:chOff x="0" y="0"/>
-          <a:chExt cx="0" cy="0"/>
-        </a:xfrm>
-      </p:grpSpPr>
-      <p:sp>
-        <p:nvSpPr>
-          <p:cNvPr id="2" name="Title 1">
-            <a:extLst>
-              <a:ext uri="{FF2B5EF4-FFF2-40B4-BE49-F238E27FC236}">
-                <a16:creationId xmlns:a16="http://schemas.microsoft.com/office/drawing/2014/main" id="{73984972-2F01-4661-8FDC-825817EDC88E}"/>
-              </a:ext>
-            </a:extLst>
-          </p:cNvPr>
-          <p:cNvSpPr>
-            <a:spLocks noGrp="1"/>
-          </p:cNvSpPr>
-          <p:nvPr>
-            <p:ph type="title"/>
-          </p:nvPr>
-        </p:nvSpPr>
-        <p:spPr>
-          <a:xfrm>
-            <a:off x="359923" y="692703"/>
-            <a:ext cx="10538233" cy="5472594"/>
-          </a:xfrm>
-        </p:spPr>
-        <p:txBody>
-          <a:bodyPr anchor="ctr"/>
-          <a:lstStyle/>
-          <a:p>
-            <a:pPr algn="ctr"/>
-            <a:r>
-              <a:rPr lang="en-PH" sz="8800" b="1" dirty="0"/>
-              <a:t>ACCOUNT TYPE</a:t>
-            </a:r>
-          </a:p>
-        </p:txBody>
-      </p:sp>
-    </p:spTree>
-    <p:extLst>
-      <p:ext uri="{BB962C8B-B14F-4D97-AF65-F5344CB8AC3E}">
-        <p14:creationId xmlns:p14="http://schemas.microsoft.com/office/powerpoint/2010/main" val="1829215303"/>
-      </p:ext>
-    </p:extLst>
-  </p:cSld>
-  <p:clrMapOvr>
-    <a:masterClrMapping/>
-  </p:clrMapOvr>
-</p:sld>
-</file>
-
-<file path=ppt/slides/slide18.xml><?xml version="1.0" encoding="utf-8"?>
+<file path=ppt/slides/slide23.xml><?xml version="1.0" encoding="utf-8"?>
 <p:sld xmlns:a="http://schemas.openxmlformats.org/drawingml/2006/main" xmlns:r="http://schemas.openxmlformats.org/officeDocument/2006/relationships" xmlns:p="http://schemas.openxmlformats.org/presentationml/2006/main" showMasterSp="0">
   <p:cSld>
     <p:spTree>
@@ -8026,10 +11175,63 @@
           <a:chExt cx="0" cy="0"/>
         </a:xfrm>
       </p:grpSpPr>
+      <p:sp>
+        <p:nvSpPr>
+          <p:cNvPr id="2" name="Title 1">
+            <a:extLst>
+              <a:ext uri="{FF2B5EF4-FFF2-40B4-BE49-F238E27FC236}">
+                <a16:creationId xmlns:a16="http://schemas.microsoft.com/office/drawing/2014/main" id="{0E256382-5AB5-4423-8603-48FCAC161563}"/>
+              </a:ext>
+            </a:extLst>
+          </p:cNvPr>
+          <p:cNvSpPr>
+            <a:spLocks noGrp="1"/>
+          </p:cNvSpPr>
+          <p:nvPr>
+            <p:ph type="title"/>
+          </p:nvPr>
+        </p:nvSpPr>
+        <p:spPr/>
+        <p:txBody>
+          <a:bodyPr/>
+          <a:lstStyle/>
+          <a:p>
+            <a:r>
+              <a:rPr lang="en-PH" dirty="0"/>
+              <a:t>A</a:t>
+            </a:r>
+          </a:p>
+        </p:txBody>
+      </p:sp>
+      <p:sp>
+        <p:nvSpPr>
+          <p:cNvPr id="3" name="Content Placeholder 2">
+            <a:extLst>
+              <a:ext uri="{FF2B5EF4-FFF2-40B4-BE49-F238E27FC236}">
+                <a16:creationId xmlns:a16="http://schemas.microsoft.com/office/drawing/2014/main" id="{701DB5EE-4DDB-4566-9C5D-8E5AFA8536AF}"/>
+              </a:ext>
+            </a:extLst>
+          </p:cNvPr>
+          <p:cNvSpPr>
+            <a:spLocks noGrp="1"/>
+          </p:cNvSpPr>
+          <p:nvPr>
+            <p:ph idx="1"/>
+          </p:nvPr>
+        </p:nvSpPr>
+        <p:spPr/>
+        <p:txBody>
+          <a:bodyPr/>
+          <a:lstStyle/>
+          <a:p>
+            <a:endParaRPr lang="en-PH"/>
+          </a:p>
+        </p:txBody>
+      </p:sp>
     </p:spTree>
     <p:extLst>
       <p:ext uri="{BB962C8B-B14F-4D97-AF65-F5344CB8AC3E}">
-        <p14:creationId xmlns:p14="http://schemas.microsoft.com/office/powerpoint/2010/main" val="3361783534"/>
+        <p14:creationId xmlns:p14="http://schemas.microsoft.com/office/powerpoint/2010/main" val="2209508446"/>
       </p:ext>
     </p:extLst>
   </p:cSld>
@@ -8039,8 +11241,8 @@
 </p:sld>
 </file>
 
-<file path=ppt/slides/slide19.xml><?xml version="1.0" encoding="utf-8"?>
-<p:sld xmlns:a="http://schemas.openxmlformats.org/drawingml/2006/main" xmlns:r="http://schemas.openxmlformats.org/officeDocument/2006/relationships" xmlns:p="http://schemas.openxmlformats.org/presentationml/2006/main">
+<file path=ppt/slides/slide24.xml><?xml version="1.0" encoding="utf-8"?>
+<p:sld xmlns:a="http://schemas.openxmlformats.org/drawingml/2006/main" xmlns:r="http://schemas.openxmlformats.org/officeDocument/2006/relationships" xmlns:p="http://schemas.openxmlformats.org/presentationml/2006/main" showMasterSp="0">
   <p:cSld>
     <p:spTree>
       <p:nvGrpSpPr>
@@ -8061,7 +11263,7 @@
           <p:cNvPr id="2" name="Title 1">
             <a:extLst>
               <a:ext uri="{FF2B5EF4-FFF2-40B4-BE49-F238E27FC236}">
-                <a16:creationId xmlns:a16="http://schemas.microsoft.com/office/drawing/2014/main" id="{9BC86FED-5A09-4152-829D-C65F4FE716FD}"/>
+                <a16:creationId xmlns:a16="http://schemas.microsoft.com/office/drawing/2014/main" id="{73984972-2F01-4661-8FDC-825817EDC88E}"/>
               </a:ext>
             </a:extLst>
           </p:cNvPr>
@@ -8072,44 +11274,28 @@
             <p:ph type="title"/>
           </p:nvPr>
         </p:nvSpPr>
-        <p:spPr/>
-        <p:txBody>
-          <a:bodyPr/>
+        <p:spPr>
+          <a:xfrm>
+            <a:off x="359923" y="692703"/>
+            <a:ext cx="10538233" cy="5472594"/>
+          </a:xfrm>
+        </p:spPr>
+        <p:txBody>
+          <a:bodyPr anchor="ctr"/>
           <a:lstStyle/>
           <a:p>
-            <a:endParaRPr lang="en-PH"/>
-          </a:p>
-        </p:txBody>
-      </p:sp>
-      <p:sp>
-        <p:nvSpPr>
-          <p:cNvPr id="6" name="Content Placeholder 5">
-            <a:extLst>
-              <a:ext uri="{FF2B5EF4-FFF2-40B4-BE49-F238E27FC236}">
-                <a16:creationId xmlns:a16="http://schemas.microsoft.com/office/drawing/2014/main" id="{9FC9A224-1E4E-4F08-AEA9-784FC9CFF093}"/>
-              </a:ext>
-            </a:extLst>
-          </p:cNvPr>
-          <p:cNvSpPr>
-            <a:spLocks noGrp="1"/>
-          </p:cNvSpPr>
-          <p:nvPr>
-            <p:ph idx="1"/>
-          </p:nvPr>
-        </p:nvSpPr>
-        <p:spPr/>
-        <p:txBody>
-          <a:bodyPr/>
-          <a:lstStyle/>
-          <a:p>
-            <a:endParaRPr lang="en-PH"/>
+            <a:pPr algn="ctr"/>
+            <a:r>
+              <a:rPr lang="en-PH" sz="8800" b="1" dirty="0"/>
+              <a:t>ACCOUNT TYPE</a:t>
+            </a:r>
           </a:p>
         </p:txBody>
       </p:sp>
     </p:spTree>
     <p:extLst>
       <p:ext uri="{BB962C8B-B14F-4D97-AF65-F5344CB8AC3E}">
-        <p14:creationId xmlns:p14="http://schemas.microsoft.com/office/powerpoint/2010/main" val="702875676"/>
+        <p14:creationId xmlns:p14="http://schemas.microsoft.com/office/powerpoint/2010/main" val="3513196390"/>
       </p:ext>
     </p:extLst>
   </p:cSld>
@@ -8119,8 +11305,8 @@
 </p:sld>
 </file>
 
-<file path=ppt/slides/slide2.xml><?xml version="1.0" encoding="utf-8"?>
-<p:sld xmlns:a="http://schemas.openxmlformats.org/drawingml/2006/main" xmlns:r="http://schemas.openxmlformats.org/officeDocument/2006/relationships" xmlns:p="http://schemas.openxmlformats.org/presentationml/2006/main">
+<file path=ppt/slides/slide25.xml><?xml version="1.0" encoding="utf-8"?>
+<p:sld xmlns:a="http://schemas.openxmlformats.org/drawingml/2006/main" xmlns:r="http://schemas.openxmlformats.org/officeDocument/2006/relationships" xmlns:p="http://schemas.openxmlformats.org/presentationml/2006/main" showMasterSp="0">
   <p:cSld>
     <p:spTree>
       <p:nvGrpSpPr>
@@ -8141,7 +11327,7 @@
           <p:cNvPr id="2" name="Title 1">
             <a:extLst>
               <a:ext uri="{FF2B5EF4-FFF2-40B4-BE49-F238E27FC236}">
-                <a16:creationId xmlns:a16="http://schemas.microsoft.com/office/drawing/2014/main" id="{9B0C4F7E-C914-4DBF-8E6A-8E0CB30C49D4}"/>
+                <a16:creationId xmlns:a16="http://schemas.microsoft.com/office/drawing/2014/main" id="{7A96A964-7086-451A-830B-4CC2935FC9B1}"/>
               </a:ext>
             </a:extLst>
           </p:cNvPr>
@@ -8152,20 +11338,12 @@
             <p:ph type="title"/>
           </p:nvPr>
         </p:nvSpPr>
-        <p:spPr>
-          <a:xfrm>
-            <a:off x="391604" y="530843"/>
-            <a:ext cx="8534400" cy="1248795"/>
-          </a:xfrm>
-        </p:spPr>
+        <p:spPr/>
         <p:txBody>
           <a:bodyPr/>
           <a:lstStyle/>
           <a:p>
-            <a:r>
-              <a:rPr lang="en-PH" sz="7000" b="1" dirty="0"/>
-              <a:t>Objective </a:t>
-            </a:r>
+            <a:endParaRPr lang="en-PH"/>
           </a:p>
         </p:txBody>
       </p:sp>
@@ -8174,7 +11352,7 @@
           <p:cNvPr id="3" name="Content Placeholder 2">
             <a:extLst>
               <a:ext uri="{FF2B5EF4-FFF2-40B4-BE49-F238E27FC236}">
-                <a16:creationId xmlns:a16="http://schemas.microsoft.com/office/drawing/2014/main" id="{C5CC2E39-51EF-4A2C-BF29-68D213E9DCBA}"/>
+                <a16:creationId xmlns:a16="http://schemas.microsoft.com/office/drawing/2014/main" id="{87D0045B-9FAA-4C1B-AF19-31BE77C1889E}"/>
               </a:ext>
             </a:extLst>
           </p:cNvPr>
@@ -8185,41 +11363,19 @@
             <p:ph idx="1"/>
           </p:nvPr>
         </p:nvSpPr>
-        <p:spPr>
-          <a:xfrm>
-            <a:off x="940244" y="2172928"/>
-            <a:ext cx="8534400" cy="4278671"/>
-          </a:xfrm>
-        </p:spPr>
-        <p:txBody>
-          <a:bodyPr anchor="t">
-            <a:normAutofit/>
-          </a:bodyPr>
+        <p:spPr/>
+        <p:txBody>
+          <a:bodyPr/>
           <a:lstStyle/>
           <a:p>
-            <a:r>
-              <a:rPr lang="en-PH" sz="3000" dirty="0"/>
-              <a:t>Roles Management</a:t>
-            </a:r>
-          </a:p>
-          <a:p>
-            <a:r>
-              <a:rPr lang="en-PH" sz="3000" dirty="0"/>
-              <a:t>Permission Management</a:t>
-            </a:r>
-          </a:p>
-          <a:p>
-            <a:r>
-              <a:rPr lang="en-PH" sz="3000" dirty="0"/>
-              <a:t>End Users Management</a:t>
-            </a:r>
+            <a:endParaRPr lang="en-PH"/>
           </a:p>
         </p:txBody>
       </p:sp>
     </p:spTree>
     <p:extLst>
       <p:ext uri="{BB962C8B-B14F-4D97-AF65-F5344CB8AC3E}">
-        <p14:creationId xmlns:p14="http://schemas.microsoft.com/office/powerpoint/2010/main" val="1067325181"/>
+        <p14:creationId xmlns:p14="http://schemas.microsoft.com/office/powerpoint/2010/main" val="2446716728"/>
       </p:ext>
     </p:extLst>
   </p:cSld>
@@ -8229,8 +11385,8 @@
 </p:sld>
 </file>
 
-<file path=ppt/slides/slide20.xml><?xml version="1.0" encoding="utf-8"?>
-<p:sld xmlns:a="http://schemas.openxmlformats.org/drawingml/2006/main" xmlns:r="http://schemas.openxmlformats.org/officeDocument/2006/relationships" xmlns:p="http://schemas.openxmlformats.org/presentationml/2006/main">
+<file path=ppt/slides/slide26.xml><?xml version="1.0" encoding="utf-8"?>
+<p:sld xmlns:a="http://schemas.openxmlformats.org/drawingml/2006/main" xmlns:r="http://schemas.openxmlformats.org/officeDocument/2006/relationships" xmlns:p="http://schemas.openxmlformats.org/presentationml/2006/main" showMasterSp="0">
   <p:cSld>
     <p:spTree>
       <p:nvGrpSpPr>
@@ -8251,7 +11407,7 @@
           <p:cNvPr id="2" name="Title 1">
             <a:extLst>
               <a:ext uri="{FF2B5EF4-FFF2-40B4-BE49-F238E27FC236}">
-                <a16:creationId xmlns:a16="http://schemas.microsoft.com/office/drawing/2014/main" id="{7A96A964-7086-451A-830B-4CC2935FC9B1}"/>
+                <a16:creationId xmlns:a16="http://schemas.microsoft.com/office/drawing/2014/main" id="{DE41473C-7FEF-47A7-8731-2072FDE1C5E6}"/>
               </a:ext>
             </a:extLst>
           </p:cNvPr>
@@ -8267,7 +11423,10 @@
           <a:bodyPr/>
           <a:lstStyle/>
           <a:p>
-            <a:endParaRPr lang="en-PH"/>
+            <a:r>
+              <a:rPr lang="en-PH" dirty="0"/>
+              <a:t>Permission Management</a:t>
+            </a:r>
           </a:p>
         </p:txBody>
       </p:sp>
@@ -8276,7 +11435,7 @@
           <p:cNvPr id="3" name="Content Placeholder 2">
             <a:extLst>
               <a:ext uri="{FF2B5EF4-FFF2-40B4-BE49-F238E27FC236}">
-                <a16:creationId xmlns:a16="http://schemas.microsoft.com/office/drawing/2014/main" id="{87D0045B-9FAA-4C1B-AF19-31BE77C1889E}"/>
+                <a16:creationId xmlns:a16="http://schemas.microsoft.com/office/drawing/2014/main" id="{093E8071-ABCB-42B7-9295-8C9C9D9BE0A9}"/>
               </a:ext>
             </a:extLst>
           </p:cNvPr>
@@ -8299,7 +11458,7 @@
     </p:spTree>
     <p:extLst>
       <p:ext uri="{BB962C8B-B14F-4D97-AF65-F5344CB8AC3E}">
-        <p14:creationId xmlns:p14="http://schemas.microsoft.com/office/powerpoint/2010/main" val="2177310934"/>
+        <p14:creationId xmlns:p14="http://schemas.microsoft.com/office/powerpoint/2010/main" val="1520749866"/>
       </p:ext>
     </p:extLst>
   </p:cSld>
@@ -8309,8 +11468,8 @@
 </p:sld>
 </file>
 
-<file path=ppt/slides/slide21.xml><?xml version="1.0" encoding="utf-8"?>
-<p:sld xmlns:a="http://schemas.openxmlformats.org/drawingml/2006/main" xmlns:r="http://schemas.openxmlformats.org/officeDocument/2006/relationships" xmlns:p="http://schemas.openxmlformats.org/presentationml/2006/main">
+<file path=ppt/slides/slide27.xml><?xml version="1.0" encoding="utf-8"?>
+<p:sld xmlns:a="http://schemas.openxmlformats.org/drawingml/2006/main" xmlns:r="http://schemas.openxmlformats.org/officeDocument/2006/relationships" xmlns:p="http://schemas.openxmlformats.org/presentationml/2006/main" showMasterSp="0">
   <p:cSld>
     <p:spTree>
       <p:nvGrpSpPr>
@@ -8331,7 +11490,7 @@
           <p:cNvPr id="2" name="Title 1">
             <a:extLst>
               <a:ext uri="{FF2B5EF4-FFF2-40B4-BE49-F238E27FC236}">
-                <a16:creationId xmlns:a16="http://schemas.microsoft.com/office/drawing/2014/main" id="{DE41473C-7FEF-47A7-8731-2072FDE1C5E6}"/>
+                <a16:creationId xmlns:a16="http://schemas.microsoft.com/office/drawing/2014/main" id="{78412FF9-C278-41FE-BC9B-90D943B72D6C}"/>
               </a:ext>
             </a:extLst>
           </p:cNvPr>
@@ -8347,10 +11506,7 @@
           <a:bodyPr/>
           <a:lstStyle/>
           <a:p>
-            <a:r>
-              <a:rPr lang="en-PH" dirty="0"/>
-              <a:t>Permission Management</a:t>
-            </a:r>
+            <a:endParaRPr lang="en-PH"/>
           </a:p>
         </p:txBody>
       </p:sp>
@@ -8359,7 +11515,7 @@
           <p:cNvPr id="3" name="Content Placeholder 2">
             <a:extLst>
               <a:ext uri="{FF2B5EF4-FFF2-40B4-BE49-F238E27FC236}">
-                <a16:creationId xmlns:a16="http://schemas.microsoft.com/office/drawing/2014/main" id="{093E8071-ABCB-42B7-9295-8C9C9D9BE0A9}"/>
+                <a16:creationId xmlns:a16="http://schemas.microsoft.com/office/drawing/2014/main" id="{C7551A9E-93FE-4A8D-910A-627F1E241836}"/>
               </a:ext>
             </a:extLst>
           </p:cNvPr>
@@ -8382,7 +11538,7 @@
     </p:spTree>
     <p:extLst>
       <p:ext uri="{BB962C8B-B14F-4D97-AF65-F5344CB8AC3E}">
-        <p14:creationId xmlns:p14="http://schemas.microsoft.com/office/powerpoint/2010/main" val="2050999756"/>
+        <p14:creationId xmlns:p14="http://schemas.microsoft.com/office/powerpoint/2010/main" val="1405642104"/>
       </p:ext>
     </p:extLst>
   </p:cSld>
@@ -8392,88 +11548,8 @@
 </p:sld>
 </file>
 
-<file path=ppt/slides/slide22.xml><?xml version="1.0" encoding="utf-8"?>
-<p:sld xmlns:a="http://schemas.openxmlformats.org/drawingml/2006/main" xmlns:r="http://schemas.openxmlformats.org/officeDocument/2006/relationships" xmlns:p="http://schemas.openxmlformats.org/presentationml/2006/main">
-  <p:cSld>
-    <p:spTree>
-      <p:nvGrpSpPr>
-        <p:cNvPr id="1" name=""/>
-        <p:cNvGrpSpPr/>
-        <p:nvPr/>
-      </p:nvGrpSpPr>
-      <p:grpSpPr>
-        <a:xfrm>
-          <a:off x="0" y="0"/>
-          <a:ext cx="0" cy="0"/>
-          <a:chOff x="0" y="0"/>
-          <a:chExt cx="0" cy="0"/>
-        </a:xfrm>
-      </p:grpSpPr>
-      <p:sp>
-        <p:nvSpPr>
-          <p:cNvPr id="2" name="Title 1">
-            <a:extLst>
-              <a:ext uri="{FF2B5EF4-FFF2-40B4-BE49-F238E27FC236}">
-                <a16:creationId xmlns:a16="http://schemas.microsoft.com/office/drawing/2014/main" id="{78412FF9-C278-41FE-BC9B-90D943B72D6C}"/>
-              </a:ext>
-            </a:extLst>
-          </p:cNvPr>
-          <p:cNvSpPr>
-            <a:spLocks noGrp="1"/>
-          </p:cNvSpPr>
-          <p:nvPr>
-            <p:ph type="title"/>
-          </p:nvPr>
-        </p:nvSpPr>
-        <p:spPr/>
-        <p:txBody>
-          <a:bodyPr/>
-          <a:lstStyle/>
-          <a:p>
-            <a:endParaRPr lang="en-PH"/>
-          </a:p>
-        </p:txBody>
-      </p:sp>
-      <p:sp>
-        <p:nvSpPr>
-          <p:cNvPr id="3" name="Content Placeholder 2">
-            <a:extLst>
-              <a:ext uri="{FF2B5EF4-FFF2-40B4-BE49-F238E27FC236}">
-                <a16:creationId xmlns:a16="http://schemas.microsoft.com/office/drawing/2014/main" id="{C7551A9E-93FE-4A8D-910A-627F1E241836}"/>
-              </a:ext>
-            </a:extLst>
-          </p:cNvPr>
-          <p:cNvSpPr>
-            <a:spLocks noGrp="1"/>
-          </p:cNvSpPr>
-          <p:nvPr>
-            <p:ph idx="1"/>
-          </p:nvPr>
-        </p:nvSpPr>
-        <p:spPr/>
-        <p:txBody>
-          <a:bodyPr/>
-          <a:lstStyle/>
-          <a:p>
-            <a:endParaRPr lang="en-PH"/>
-          </a:p>
-        </p:txBody>
-      </p:sp>
-    </p:spTree>
-    <p:extLst>
-      <p:ext uri="{BB962C8B-B14F-4D97-AF65-F5344CB8AC3E}">
-        <p14:creationId xmlns:p14="http://schemas.microsoft.com/office/powerpoint/2010/main" val="3575717934"/>
-      </p:ext>
-    </p:extLst>
-  </p:cSld>
-  <p:clrMapOvr>
-    <a:masterClrMapping/>
-  </p:clrMapOvr>
-</p:sld>
-</file>
-
-<file path=ppt/slides/slide23.xml><?xml version="1.0" encoding="utf-8"?>
-<p:sld xmlns:a="http://schemas.openxmlformats.org/drawingml/2006/main" xmlns:r="http://schemas.openxmlformats.org/officeDocument/2006/relationships" xmlns:p="http://schemas.openxmlformats.org/presentationml/2006/main">
+<file path=ppt/slides/slide28.xml><?xml version="1.0" encoding="utf-8"?>
+<p:sld xmlns:a="http://schemas.openxmlformats.org/drawingml/2006/main" xmlns:r="http://schemas.openxmlformats.org/officeDocument/2006/relationships" xmlns:p="http://schemas.openxmlformats.org/presentationml/2006/main" showMasterSp="0">
   <p:cSld>
     <p:spTree>
       <p:nvGrpSpPr>
@@ -8502,11 +11578,7 @@
             <a:graphicFrameLocks noGrp="1"/>
           </p:cNvGraphicFramePr>
           <p:nvPr>
-            <p:extLst>
-              <p:ext uri="{D42A27DB-BD31-4B8C-83A1-F6EECF244321}">
-                <p14:modId xmlns:p14="http://schemas.microsoft.com/office/powerpoint/2010/main" val="1193797584"/>
-              </p:ext>
-            </p:extLst>
+            <p:extLst/>
           </p:nvPr>
         </p:nvGraphicFramePr>
         <p:xfrm>
@@ -8769,7 +11841,7 @@
     </p:spTree>
     <p:extLst>
       <p:ext uri="{BB962C8B-B14F-4D97-AF65-F5344CB8AC3E}">
-        <p14:creationId xmlns:p14="http://schemas.microsoft.com/office/powerpoint/2010/main" val="1156080019"/>
+        <p14:creationId xmlns:p14="http://schemas.microsoft.com/office/powerpoint/2010/main" val="2299017585"/>
       </p:ext>
     </p:extLst>
   </p:cSld>
@@ -8779,8 +11851,8 @@
 </p:sld>
 </file>
 
-<file path=ppt/slides/slide24.xml><?xml version="1.0" encoding="utf-8"?>
-<p:sld xmlns:a="http://schemas.openxmlformats.org/drawingml/2006/main" xmlns:r="http://schemas.openxmlformats.org/officeDocument/2006/relationships" xmlns:p="http://schemas.openxmlformats.org/presentationml/2006/main">
+<file path=ppt/slides/slide29.xml><?xml version="1.0" encoding="utf-8"?>
+<p:sld xmlns:a="http://schemas.openxmlformats.org/drawingml/2006/main" xmlns:r="http://schemas.openxmlformats.org/officeDocument/2006/relationships" xmlns:p="http://schemas.openxmlformats.org/presentationml/2006/main" showMasterSp="0">
   <p:cSld>
     <p:spTree>
       <p:nvGrpSpPr>
@@ -8848,11 +11920,7 @@
           </p:cNvGraphicFramePr>
           <p:nvPr>
             <p:ph idx="1"/>
-            <p:extLst>
-              <p:ext uri="{D42A27DB-BD31-4B8C-83A1-F6EECF244321}">
-                <p14:modId xmlns:p14="http://schemas.microsoft.com/office/powerpoint/2010/main" val="3425723103"/>
-              </p:ext>
-            </p:extLst>
+            <p:extLst/>
           </p:nvPr>
         </p:nvGraphicFramePr>
         <p:xfrm>
@@ -9257,7 +12325,7 @@
     </p:spTree>
     <p:extLst>
       <p:ext uri="{BB962C8B-B14F-4D97-AF65-F5344CB8AC3E}">
-        <p14:creationId xmlns:p14="http://schemas.microsoft.com/office/powerpoint/2010/main" val="2027847607"/>
+        <p14:creationId xmlns:p14="http://schemas.microsoft.com/office/powerpoint/2010/main" val="677031706"/>
       </p:ext>
     </p:extLst>
   </p:cSld>
@@ -9267,7 +12335,7 @@
 </p:sld>
 </file>
 
-<file path=ppt/slides/slide25.xml><?xml version="1.0" encoding="utf-8"?>
+<file path=ppt/slides/slide3.xml><?xml version="1.0" encoding="utf-8"?>
 <p:sld xmlns:a="http://schemas.openxmlformats.org/drawingml/2006/main" xmlns:r="http://schemas.openxmlformats.org/officeDocument/2006/relationships" xmlns:p="http://schemas.openxmlformats.org/presentationml/2006/main">
   <p:cSld>
     <p:spTree>
@@ -9289,7 +12357,7 @@
           <p:cNvPr id="2" name="Title 1">
             <a:extLst>
               <a:ext uri="{FF2B5EF4-FFF2-40B4-BE49-F238E27FC236}">
-                <a16:creationId xmlns:a16="http://schemas.microsoft.com/office/drawing/2014/main" id="{26D0C0E3-E02F-43A2-A053-17CA0422D9BA}"/>
+                <a16:creationId xmlns:a16="http://schemas.microsoft.com/office/drawing/2014/main" id="{73984972-2F01-4661-8FDC-825817EDC88E}"/>
               </a:ext>
             </a:extLst>
           </p:cNvPr>
@@ -9300,44 +12368,36 @@
             <p:ph type="title"/>
           </p:nvPr>
         </p:nvSpPr>
-        <p:spPr/>
-        <p:txBody>
-          <a:bodyPr/>
+        <p:spPr>
+          <a:xfrm>
+            <a:off x="1293843" y="692703"/>
+            <a:ext cx="9604313" cy="5472594"/>
+          </a:xfrm>
+        </p:spPr>
+        <p:txBody>
+          <a:bodyPr anchor="ctr"/>
           <a:lstStyle/>
           <a:p>
-            <a:endParaRPr lang="en-PH"/>
-          </a:p>
-        </p:txBody>
-      </p:sp>
-      <p:sp>
-        <p:nvSpPr>
-          <p:cNvPr id="3" name="Content Placeholder 2">
-            <a:extLst>
-              <a:ext uri="{FF2B5EF4-FFF2-40B4-BE49-F238E27FC236}">
-                <a16:creationId xmlns:a16="http://schemas.microsoft.com/office/drawing/2014/main" id="{AB33DD7E-A74C-4449-9105-B27C1E8FBB64}"/>
-              </a:ext>
-            </a:extLst>
-          </p:cNvPr>
-          <p:cNvSpPr>
-            <a:spLocks noGrp="1"/>
-          </p:cNvSpPr>
-          <p:nvPr>
-            <p:ph idx="1"/>
-          </p:nvPr>
-        </p:nvSpPr>
-        <p:spPr/>
-        <p:txBody>
-          <a:bodyPr/>
-          <a:lstStyle/>
-          <a:p>
-            <a:endParaRPr lang="en-PH"/>
+            <a:pPr algn="ctr"/>
+            <a:r>
+              <a:rPr lang="en-PH" sz="8800" b="1" dirty="0"/>
+              <a:t>USER INTERFACE</a:t>
+            </a:r>
+            <a:br>
+              <a:rPr lang="en-PH" sz="8800" b="1" dirty="0"/>
+            </a:br>
+            <a:r>
+              <a:rPr lang="en-PH" sz="4000" b="1" dirty="0"/>
+              <a:t>Administration</a:t>
+            </a:r>
+            <a:endParaRPr lang="en-PH" sz="8800" b="1" dirty="0"/>
           </a:p>
         </p:txBody>
       </p:sp>
     </p:spTree>
     <p:extLst>
       <p:ext uri="{BB962C8B-B14F-4D97-AF65-F5344CB8AC3E}">
-        <p14:creationId xmlns:p14="http://schemas.microsoft.com/office/powerpoint/2010/main" val="850421711"/>
+        <p14:creationId xmlns:p14="http://schemas.microsoft.com/office/powerpoint/2010/main" val="447320871"/>
       </p:ext>
     </p:extLst>
   </p:cSld>
@@ -9347,8 +12407,8 @@
 </p:sld>
 </file>
 
-<file path=ppt/slides/slide26.xml><?xml version="1.0" encoding="utf-8"?>
-<p:sld xmlns:a="http://schemas.openxmlformats.org/drawingml/2006/main" xmlns:r="http://schemas.openxmlformats.org/officeDocument/2006/relationships" xmlns:p="http://schemas.openxmlformats.org/presentationml/2006/main">
+<file path=ppt/slides/slide30.xml><?xml version="1.0" encoding="utf-8"?>
+<p:sld xmlns:a="http://schemas.openxmlformats.org/drawingml/2006/main" xmlns:r="http://schemas.openxmlformats.org/officeDocument/2006/relationships" xmlns:p="http://schemas.openxmlformats.org/presentationml/2006/main" showMasterSp="0">
   <p:cSld>
     <p:spTree>
       <p:nvGrpSpPr>
@@ -9369,6 +12429,86 @@
           <p:cNvPr id="2" name="Title 1">
             <a:extLst>
               <a:ext uri="{FF2B5EF4-FFF2-40B4-BE49-F238E27FC236}">
+                <a16:creationId xmlns:a16="http://schemas.microsoft.com/office/drawing/2014/main" id="{26D0C0E3-E02F-43A2-A053-17CA0422D9BA}"/>
+              </a:ext>
+            </a:extLst>
+          </p:cNvPr>
+          <p:cNvSpPr>
+            <a:spLocks noGrp="1"/>
+          </p:cNvSpPr>
+          <p:nvPr>
+            <p:ph type="title"/>
+          </p:nvPr>
+        </p:nvSpPr>
+        <p:spPr/>
+        <p:txBody>
+          <a:bodyPr/>
+          <a:lstStyle/>
+          <a:p>
+            <a:endParaRPr lang="en-PH"/>
+          </a:p>
+        </p:txBody>
+      </p:sp>
+      <p:sp>
+        <p:nvSpPr>
+          <p:cNvPr id="3" name="Content Placeholder 2">
+            <a:extLst>
+              <a:ext uri="{FF2B5EF4-FFF2-40B4-BE49-F238E27FC236}">
+                <a16:creationId xmlns:a16="http://schemas.microsoft.com/office/drawing/2014/main" id="{AB33DD7E-A74C-4449-9105-B27C1E8FBB64}"/>
+              </a:ext>
+            </a:extLst>
+          </p:cNvPr>
+          <p:cNvSpPr>
+            <a:spLocks noGrp="1"/>
+          </p:cNvSpPr>
+          <p:nvPr>
+            <p:ph idx="1"/>
+          </p:nvPr>
+        </p:nvSpPr>
+        <p:spPr/>
+        <p:txBody>
+          <a:bodyPr/>
+          <a:lstStyle/>
+          <a:p>
+            <a:endParaRPr lang="en-PH"/>
+          </a:p>
+        </p:txBody>
+      </p:sp>
+    </p:spTree>
+    <p:extLst>
+      <p:ext uri="{BB962C8B-B14F-4D97-AF65-F5344CB8AC3E}">
+        <p14:creationId xmlns:p14="http://schemas.microsoft.com/office/powerpoint/2010/main" val="1324804456"/>
+      </p:ext>
+    </p:extLst>
+  </p:cSld>
+  <p:clrMapOvr>
+    <a:masterClrMapping/>
+  </p:clrMapOvr>
+</p:sld>
+</file>
+
+<file path=ppt/slides/slide31.xml><?xml version="1.0" encoding="utf-8"?>
+<p:sld xmlns:a="http://schemas.openxmlformats.org/drawingml/2006/main" xmlns:r="http://schemas.openxmlformats.org/officeDocument/2006/relationships" xmlns:p="http://schemas.openxmlformats.org/presentationml/2006/main" showMasterSp="0">
+  <p:cSld>
+    <p:spTree>
+      <p:nvGrpSpPr>
+        <p:cNvPr id="1" name=""/>
+        <p:cNvGrpSpPr/>
+        <p:nvPr/>
+      </p:nvGrpSpPr>
+      <p:grpSpPr>
+        <a:xfrm>
+          <a:off x="0" y="0"/>
+          <a:ext cx="0" cy="0"/>
+          <a:chOff x="0" y="0"/>
+          <a:chExt cx="0" cy="0"/>
+        </a:xfrm>
+      </p:grpSpPr>
+      <p:sp>
+        <p:nvSpPr>
+          <p:cNvPr id="2" name="Title 1">
+            <a:extLst>
+              <a:ext uri="{FF2B5EF4-FFF2-40B4-BE49-F238E27FC236}">
                 <a16:creationId xmlns:a16="http://schemas.microsoft.com/office/drawing/2014/main" id="{16137580-2B8C-455D-8465-E564E2FD52D8}"/>
               </a:ext>
             </a:extLst>
@@ -9408,13 +12548,13 @@
             <p:ph idx="1"/>
             <p:extLst>
               <p:ext uri="{D42A27DB-BD31-4B8C-83A1-F6EECF244321}">
-                <p14:modId xmlns:p14="http://schemas.microsoft.com/office/powerpoint/2010/main" val="1221064437"/>
+                <p14:modId xmlns:p14="http://schemas.microsoft.com/office/powerpoint/2010/main" val="4053983755"/>
               </p:ext>
             </p:extLst>
           </p:nvPr>
         </p:nvGraphicFramePr>
         <p:xfrm>
-          <a:off x="645740" y="2267712"/>
+          <a:off x="745094" y="1411678"/>
           <a:ext cx="10765970" cy="2732380"/>
         </p:xfrm>
         <a:graphic>
@@ -9892,7 +13032,7 @@
     </p:spTree>
     <p:extLst>
       <p:ext uri="{BB962C8B-B14F-4D97-AF65-F5344CB8AC3E}">
-        <p14:creationId xmlns:p14="http://schemas.microsoft.com/office/powerpoint/2010/main" val="1346176979"/>
+        <p14:creationId xmlns:p14="http://schemas.microsoft.com/office/powerpoint/2010/main" val="656265246"/>
       </p:ext>
     </p:extLst>
   </p:cSld>
@@ -9902,8 +13042,8 @@
 </p:sld>
 </file>
 
-<file path=ppt/slides/slide27.xml><?xml version="1.0" encoding="utf-8"?>
-<p:sld xmlns:a="http://schemas.openxmlformats.org/drawingml/2006/main" xmlns:r="http://schemas.openxmlformats.org/officeDocument/2006/relationships" xmlns:p="http://schemas.openxmlformats.org/presentationml/2006/main">
+<file path=ppt/slides/slide32.xml><?xml version="1.0" encoding="utf-8"?>
+<p:sld xmlns:a="http://schemas.openxmlformats.org/drawingml/2006/main" xmlns:r="http://schemas.openxmlformats.org/officeDocument/2006/relationships" xmlns:p="http://schemas.openxmlformats.org/presentationml/2006/main" showMasterSp="0">
   <p:cSld>
     <p:spTree>
       <p:nvGrpSpPr>
@@ -9972,7 +13112,7 @@
     </p:spTree>
     <p:extLst>
       <p:ext uri="{BB962C8B-B14F-4D97-AF65-F5344CB8AC3E}">
-        <p14:creationId xmlns:p14="http://schemas.microsoft.com/office/powerpoint/2010/main" val="2475434666"/>
+        <p14:creationId xmlns:p14="http://schemas.microsoft.com/office/powerpoint/2010/main" val="3205864984"/>
       </p:ext>
     </p:extLst>
   </p:cSld>
@@ -9982,8 +13122,8 @@
 </p:sld>
 </file>
 
-<file path=ppt/slides/slide28.xml><?xml version="1.0" encoding="utf-8"?>
-<p:sld xmlns:a="http://schemas.openxmlformats.org/drawingml/2006/main" xmlns:r="http://schemas.openxmlformats.org/officeDocument/2006/relationships" xmlns:p="http://schemas.openxmlformats.org/presentationml/2006/main">
+<file path=ppt/slides/slide33.xml><?xml version="1.0" encoding="utf-8"?>
+<p:sld xmlns:a="http://schemas.openxmlformats.org/drawingml/2006/main" xmlns:r="http://schemas.openxmlformats.org/officeDocument/2006/relationships" xmlns:p="http://schemas.openxmlformats.org/presentationml/2006/main" showMasterSp="0">
   <p:cSld>
     <p:spTree>
       <p:nvGrpSpPr>
@@ -10052,7 +13192,7 @@
     </p:spTree>
     <p:extLst>
       <p:ext uri="{BB962C8B-B14F-4D97-AF65-F5344CB8AC3E}">
-        <p14:creationId xmlns:p14="http://schemas.microsoft.com/office/powerpoint/2010/main" val="4025852576"/>
+        <p14:creationId xmlns:p14="http://schemas.microsoft.com/office/powerpoint/2010/main" val="1311189711"/>
       </p:ext>
     </p:extLst>
   </p:cSld>
@@ -10062,8 +13202,8 @@
 </p:sld>
 </file>
 
-<file path=ppt/slides/slide29.xml><?xml version="1.0" encoding="utf-8"?>
-<p:sld xmlns:a="http://schemas.openxmlformats.org/drawingml/2006/main" xmlns:r="http://schemas.openxmlformats.org/officeDocument/2006/relationships" xmlns:p="http://schemas.openxmlformats.org/presentationml/2006/main">
+<file path=ppt/slides/slide34.xml><?xml version="1.0" encoding="utf-8"?>
+<p:sld xmlns:a="http://schemas.openxmlformats.org/drawingml/2006/main" xmlns:r="http://schemas.openxmlformats.org/officeDocument/2006/relationships" xmlns:p="http://schemas.openxmlformats.org/presentationml/2006/main" showMasterSp="0">
   <p:cSld>
     <p:spTree>
       <p:nvGrpSpPr>
@@ -10156,7 +13296,7 @@
     </p:spTree>
     <p:extLst>
       <p:ext uri="{BB962C8B-B14F-4D97-AF65-F5344CB8AC3E}">
-        <p14:creationId xmlns:p14="http://schemas.microsoft.com/office/powerpoint/2010/main" val="2463403205"/>
+        <p14:creationId xmlns:p14="http://schemas.microsoft.com/office/powerpoint/2010/main" val="126047850"/>
       </p:ext>
     </p:extLst>
   </p:cSld>
@@ -10166,108 +13306,8 @@
 </p:sld>
 </file>
 
-<file path=ppt/slides/slide3.xml><?xml version="1.0" encoding="utf-8"?>
-<p:sld xmlns:a="http://schemas.openxmlformats.org/drawingml/2006/main" xmlns:r="http://schemas.openxmlformats.org/officeDocument/2006/relationships" xmlns:p="http://schemas.openxmlformats.org/presentationml/2006/main">
-  <p:cSld>
-    <p:spTree>
-      <p:nvGrpSpPr>
-        <p:cNvPr id="1" name=""/>
-        <p:cNvGrpSpPr/>
-        <p:nvPr/>
-      </p:nvGrpSpPr>
-      <p:grpSpPr>
-        <a:xfrm>
-          <a:off x="0" y="0"/>
-          <a:ext cx="0" cy="0"/>
-          <a:chOff x="0" y="0"/>
-          <a:chExt cx="0" cy="0"/>
-        </a:xfrm>
-      </p:grpSpPr>
-      <p:sp>
-        <p:nvSpPr>
-          <p:cNvPr id="2" name="Title 1">
-            <a:extLst>
-              <a:ext uri="{FF2B5EF4-FFF2-40B4-BE49-F238E27FC236}">
-                <a16:creationId xmlns:a16="http://schemas.microsoft.com/office/drawing/2014/main" id="{EB3E03A7-2270-4F1A-9BA9-021F48BDC951}"/>
-              </a:ext>
-            </a:extLst>
-          </p:cNvPr>
-          <p:cNvSpPr>
-            <a:spLocks noGrp="1"/>
-          </p:cNvSpPr>
-          <p:nvPr>
-            <p:ph type="title"/>
-          </p:nvPr>
-        </p:nvSpPr>
-        <p:spPr/>
-        <p:txBody>
-          <a:bodyPr/>
-          <a:lstStyle/>
-          <a:p>
-            <a:endParaRPr lang="en-PH"/>
-          </a:p>
-        </p:txBody>
-      </p:sp>
-      <p:sp>
-        <p:nvSpPr>
-          <p:cNvPr id="5" name="AutoShape 4" descr="Untitled">
-            <a:extLst>
-              <a:ext uri="{FF2B5EF4-FFF2-40B4-BE49-F238E27FC236}">
-                <a16:creationId xmlns:a16="http://schemas.microsoft.com/office/drawing/2014/main" id="{609339D1-702E-4FDE-B7EB-9C28A750CFA6}"/>
-              </a:ext>
-            </a:extLst>
-          </p:cNvPr>
-          <p:cNvSpPr>
-            <a:spLocks noChangeAspect="1" noChangeArrowheads="1"/>
-          </p:cNvSpPr>
-          <p:nvPr/>
-        </p:nvSpPr>
-        <p:spPr bwMode="auto">
-          <a:xfrm>
-            <a:off x="6096000" y="3429000"/>
-            <a:ext cx="304800" cy="304800"/>
-          </a:xfrm>
-          <a:prstGeom prst="rect">
-            <a:avLst/>
-          </a:prstGeom>
-          <a:noFill/>
-          <a:extLst>
-            <a:ext uri="{909E8E84-426E-40DD-AFC4-6F175D3DCCD1}">
-              <a14:hiddenFill xmlns:a14="http://schemas.microsoft.com/office/drawing/2010/main">
-                <a:solidFill>
-                  <a:srgbClr val="FFFFFF"/>
-                </a:solidFill>
-              </a14:hiddenFill>
-            </a:ext>
-          </a:extLst>
-        </p:spPr>
-        <p:txBody>
-          <a:bodyPr vert="horz" wrap="square" lIns="91440" tIns="45720" rIns="91440" bIns="45720" numCol="1" anchor="t" anchorCtr="0" compatLnSpc="1">
-            <a:prstTxWarp prst="textNoShape">
-              <a:avLst/>
-            </a:prstTxWarp>
-          </a:bodyPr>
-          <a:lstStyle/>
-          <a:p>
-            <a:endParaRPr lang="en-PH"/>
-          </a:p>
-        </p:txBody>
-      </p:sp>
-    </p:spTree>
-    <p:extLst>
-      <p:ext uri="{BB962C8B-B14F-4D97-AF65-F5344CB8AC3E}">
-        <p14:creationId xmlns:p14="http://schemas.microsoft.com/office/powerpoint/2010/main" val="3884462265"/>
-      </p:ext>
-    </p:extLst>
-  </p:cSld>
-  <p:clrMapOvr>
-    <a:masterClrMapping/>
-  </p:clrMapOvr>
-</p:sld>
-</file>
-
-<file path=ppt/slides/slide30.xml><?xml version="1.0" encoding="utf-8"?>
-<p:sld xmlns:a="http://schemas.openxmlformats.org/drawingml/2006/main" xmlns:r="http://schemas.openxmlformats.org/officeDocument/2006/relationships" xmlns:p="http://schemas.openxmlformats.org/presentationml/2006/main">
+<file path=ppt/slides/slide35.xml><?xml version="1.0" encoding="utf-8"?>
+<p:sld xmlns:a="http://schemas.openxmlformats.org/drawingml/2006/main" xmlns:r="http://schemas.openxmlformats.org/officeDocument/2006/relationships" xmlns:p="http://schemas.openxmlformats.org/presentationml/2006/main" showMasterSp="0">
   <p:cSld>
     <p:spTree>
       <p:nvGrpSpPr>
@@ -10343,7 +13383,7 @@
     </p:spTree>
     <p:extLst>
       <p:ext uri="{BB962C8B-B14F-4D97-AF65-F5344CB8AC3E}">
-        <p14:creationId xmlns:p14="http://schemas.microsoft.com/office/powerpoint/2010/main" val="390096788"/>
+        <p14:creationId xmlns:p14="http://schemas.microsoft.com/office/powerpoint/2010/main" val="2094488406"/>
       </p:ext>
     </p:extLst>
   </p:cSld>
@@ -10353,8 +13393,8 @@
 </p:sld>
 </file>
 
-<file path=ppt/slides/slide31.xml><?xml version="1.0" encoding="utf-8"?>
-<p:sld xmlns:a="http://schemas.openxmlformats.org/drawingml/2006/main" xmlns:r="http://schemas.openxmlformats.org/officeDocument/2006/relationships" xmlns:p="http://schemas.openxmlformats.org/presentationml/2006/main">
+<file path=ppt/slides/slide36.xml><?xml version="1.0" encoding="utf-8"?>
+<p:sld xmlns:a="http://schemas.openxmlformats.org/drawingml/2006/main" xmlns:r="http://schemas.openxmlformats.org/officeDocument/2006/relationships" xmlns:p="http://schemas.openxmlformats.org/presentationml/2006/main" showMasterSp="0">
   <p:cSld>
     <p:spTree>
       <p:nvGrpSpPr>
@@ -10423,7 +13463,7 @@
     </p:spTree>
     <p:extLst>
       <p:ext uri="{BB962C8B-B14F-4D97-AF65-F5344CB8AC3E}">
-        <p14:creationId xmlns:p14="http://schemas.microsoft.com/office/powerpoint/2010/main" val="3776439661"/>
+        <p14:creationId xmlns:p14="http://schemas.microsoft.com/office/powerpoint/2010/main" val="433843174"/>
       </p:ext>
     </p:extLst>
   </p:cSld>
@@ -10433,8 +13473,8 @@
 </p:sld>
 </file>
 
-<file path=ppt/slides/slide32.xml><?xml version="1.0" encoding="utf-8"?>
-<p:sld xmlns:a="http://schemas.openxmlformats.org/drawingml/2006/main" xmlns:r="http://schemas.openxmlformats.org/officeDocument/2006/relationships" xmlns:p="http://schemas.openxmlformats.org/presentationml/2006/main">
+<file path=ppt/slides/slide37.xml><?xml version="1.0" encoding="utf-8"?>
+<p:sld xmlns:a="http://schemas.openxmlformats.org/drawingml/2006/main" xmlns:r="http://schemas.openxmlformats.org/officeDocument/2006/relationships" xmlns:p="http://schemas.openxmlformats.org/presentationml/2006/main" showMasterSp="0">
   <p:cSld>
     <p:spTree>
       <p:nvGrpSpPr>
@@ -10503,7 +13543,7 @@
     </p:spTree>
     <p:extLst>
       <p:ext uri="{BB962C8B-B14F-4D97-AF65-F5344CB8AC3E}">
-        <p14:creationId xmlns:p14="http://schemas.microsoft.com/office/powerpoint/2010/main" val="618184201"/>
+        <p14:creationId xmlns:p14="http://schemas.microsoft.com/office/powerpoint/2010/main" val="1369665875"/>
       </p:ext>
     </p:extLst>
   </p:cSld>
@@ -10513,8 +13553,8 @@
 </p:sld>
 </file>
 
-<file path=ppt/slides/slide33.xml><?xml version="1.0" encoding="utf-8"?>
-<p:sld xmlns:a="http://schemas.openxmlformats.org/drawingml/2006/main" xmlns:r="http://schemas.openxmlformats.org/officeDocument/2006/relationships" xmlns:p="http://schemas.openxmlformats.org/presentationml/2006/main">
+<file path=ppt/slides/slide38.xml><?xml version="1.0" encoding="utf-8"?>
+<p:sld xmlns:a="http://schemas.openxmlformats.org/drawingml/2006/main" xmlns:r="http://schemas.openxmlformats.org/officeDocument/2006/relationships" xmlns:p="http://schemas.openxmlformats.org/presentationml/2006/main" showMasterSp="0">
   <p:cSld>
     <p:spTree>
       <p:nvGrpSpPr>
@@ -10583,7 +13623,7 @@
     </p:spTree>
     <p:extLst>
       <p:ext uri="{BB962C8B-B14F-4D97-AF65-F5344CB8AC3E}">
-        <p14:creationId xmlns:p14="http://schemas.microsoft.com/office/powerpoint/2010/main" val="2194392514"/>
+        <p14:creationId xmlns:p14="http://schemas.microsoft.com/office/powerpoint/2010/main" val="4186807660"/>
       </p:ext>
     </p:extLst>
   </p:cSld>
@@ -10593,8 +13633,8 @@
 </p:sld>
 </file>
 
-<file path=ppt/slides/slide34.xml><?xml version="1.0" encoding="utf-8"?>
-<p:sld xmlns:a="http://schemas.openxmlformats.org/drawingml/2006/main" xmlns:r="http://schemas.openxmlformats.org/officeDocument/2006/relationships" xmlns:p="http://schemas.openxmlformats.org/presentationml/2006/main">
+<file path=ppt/slides/slide39.xml><?xml version="1.0" encoding="utf-8"?>
+<p:sld xmlns:a="http://schemas.openxmlformats.org/drawingml/2006/main" xmlns:r="http://schemas.openxmlformats.org/officeDocument/2006/relationships" xmlns:p="http://schemas.openxmlformats.org/presentationml/2006/main" showMasterSp="0">
   <p:cSld>
     <p:spTree>
       <p:nvGrpSpPr>
@@ -10663,7 +13703,7 @@
     </p:spTree>
     <p:extLst>
       <p:ext uri="{BB962C8B-B14F-4D97-AF65-F5344CB8AC3E}">
-        <p14:creationId xmlns:p14="http://schemas.microsoft.com/office/powerpoint/2010/main" val="625722632"/>
+        <p14:creationId xmlns:p14="http://schemas.microsoft.com/office/powerpoint/2010/main" val="4046601913"/>
       </p:ext>
     </p:extLst>
   </p:cSld>
@@ -10674,7 +13714,7 @@
 </file>
 
 <file path=ppt/slides/slide4.xml><?xml version="1.0" encoding="utf-8"?>
-<p:sld xmlns:a="http://schemas.openxmlformats.org/drawingml/2006/main" xmlns:r="http://schemas.openxmlformats.org/officeDocument/2006/relationships" xmlns:p="http://schemas.openxmlformats.org/presentationml/2006/main">
+<p:sld xmlns:a="http://schemas.openxmlformats.org/drawingml/2006/main" xmlns:r="http://schemas.openxmlformats.org/officeDocument/2006/relationships" xmlns:p="http://schemas.openxmlformats.org/presentationml/2006/main" showMasterSp="0">
   <p:cSld>
     <p:spTree>
       <p:nvGrpSpPr>
@@ -10695,7 +13735,7 @@
           <p:cNvPr id="2" name="Title 1">
             <a:extLst>
               <a:ext uri="{FF2B5EF4-FFF2-40B4-BE49-F238E27FC236}">
-                <a16:creationId xmlns:a16="http://schemas.microsoft.com/office/drawing/2014/main" id="{73984972-2F01-4661-8FDC-825817EDC88E}"/>
+                <a16:creationId xmlns:a16="http://schemas.microsoft.com/office/drawing/2014/main" id="{EB3E03A7-2270-4F1A-9BA9-021F48BDC951}"/>
               </a:ext>
             </a:extLst>
           </p:cNvPr>
@@ -10708,134 +13748,18 @@
         </p:nvSpPr>
         <p:spPr>
           <a:xfrm>
-            <a:off x="1293843" y="692703"/>
-            <a:ext cx="9604313" cy="5472594"/>
+            <a:off x="2658504" y="192162"/>
+            <a:ext cx="7484591" cy="828472"/>
           </a:xfrm>
         </p:spPr>
         <p:txBody>
-          <a:bodyPr anchor="ctr"/>
-          <a:lstStyle/>
-          <a:p>
-            <a:pPr algn="ctr"/>
-            <a:r>
-              <a:rPr lang="en-PH" sz="8800" b="1" dirty="0"/>
-              <a:t>ROLE </a:t>
-            </a:r>
-            <a:br>
-              <a:rPr lang="en-PH" sz="8800" b="1" dirty="0"/>
-            </a:br>
-            <a:r>
-              <a:rPr lang="en-PH" sz="8800" b="1" dirty="0"/>
-              <a:t>MANAGEMENT</a:t>
-            </a:r>
-          </a:p>
-        </p:txBody>
-      </p:sp>
-    </p:spTree>
-    <p:extLst>
-      <p:ext uri="{BB962C8B-B14F-4D97-AF65-F5344CB8AC3E}">
-        <p14:creationId xmlns:p14="http://schemas.microsoft.com/office/powerpoint/2010/main" val="3215439008"/>
-      </p:ext>
-    </p:extLst>
-  </p:cSld>
-  <p:clrMapOvr>
-    <a:masterClrMapping/>
-  </p:clrMapOvr>
-</p:sld>
-</file>
-
-<file path=ppt/slides/slide5.xml><?xml version="1.0" encoding="utf-8"?>
-<p:sld xmlns:a="http://schemas.openxmlformats.org/drawingml/2006/main" xmlns:r="http://schemas.openxmlformats.org/officeDocument/2006/relationships" xmlns:p="http://schemas.openxmlformats.org/presentationml/2006/main">
-  <p:cSld>
-    <p:spTree>
-      <p:nvGrpSpPr>
-        <p:cNvPr id="1" name=""/>
-        <p:cNvGrpSpPr/>
-        <p:nvPr/>
-      </p:nvGrpSpPr>
-      <p:grpSpPr>
-        <a:xfrm>
-          <a:off x="0" y="0"/>
-          <a:ext cx="0" cy="0"/>
-          <a:chOff x="0" y="0"/>
-          <a:chExt cx="0" cy="0"/>
-        </a:xfrm>
-      </p:grpSpPr>
-      <p:sp>
-        <p:nvSpPr>
-          <p:cNvPr id="2" name="Title 1">
-            <a:extLst>
-              <a:ext uri="{FF2B5EF4-FFF2-40B4-BE49-F238E27FC236}">
-                <a16:creationId xmlns:a16="http://schemas.microsoft.com/office/drawing/2014/main" id="{A798699D-B3C2-4CBA-9697-6D45B479BDD6}"/>
-              </a:ext>
-            </a:extLst>
-          </p:cNvPr>
-          <p:cNvSpPr>
-            <a:spLocks noGrp="1"/>
-          </p:cNvSpPr>
-          <p:nvPr>
-            <p:ph type="title"/>
-          </p:nvPr>
-        </p:nvSpPr>
-        <p:spPr>
-          <a:xfrm>
-            <a:off x="609535" y="234069"/>
-            <a:ext cx="9404723" cy="1046898"/>
-          </a:xfrm>
-        </p:spPr>
-        <p:txBody>
           <a:bodyPr/>
           <a:lstStyle/>
           <a:p>
             <a:r>
-              <a:rPr lang="en-PH" dirty="0"/>
-              <a:t>User Interface: Role Management</a:t>
-            </a:r>
-          </a:p>
-        </p:txBody>
-      </p:sp>
-      <p:sp>
-        <p:nvSpPr>
-          <p:cNvPr id="4" name="AutoShape 2" descr="Untitled">
-            <a:extLst>
-              <a:ext uri="{FF2B5EF4-FFF2-40B4-BE49-F238E27FC236}">
-                <a16:creationId xmlns:a16="http://schemas.microsoft.com/office/drawing/2014/main" id="{DD536FA0-C290-4DCC-ABB1-A2278D9087EC}"/>
-              </a:ext>
-            </a:extLst>
-          </p:cNvPr>
-          <p:cNvSpPr>
-            <a:spLocks noChangeAspect="1" noChangeArrowheads="1"/>
-          </p:cNvSpPr>
-          <p:nvPr/>
-        </p:nvSpPr>
-        <p:spPr bwMode="auto">
-          <a:xfrm>
-            <a:off x="5943600" y="3276600"/>
-            <a:ext cx="304800" cy="304800"/>
-          </a:xfrm>
-          <a:prstGeom prst="rect">
-            <a:avLst/>
-          </a:prstGeom>
-          <a:noFill/>
-          <a:extLst>
-            <a:ext uri="{909E8E84-426E-40DD-AFC4-6F175D3DCCD1}">
-              <a14:hiddenFill xmlns:a14="http://schemas.microsoft.com/office/drawing/2010/main">
-                <a:solidFill>
-                  <a:srgbClr val="FFFFFF"/>
-                </a:solidFill>
-              </a14:hiddenFill>
-            </a:ext>
-          </a:extLst>
-        </p:spPr>
-        <p:txBody>
-          <a:bodyPr vert="horz" wrap="square" lIns="91440" tIns="45720" rIns="91440" bIns="45720" numCol="1" anchor="t" anchorCtr="0" compatLnSpc="1">
-            <a:prstTxWarp prst="textNoShape">
-              <a:avLst/>
-            </a:prstTxWarp>
-          </a:bodyPr>
-          <a:lstStyle/>
-          <a:p>
-            <a:endParaRPr lang="en-PH"/>
+              <a:rPr lang="en-PH" u="sng" dirty="0"/>
+              <a:t>User Interface: Home screen</a:t>
+            </a:r>
           </a:p>
         </p:txBody>
       </p:sp>
@@ -10844,7 +13768,7 @@
           <p:cNvPr id="5" name="AutoShape 4" descr="Untitled">
             <a:extLst>
               <a:ext uri="{FF2B5EF4-FFF2-40B4-BE49-F238E27FC236}">
-                <a16:creationId xmlns:a16="http://schemas.microsoft.com/office/drawing/2014/main" id="{CA59A72B-03AF-4F0A-9E97-13D6ABCF8856}"/>
+                <a16:creationId xmlns:a16="http://schemas.microsoft.com/office/drawing/2014/main" id="{609339D1-702E-4FDE-B7EB-9C28A750CFA6}"/>
               </a:ext>
             </a:extLst>
           </p:cNvPr>
@@ -10880,124 +13804,112 @@
           </a:bodyPr>
           <a:lstStyle/>
           <a:p>
-            <a:endParaRPr lang="en-PH"/>
+            <a:endParaRPr lang="en-PH" dirty="0"/>
+          </a:p>
+        </p:txBody>
+      </p:sp>
+      <p:sp>
+        <p:nvSpPr>
+          <p:cNvPr id="3" name="TextBox 2">
+            <a:extLst>
+              <a:ext uri="{FF2B5EF4-FFF2-40B4-BE49-F238E27FC236}">
+                <a16:creationId xmlns:a16="http://schemas.microsoft.com/office/drawing/2014/main" id="{E930E9CA-1150-4BA0-961D-5F35656F3E51}"/>
+              </a:ext>
+            </a:extLst>
+          </p:cNvPr>
+          <p:cNvSpPr txBox="1"/>
+          <p:nvPr/>
+        </p:nvSpPr>
+        <p:spPr>
+          <a:xfrm>
+            <a:off x="9303142" y="1674674"/>
+            <a:ext cx="2696901" cy="2123658"/>
+          </a:xfrm>
+          <a:prstGeom prst="rect">
+            <a:avLst/>
+          </a:prstGeom>
+          <a:noFill/>
+        </p:spPr>
+        <p:txBody>
+          <a:bodyPr wrap="square" rtlCol="0">
+            <a:spAutoFit/>
+          </a:bodyPr>
+          <a:lstStyle/>
+          <a:p>
+            <a:pPr marL="285750" indent="-285750">
+              <a:buFont typeface="Arial" panose="020B0604020202020204" pitchFamily="34" charset="0"/>
+              <a:buChar char="•"/>
+            </a:pPr>
+            <a:r>
+              <a:rPr lang="en-PH" sz="1200" b="1" dirty="0"/>
+              <a:t>SCC Logo </a:t>
+            </a:r>
+            <a:r>
+              <a:rPr lang="en-PH" sz="1200" dirty="0"/>
+              <a:t>will be the default photo of the new registered end user.</a:t>
+            </a:r>
+          </a:p>
+          <a:p>
+            <a:pPr marL="285750" indent="-285750">
+              <a:buFont typeface="Arial" panose="020B0604020202020204" pitchFamily="34" charset="0"/>
+              <a:buChar char="•"/>
+            </a:pPr>
+            <a:endParaRPr lang="en-PH" sz="1200" dirty="0"/>
+          </a:p>
+          <a:p>
+            <a:pPr marL="285750" indent="-285750">
+              <a:buFont typeface="Arial" panose="020B0604020202020204" pitchFamily="34" charset="0"/>
+              <a:buChar char="•"/>
+            </a:pPr>
+            <a:r>
+              <a:rPr lang="en-PH" sz="1200" dirty="0"/>
+              <a:t>Add a icon menu name </a:t>
+            </a:r>
+            <a:r>
+              <a:rPr lang="en-PH" sz="1200" b="1" i="1" u="sng" dirty="0"/>
+              <a:t>Administration</a:t>
+            </a:r>
+            <a:r>
+              <a:rPr lang="en-PH" sz="1200" dirty="0"/>
+              <a:t> directing to a new page.</a:t>
+            </a:r>
+          </a:p>
+          <a:p>
+            <a:pPr marL="285750" indent="-285750">
+              <a:buFont typeface="Arial" panose="020B0604020202020204" pitchFamily="34" charset="0"/>
+              <a:buChar char="•"/>
+            </a:pPr>
+            <a:endParaRPr lang="en-PH" sz="1200" dirty="0"/>
+          </a:p>
+          <a:p>
+            <a:pPr marL="285750" indent="-285750">
+              <a:buFont typeface="Arial" panose="020B0604020202020204" pitchFamily="34" charset="0"/>
+              <a:buChar char="•"/>
+            </a:pPr>
+            <a:r>
+              <a:rPr lang="en-PH" sz="1200" dirty="0"/>
+              <a:t>The menus of that page are: </a:t>
+            </a:r>
+            <a:r>
+              <a:rPr lang="en-PH" sz="1200" b="1" i="1" u="sng" dirty="0"/>
+              <a:t>Manage Role, Manage End User, Department.</a:t>
+            </a:r>
           </a:p>
         </p:txBody>
       </p:sp>
       <p:pic>
         <p:nvPicPr>
-          <p:cNvPr id="7" name="Picture 6">
+          <p:cNvPr id="2050" name="Picture 2" descr="No description available.">
             <a:extLst>
               <a:ext uri="{FF2B5EF4-FFF2-40B4-BE49-F238E27FC236}">
-                <a16:creationId xmlns:a16="http://schemas.microsoft.com/office/drawing/2014/main" id="{C19EA369-E154-4E78-8B9C-12CEBDBF5E8A}"/>
+                <a16:creationId xmlns:a16="http://schemas.microsoft.com/office/drawing/2014/main" id="{0580D8C4-BD26-49C3-A16C-FC1A1CC5105A}"/>
               </a:ext>
             </a:extLst>
           </p:cNvPr>
           <p:cNvPicPr>
-            <a:picLocks noChangeAspect="1"/>
+            <a:picLocks noChangeAspect="1" noChangeArrowheads="1"/>
           </p:cNvPicPr>
           <p:nvPr/>
-        </p:nvPicPr>
-        <p:blipFill>
-          <a:blip r:embed="rId2">
-            <a:extLst>
-              <a:ext uri="{28A0092B-C50C-407E-A947-70E740481C1C}">
-                <a14:useLocalDpi xmlns:a14="http://schemas.microsoft.com/office/drawing/2010/main" val="0"/>
-              </a:ext>
-            </a:extLst>
-          </a:blip>
-          <a:stretch>
-            <a:fillRect/>
-          </a:stretch>
-        </p:blipFill>
-        <p:spPr>
-          <a:xfrm>
-            <a:off x="791714" y="1172046"/>
-            <a:ext cx="10608572" cy="5342963"/>
-          </a:xfrm>
-          <a:prstGeom prst="rect">
-            <a:avLst/>
-          </a:prstGeom>
-        </p:spPr>
-      </p:pic>
-    </p:spTree>
-    <p:extLst>
-      <p:ext uri="{BB962C8B-B14F-4D97-AF65-F5344CB8AC3E}">
-        <p14:creationId xmlns:p14="http://schemas.microsoft.com/office/powerpoint/2010/main" val="4188708004"/>
-      </p:ext>
-    </p:extLst>
-  </p:cSld>
-  <p:clrMapOvr>
-    <a:masterClrMapping/>
-  </p:clrMapOvr>
-</p:sld>
-</file>
-
-<file path=ppt/slides/slide6.xml><?xml version="1.0" encoding="utf-8"?>
-<p:sld xmlns:a="http://schemas.openxmlformats.org/drawingml/2006/main" xmlns:r="http://schemas.openxmlformats.org/officeDocument/2006/relationships" xmlns:p="http://schemas.openxmlformats.org/presentationml/2006/main">
-  <p:cSld>
-    <p:spTree>
-      <p:nvGrpSpPr>
-        <p:cNvPr id="1" name=""/>
-        <p:cNvGrpSpPr/>
-        <p:nvPr/>
-      </p:nvGrpSpPr>
-      <p:grpSpPr>
-        <a:xfrm>
-          <a:off x="0" y="0"/>
-          <a:ext cx="0" cy="0"/>
-          <a:chOff x="0" y="0"/>
-          <a:chExt cx="0" cy="0"/>
-        </a:xfrm>
-      </p:grpSpPr>
-      <p:sp>
-        <p:nvSpPr>
-          <p:cNvPr id="2" name="Title 1">
-            <a:extLst>
-              <a:ext uri="{FF2B5EF4-FFF2-40B4-BE49-F238E27FC236}">
-                <a16:creationId xmlns:a16="http://schemas.microsoft.com/office/drawing/2014/main" id="{C13F68BA-6092-4426-B072-3F8A0A7AA33A}"/>
-              </a:ext>
-            </a:extLst>
-          </p:cNvPr>
-          <p:cNvSpPr>
-            <a:spLocks noGrp="1"/>
-          </p:cNvSpPr>
-          <p:nvPr>
-            <p:ph type="title"/>
-          </p:nvPr>
-        </p:nvSpPr>
-        <p:spPr>
-          <a:xfrm>
-            <a:off x="4818055" y="1012120"/>
-            <a:ext cx="4245929" cy="834997"/>
-          </a:xfrm>
-        </p:spPr>
-        <p:txBody>
-          <a:bodyPr/>
-          <a:lstStyle/>
-          <a:p>
-            <a:r>
-              <a:rPr lang="en-PH" dirty="0"/>
-              <a:t>Note:</a:t>
-            </a:r>
-          </a:p>
-        </p:txBody>
-      </p:sp>
-      <p:pic>
-        <p:nvPicPr>
-          <p:cNvPr id="4098" name="Picture 2" descr="No description available.">
-            <a:extLst>
-              <a:ext uri="{FF2B5EF4-FFF2-40B4-BE49-F238E27FC236}">
-                <a16:creationId xmlns:a16="http://schemas.microsoft.com/office/drawing/2014/main" id="{FF34F246-5E5D-480B-A925-3CCAB2B4C723}"/>
-              </a:ext>
-            </a:extLst>
-          </p:cNvPr>
-          <p:cNvPicPr>
-            <a:picLocks noGrp="1" noChangeAspect="1" noChangeArrowheads="1"/>
-          </p:cNvPicPr>
-          <p:nvPr>
-            <p:ph idx="1"/>
-          </p:nvPr>
         </p:nvPicPr>
         <p:blipFill>
           <a:blip r:embed="rId2">
@@ -11014,8 +13926,8 @@
         </p:blipFill>
         <p:spPr bwMode="auto">
           <a:xfrm>
-            <a:off x="865822" y="1012120"/>
-            <a:ext cx="3572066" cy="4833759"/>
+            <a:off x="191957" y="1251096"/>
+            <a:ext cx="9014647" cy="4756165"/>
           </a:xfrm>
           <a:prstGeom prst="rect">
             <a:avLst/>
@@ -11037,6 +13949,239 @@
           <p:cNvPr id="4" name="TextBox 3">
             <a:extLst>
               <a:ext uri="{FF2B5EF4-FFF2-40B4-BE49-F238E27FC236}">
+                <a16:creationId xmlns:a16="http://schemas.microsoft.com/office/drawing/2014/main" id="{4568B032-C1CF-46E2-82F9-77C1FF158E4A}"/>
+              </a:ext>
+            </a:extLst>
+          </p:cNvPr>
+          <p:cNvSpPr txBox="1"/>
+          <p:nvPr/>
+        </p:nvSpPr>
+        <p:spPr>
+          <a:xfrm>
+            <a:off x="9303142" y="1251096"/>
+            <a:ext cx="1180618" cy="369332"/>
+          </a:xfrm>
+          <a:prstGeom prst="rect">
+            <a:avLst/>
+          </a:prstGeom>
+          <a:noFill/>
+        </p:spPr>
+        <p:txBody>
+          <a:bodyPr wrap="square" rtlCol="0">
+            <a:spAutoFit/>
+          </a:bodyPr>
+          <a:lstStyle/>
+          <a:p>
+            <a:r>
+              <a:rPr lang="en-PH" dirty="0"/>
+              <a:t>Note</a:t>
+            </a:r>
+          </a:p>
+        </p:txBody>
+      </p:sp>
+    </p:spTree>
+    <p:extLst>
+      <p:ext uri="{BB962C8B-B14F-4D97-AF65-F5344CB8AC3E}">
+        <p14:creationId xmlns:p14="http://schemas.microsoft.com/office/powerpoint/2010/main" val="1743034950"/>
+      </p:ext>
+    </p:extLst>
+  </p:cSld>
+  <p:clrMapOvr>
+    <a:masterClrMapping/>
+  </p:clrMapOvr>
+  <p:timing>
+    <p:tnLst>
+      <p:par>
+        <p:cTn id="1" dur="indefinite" restart="never" nodeType="tmRoot">
+          <p:childTnLst>
+            <p:seq concurrent="1" nextAc="seek">
+              <p:cTn id="2" dur="indefinite" nodeType="mainSeq">
+                <p:childTnLst>
+                  <p:par>
+                    <p:cTn id="3" fill="hold">
+                      <p:stCondLst>
+                        <p:cond delay="indefinite"/>
+                      </p:stCondLst>
+                      <p:childTnLst>
+                        <p:par>
+                          <p:cTn id="4" fill="hold">
+                            <p:stCondLst>
+                              <p:cond delay="0"/>
+                            </p:stCondLst>
+                            <p:childTnLst>
+                              <p:par>
+                                <p:cTn id="5" presetID="10" presetClass="entr" presetSubtype="0" fill="hold" grpId="0" nodeType="clickEffect">
+                                  <p:stCondLst>
+                                    <p:cond delay="0"/>
+                                  </p:stCondLst>
+                                  <p:childTnLst>
+                                    <p:set>
+                                      <p:cBhvr>
+                                        <p:cTn id="6" dur="1" fill="hold">
+                                          <p:stCondLst>
+                                            <p:cond delay="0"/>
+                                          </p:stCondLst>
+                                        </p:cTn>
+                                        <p:tgtEl>
+                                          <p:spTgt spid="3"/>
+                                        </p:tgtEl>
+                                        <p:attrNameLst>
+                                          <p:attrName>style.visibility</p:attrName>
+                                        </p:attrNameLst>
+                                      </p:cBhvr>
+                                      <p:to>
+                                        <p:strVal val="visible"/>
+                                      </p:to>
+                                    </p:set>
+                                    <p:animEffect transition="in" filter="fade">
+                                      <p:cBhvr>
+                                        <p:cTn id="7" dur="500"/>
+                                        <p:tgtEl>
+                                          <p:spTgt spid="3"/>
+                                        </p:tgtEl>
+                                      </p:cBhvr>
+                                    </p:animEffect>
+                                  </p:childTnLst>
+                                </p:cTn>
+                              </p:par>
+                            </p:childTnLst>
+                          </p:cTn>
+                        </p:par>
+                      </p:childTnLst>
+                    </p:cTn>
+                  </p:par>
+                </p:childTnLst>
+              </p:cTn>
+              <p:prevCondLst>
+                <p:cond evt="onPrev" delay="0">
+                  <p:tgtEl>
+                    <p:sldTgt/>
+                  </p:tgtEl>
+                </p:cond>
+              </p:prevCondLst>
+              <p:nextCondLst>
+                <p:cond evt="onNext" delay="0">
+                  <p:tgtEl>
+                    <p:sldTgt/>
+                  </p:tgtEl>
+                </p:cond>
+              </p:nextCondLst>
+            </p:seq>
+          </p:childTnLst>
+        </p:cTn>
+      </p:par>
+    </p:tnLst>
+    <p:bldLst>
+      <p:bldP spid="3" grpId="0"/>
+    </p:bldLst>
+  </p:timing>
+</p:sld>
+</file>
+
+<file path=ppt/slides/slide5.xml><?xml version="1.0" encoding="utf-8"?>
+<p:sld xmlns:a="http://schemas.openxmlformats.org/drawingml/2006/main" xmlns:r="http://schemas.openxmlformats.org/officeDocument/2006/relationships" xmlns:p="http://schemas.openxmlformats.org/presentationml/2006/main" showMasterSp="0">
+  <p:cSld>
+    <p:spTree>
+      <p:nvGrpSpPr>
+        <p:cNvPr id="1" name=""/>
+        <p:cNvGrpSpPr/>
+        <p:nvPr/>
+      </p:nvGrpSpPr>
+      <p:grpSpPr>
+        <a:xfrm>
+          <a:off x="0" y="0"/>
+          <a:ext cx="0" cy="0"/>
+          <a:chOff x="0" y="0"/>
+          <a:chExt cx="0" cy="0"/>
+        </a:xfrm>
+      </p:grpSpPr>
+      <p:sp>
+        <p:nvSpPr>
+          <p:cNvPr id="2" name="Title 1">
+            <a:extLst>
+              <a:ext uri="{FF2B5EF4-FFF2-40B4-BE49-F238E27FC236}">
+                <a16:creationId xmlns:a16="http://schemas.microsoft.com/office/drawing/2014/main" id="{C13F68BA-6092-4426-B072-3F8A0A7AA33A}"/>
+              </a:ext>
+            </a:extLst>
+          </p:cNvPr>
+          <p:cNvSpPr>
+            <a:spLocks noGrp="1"/>
+          </p:cNvSpPr>
+          <p:nvPr>
+            <p:ph type="title"/>
+          </p:nvPr>
+        </p:nvSpPr>
+        <p:spPr>
+          <a:xfrm>
+            <a:off x="4725170" y="933160"/>
+            <a:ext cx="4245929" cy="834997"/>
+          </a:xfrm>
+        </p:spPr>
+        <p:txBody>
+          <a:bodyPr/>
+          <a:lstStyle/>
+          <a:p>
+            <a:r>
+              <a:rPr lang="en-PH" dirty="0"/>
+              <a:t>Note:</a:t>
+            </a:r>
+          </a:p>
+        </p:txBody>
+      </p:sp>
+      <p:pic>
+        <p:nvPicPr>
+          <p:cNvPr id="4098" name="Picture 2" descr="No description available.">
+            <a:extLst>
+              <a:ext uri="{FF2B5EF4-FFF2-40B4-BE49-F238E27FC236}">
+                <a16:creationId xmlns:a16="http://schemas.microsoft.com/office/drawing/2014/main" id="{FF34F246-5E5D-480B-A925-3CCAB2B4C723}"/>
+              </a:ext>
+            </a:extLst>
+          </p:cNvPr>
+          <p:cNvPicPr>
+            <a:picLocks noGrp="1" noChangeAspect="1" noChangeArrowheads="1"/>
+          </p:cNvPicPr>
+          <p:nvPr>
+            <p:ph idx="1"/>
+          </p:nvPr>
+        </p:nvPicPr>
+        <p:blipFill>
+          <a:blip r:embed="rId2">
+            <a:extLst>
+              <a:ext uri="{28A0092B-C50C-407E-A947-70E740481C1C}">
+                <a14:useLocalDpi xmlns:a14="http://schemas.microsoft.com/office/drawing/2010/main" val="0"/>
+              </a:ext>
+            </a:extLst>
+          </a:blip>
+          <a:srcRect/>
+          <a:stretch>
+            <a:fillRect/>
+          </a:stretch>
+        </p:blipFill>
+        <p:spPr bwMode="auto">
+          <a:xfrm>
+            <a:off x="720870" y="933160"/>
+            <a:ext cx="3576810" cy="4840179"/>
+          </a:xfrm>
+          <a:prstGeom prst="rect">
+            <a:avLst/>
+          </a:prstGeom>
+          <a:noFill/>
+          <a:extLst>
+            <a:ext uri="{909E8E84-426E-40DD-AFC4-6F175D3DCCD1}">
+              <a14:hiddenFill xmlns:a14="http://schemas.microsoft.com/office/drawing/2010/main">
+                <a:solidFill>
+                  <a:srgbClr val="FFFFFF"/>
+                </a:solidFill>
+              </a14:hiddenFill>
+            </a:ext>
+          </a:extLst>
+        </p:spPr>
+      </p:pic>
+      <p:sp>
+        <p:nvSpPr>
+          <p:cNvPr id="4" name="TextBox 3">
+            <a:extLst>
+              <a:ext uri="{FF2B5EF4-FFF2-40B4-BE49-F238E27FC236}">
                 <a16:creationId xmlns:a16="http://schemas.microsoft.com/office/drawing/2014/main" id="{A945881B-3261-48CE-9AE9-06758639140B}"/>
               </a:ext>
             </a:extLst>
@@ -11047,7 +14192,7 @@
         <p:spPr>
           <a:xfrm>
             <a:off x="5013192" y="1847117"/>
-            <a:ext cx="6581400" cy="2862322"/>
+            <a:ext cx="6457938" cy="2169825"/>
           </a:xfrm>
           <a:prstGeom prst="rect">
             <a:avLst/>
@@ -11065,12 +14210,12 @@
               <a:buChar char="§"/>
             </a:pPr>
             <a:r>
-              <a:rPr lang="en-PH" dirty="0"/>
+              <a:rPr lang="en-PH" sz="1500" dirty="0"/>
               <a:t>Remove the System Catalogue and Register Account menu.</a:t>
             </a:r>
           </a:p>
           <a:p>
-            <a:endParaRPr lang="en-PH" dirty="0"/>
+            <a:endParaRPr lang="en-PH" sz="1500" dirty="0"/>
           </a:p>
           <a:p>
             <a:pPr marL="285750" indent="-285750">
@@ -11078,11 +14223,11 @@
               <a:buChar char="§"/>
             </a:pPr>
             <a:r>
-              <a:rPr lang="en-PH" dirty="0"/>
+              <a:rPr lang="en-PH" sz="1500" dirty="0"/>
               <a:t>The default photo for the new user if its not change is the </a:t>
             </a:r>
             <a:r>
-              <a:rPr lang="en-PH" b="1" dirty="0"/>
+              <a:rPr lang="en-PH" sz="1500" b="1" dirty="0"/>
               <a:t>SCC Logo.</a:t>
             </a:r>
           </a:p>
@@ -11091,7 +14236,7 @@
               <a:buFont typeface="Wingdings" panose="05000000000000000000" pitchFamily="2" charset="2"/>
               <a:buChar char="§"/>
             </a:pPr>
-            <a:endParaRPr lang="en-PH" b="1" dirty="0"/>
+            <a:endParaRPr lang="en-PH" sz="1500" b="1" dirty="0"/>
           </a:p>
           <a:p>
             <a:pPr marL="285750" indent="-285750">
@@ -11099,7 +14244,7 @@
               <a:buChar char="§"/>
             </a:pPr>
             <a:r>
-              <a:rPr lang="en-PH" dirty="0"/>
+              <a:rPr lang="en-PH" sz="1500" dirty="0"/>
               <a:t>Make sure it has a space between the End User Profile Photo and the End Users Full name.</a:t>
             </a:r>
           </a:p>
@@ -11108,21 +14253,170 @@
               <a:buFont typeface="Wingdings" panose="05000000000000000000" pitchFamily="2" charset="2"/>
               <a:buChar char="§"/>
             </a:pPr>
-            <a:endParaRPr lang="en-PH" dirty="0"/>
+            <a:endParaRPr lang="en-PH" sz="1500" dirty="0"/>
           </a:p>
           <a:p>
             <a:pPr marL="285750" indent="-285750">
               <a:buFont typeface="Wingdings" panose="05000000000000000000" pitchFamily="2" charset="2"/>
               <a:buChar char="§"/>
             </a:pPr>
-            <a:endParaRPr lang="en-PH" dirty="0"/>
+            <a:endParaRPr lang="en-PH" sz="1500" dirty="0"/>
           </a:p>
         </p:txBody>
       </p:sp>
     </p:spTree>
     <p:extLst>
       <p:ext uri="{BB962C8B-B14F-4D97-AF65-F5344CB8AC3E}">
-        <p14:creationId xmlns:p14="http://schemas.microsoft.com/office/powerpoint/2010/main" val="3475161328"/>
+        <p14:creationId xmlns:p14="http://schemas.microsoft.com/office/powerpoint/2010/main" val="1055717488"/>
+      </p:ext>
+    </p:extLst>
+  </p:cSld>
+  <p:clrMapOvr>
+    <a:masterClrMapping/>
+  </p:clrMapOvr>
+  <p:timing>
+    <p:tnLst>
+      <p:par>
+        <p:cTn id="1" dur="indefinite" restart="never" nodeType="tmRoot">
+          <p:childTnLst>
+            <p:seq concurrent="1" nextAc="seek">
+              <p:cTn id="2" dur="indefinite" nodeType="mainSeq">
+                <p:childTnLst>
+                  <p:par>
+                    <p:cTn id="3" fill="hold">
+                      <p:stCondLst>
+                        <p:cond delay="indefinite"/>
+                      </p:stCondLst>
+                      <p:childTnLst>
+                        <p:par>
+                          <p:cTn id="4" fill="hold">
+                            <p:stCondLst>
+                              <p:cond delay="0"/>
+                            </p:stCondLst>
+                            <p:childTnLst>
+                              <p:par>
+                                <p:cTn id="5" presetID="1" presetClass="entr" presetSubtype="0" fill="hold" grpId="0" nodeType="clickEffect">
+                                  <p:stCondLst>
+                                    <p:cond delay="0"/>
+                                  </p:stCondLst>
+                                  <p:childTnLst>
+                                    <p:set>
+                                      <p:cBhvr>
+                                        <p:cTn id="6" dur="1" fill="hold">
+                                          <p:stCondLst>
+                                            <p:cond delay="0"/>
+                                          </p:stCondLst>
+                                        </p:cTn>
+                                        <p:tgtEl>
+                                          <p:spTgt spid="4"/>
+                                        </p:tgtEl>
+                                        <p:attrNameLst>
+                                          <p:attrName>style.visibility</p:attrName>
+                                        </p:attrNameLst>
+                                      </p:cBhvr>
+                                      <p:to>
+                                        <p:strVal val="visible"/>
+                                      </p:to>
+                                    </p:set>
+                                  </p:childTnLst>
+                                </p:cTn>
+                              </p:par>
+                            </p:childTnLst>
+                          </p:cTn>
+                        </p:par>
+                      </p:childTnLst>
+                    </p:cTn>
+                  </p:par>
+                </p:childTnLst>
+              </p:cTn>
+              <p:prevCondLst>
+                <p:cond evt="onPrev" delay="0">
+                  <p:tgtEl>
+                    <p:sldTgt/>
+                  </p:tgtEl>
+                </p:cond>
+              </p:prevCondLst>
+              <p:nextCondLst>
+                <p:cond evt="onNext" delay="0">
+                  <p:tgtEl>
+                    <p:sldTgt/>
+                  </p:tgtEl>
+                </p:cond>
+              </p:nextCondLst>
+            </p:seq>
+          </p:childTnLst>
+        </p:cTn>
+      </p:par>
+    </p:tnLst>
+    <p:bldLst>
+      <p:bldP spid="4" grpId="0"/>
+    </p:bldLst>
+  </p:timing>
+</p:sld>
+</file>
+
+<file path=ppt/slides/slide6.xml><?xml version="1.0" encoding="utf-8"?>
+<p:sld xmlns:a="http://schemas.openxmlformats.org/drawingml/2006/main" xmlns:r="http://schemas.openxmlformats.org/officeDocument/2006/relationships" xmlns:p="http://schemas.openxmlformats.org/presentationml/2006/main" showMasterSp="0">
+  <p:cSld>
+    <p:spTree>
+      <p:nvGrpSpPr>
+        <p:cNvPr id="1" name=""/>
+        <p:cNvGrpSpPr/>
+        <p:nvPr/>
+      </p:nvGrpSpPr>
+      <p:grpSpPr>
+        <a:xfrm>
+          <a:off x="0" y="0"/>
+          <a:ext cx="0" cy="0"/>
+          <a:chOff x="0" y="0"/>
+          <a:chExt cx="0" cy="0"/>
+        </a:xfrm>
+      </p:grpSpPr>
+      <p:sp>
+        <p:nvSpPr>
+          <p:cNvPr id="2" name="Title 1">
+            <a:extLst>
+              <a:ext uri="{FF2B5EF4-FFF2-40B4-BE49-F238E27FC236}">
+                <a16:creationId xmlns:a16="http://schemas.microsoft.com/office/drawing/2014/main" id="{73984972-2F01-4661-8FDC-825817EDC88E}"/>
+              </a:ext>
+            </a:extLst>
+          </p:cNvPr>
+          <p:cNvSpPr>
+            <a:spLocks noGrp="1"/>
+          </p:cNvSpPr>
+          <p:nvPr>
+            <p:ph type="title"/>
+          </p:nvPr>
+        </p:nvSpPr>
+        <p:spPr>
+          <a:xfrm>
+            <a:off x="1293843" y="692703"/>
+            <a:ext cx="9604313" cy="5472594"/>
+          </a:xfrm>
+        </p:spPr>
+        <p:txBody>
+          <a:bodyPr anchor="ctr"/>
+          <a:lstStyle/>
+          <a:p>
+            <a:pPr algn="ctr"/>
+            <a:r>
+              <a:rPr lang="en-PH" sz="8800" b="1" dirty="0"/>
+              <a:t>ROLE &amp; PERMISSION </a:t>
+            </a:r>
+            <a:br>
+              <a:rPr lang="en-PH" sz="8800" b="1" dirty="0"/>
+            </a:br>
+            <a:r>
+              <a:rPr lang="en-PH" sz="8800" b="1" dirty="0"/>
+              <a:t>MANAGEMENT</a:t>
+            </a:r>
+          </a:p>
+        </p:txBody>
+      </p:sp>
+    </p:spTree>
+    <p:extLst>
+      <p:ext uri="{BB962C8B-B14F-4D97-AF65-F5344CB8AC3E}">
+        <p14:creationId xmlns:p14="http://schemas.microsoft.com/office/powerpoint/2010/main" val="213267826"/>
       </p:ext>
     </p:extLst>
   </p:cSld>
@@ -11178,7 +14472,7 @@
           <a:bodyPr/>
           <a:lstStyle/>
           <a:p>
-            <a:endParaRPr lang="en-PH"/>
+            <a:endParaRPr lang="en-PH" dirty="0"/>
           </a:p>
         </p:txBody>
       </p:sp>
@@ -11220,7 +14514,7 @@
     </p:spTree>
     <p:extLst>
       <p:ext uri="{BB962C8B-B14F-4D97-AF65-F5344CB8AC3E}">
-        <p14:creationId xmlns:p14="http://schemas.microsoft.com/office/powerpoint/2010/main" val="609191409"/>
+        <p14:creationId xmlns:p14="http://schemas.microsoft.com/office/powerpoint/2010/main" val="2894631516"/>
       </p:ext>
     </p:extLst>
   </p:cSld>
@@ -11231,7 +14525,7 @@
 </file>
 
 <file path=ppt/slides/slide8.xml><?xml version="1.0" encoding="utf-8"?>
-<p:sld xmlns:a="http://schemas.openxmlformats.org/drawingml/2006/main" xmlns:r="http://schemas.openxmlformats.org/officeDocument/2006/relationships" xmlns:p="http://schemas.openxmlformats.org/presentationml/2006/main">
+<p:sld xmlns:a="http://schemas.openxmlformats.org/drawingml/2006/main" xmlns:r="http://schemas.openxmlformats.org/officeDocument/2006/relationships" xmlns:p="http://schemas.openxmlformats.org/presentationml/2006/main" showMasterSp="0">
   <p:cSld>
     <p:spTree>
       <p:nvGrpSpPr>
@@ -11249,10 +14543,10 @@
       </p:grpSpPr>
       <p:sp>
         <p:nvSpPr>
-          <p:cNvPr id="3" name="Content Placeholder 2">
+          <p:cNvPr id="2" name="Title 1">
             <a:extLst>
               <a:ext uri="{FF2B5EF4-FFF2-40B4-BE49-F238E27FC236}">
-                <a16:creationId xmlns:a16="http://schemas.microsoft.com/office/drawing/2014/main" id="{581A92E4-5726-4887-A417-15DDF7292906}"/>
+                <a16:creationId xmlns:a16="http://schemas.microsoft.com/office/drawing/2014/main" id="{A798699D-B3C2-4CBA-9697-6D45B479BDD6}"/>
               </a:ext>
             </a:extLst>
           </p:cNvPr>
@@ -11260,75 +14554,23 @@
             <a:spLocks noGrp="1"/>
           </p:cNvSpPr>
           <p:nvPr>
-            <p:ph idx="1"/>
+            <p:ph type="title"/>
           </p:nvPr>
         </p:nvSpPr>
         <p:spPr>
           <a:xfrm>
-            <a:off x="273995" y="288589"/>
-            <a:ext cx="10368065" cy="2835611"/>
+            <a:off x="1393638" y="234070"/>
+            <a:ext cx="9404723" cy="1046898"/>
           </a:xfrm>
         </p:spPr>
         <p:txBody>
-          <a:bodyPr>
-            <a:normAutofit/>
-          </a:bodyPr>
+          <a:bodyPr/>
           <a:lstStyle/>
           <a:p>
-            <a:pPr marL="0" indent="0">
-              <a:buNone/>
-            </a:pPr>
-            <a:r>
-              <a:rPr lang="en-PH" dirty="0"/>
-              <a:t>Note:</a:t>
-            </a:r>
-          </a:p>
-          <a:p>
-            <a:pPr>
-              <a:buFont typeface="Wingdings" panose="05000000000000000000" pitchFamily="2" charset="2"/>
-              <a:buChar char="§"/>
-            </a:pPr>
             <a:r>
               <a:rPr lang="en-PH" u="sng" dirty="0"/>
-              <a:t>Two columns </a:t>
-            </a:r>
-          </a:p>
-          <a:p>
-            <a:pPr lvl="1">
-              <a:buFont typeface="Wingdings" panose="05000000000000000000" pitchFamily="2" charset="2"/>
-              <a:buChar char="§"/>
-            </a:pPr>
-            <a:r>
-              <a:rPr lang="en-PH" dirty="0"/>
-              <a:t>First column (left) is the list of all the module projects.</a:t>
-            </a:r>
-          </a:p>
-          <a:p>
-            <a:pPr lvl="1">
-              <a:buFont typeface="Wingdings" panose="05000000000000000000" pitchFamily="2" charset="2"/>
-              <a:buChar char="§"/>
-            </a:pPr>
-            <a:r>
-              <a:rPr lang="en-PH" dirty="0"/>
-              <a:t>Second column (right) is the data table of the roles in a project.</a:t>
-            </a:r>
-            <a:endParaRPr lang="en-PH" u="sng" dirty="0"/>
-          </a:p>
-          <a:p>
-            <a:pPr>
-              <a:buFont typeface="Wingdings" panose="05000000000000000000" pitchFamily="2" charset="2"/>
-              <a:buChar char="§"/>
-            </a:pPr>
-            <a:r>
-              <a:rPr lang="en-PH" dirty="0"/>
-              <a:t>Upper left is the buttons (Add, Edit, Delete, Close)</a:t>
-            </a:r>
-          </a:p>
-          <a:p>
-            <a:pPr marL="457200" lvl="1" indent="0">
-              <a:buNone/>
-            </a:pPr>
-            <a:endParaRPr lang="en-PH" dirty="0"/>
+              <a:t>User Interface: Role Management</a:t>
+            </a:r>
           </a:p>
         </p:txBody>
       </p:sp>
@@ -11337,7 +14579,7 @@
           <p:cNvPr id="4" name="AutoShape 2" descr="Untitled">
             <a:extLst>
               <a:ext uri="{FF2B5EF4-FFF2-40B4-BE49-F238E27FC236}">
-                <a16:creationId xmlns:a16="http://schemas.microsoft.com/office/drawing/2014/main" id="{62A91052-7B67-4136-8553-8E07E2AD5F6F}"/>
+                <a16:creationId xmlns:a16="http://schemas.microsoft.com/office/drawing/2014/main" id="{DD536FA0-C290-4DCC-ABB1-A2278D9087EC}"/>
               </a:ext>
             </a:extLst>
           </p:cNvPr>
@@ -11373,7 +14615,7 @@
           </a:bodyPr>
           <a:lstStyle/>
           <a:p>
-            <a:endParaRPr lang="en-PH"/>
+            <a:endParaRPr lang="en-PH" dirty="0"/>
           </a:p>
         </p:txBody>
       </p:sp>
@@ -11382,7 +14624,7 @@
           <p:cNvPr id="5" name="AutoShape 4" descr="Untitled">
             <a:extLst>
               <a:ext uri="{FF2B5EF4-FFF2-40B4-BE49-F238E27FC236}">
-                <a16:creationId xmlns:a16="http://schemas.microsoft.com/office/drawing/2014/main" id="{F0694E4B-56F4-42EA-9D03-80CE61BE309D}"/>
+                <a16:creationId xmlns:a16="http://schemas.microsoft.com/office/drawing/2014/main" id="{CA59A72B-03AF-4F0A-9E97-13D6ABCF8856}"/>
               </a:ext>
             </a:extLst>
           </p:cNvPr>
@@ -11418,7 +14660,248 @@
           </a:bodyPr>
           <a:lstStyle/>
           <a:p>
-            <a:endParaRPr lang="en-PH"/>
+            <a:endParaRPr lang="en-PH" dirty="0"/>
+          </a:p>
+        </p:txBody>
+      </p:sp>
+      <p:pic>
+        <p:nvPicPr>
+          <p:cNvPr id="7" name="Picture 6">
+            <a:extLst>
+              <a:ext uri="{FF2B5EF4-FFF2-40B4-BE49-F238E27FC236}">
+                <a16:creationId xmlns:a16="http://schemas.microsoft.com/office/drawing/2014/main" id="{C19EA369-E154-4E78-8B9C-12CEBDBF5E8A}"/>
+              </a:ext>
+            </a:extLst>
+          </p:cNvPr>
+          <p:cNvPicPr>
+            <a:picLocks noChangeAspect="1"/>
+          </p:cNvPicPr>
+          <p:nvPr/>
+        </p:nvPicPr>
+        <p:blipFill>
+          <a:blip r:embed="rId2">
+            <a:extLst>
+              <a:ext uri="{28A0092B-C50C-407E-A947-70E740481C1C}">
+                <a14:useLocalDpi xmlns:a14="http://schemas.microsoft.com/office/drawing/2010/main" val="0"/>
+              </a:ext>
+            </a:extLst>
+          </a:blip>
+          <a:stretch>
+            <a:fillRect/>
+          </a:stretch>
+        </p:blipFill>
+        <p:spPr>
+          <a:xfrm>
+            <a:off x="639314" y="1062318"/>
+            <a:ext cx="10608572" cy="5342963"/>
+          </a:xfrm>
+          <a:prstGeom prst="rect">
+            <a:avLst/>
+          </a:prstGeom>
+        </p:spPr>
+      </p:pic>
+    </p:spTree>
+    <p:extLst>
+      <p:ext uri="{BB962C8B-B14F-4D97-AF65-F5344CB8AC3E}">
+        <p14:creationId xmlns:p14="http://schemas.microsoft.com/office/powerpoint/2010/main" val="2992194508"/>
+      </p:ext>
+    </p:extLst>
+  </p:cSld>
+  <p:clrMapOvr>
+    <a:masterClrMapping/>
+  </p:clrMapOvr>
+</p:sld>
+</file>
+
+<file path=ppt/slides/slide9.xml><?xml version="1.0" encoding="utf-8"?>
+<p:sld xmlns:a="http://schemas.openxmlformats.org/drawingml/2006/main" xmlns:r="http://schemas.openxmlformats.org/officeDocument/2006/relationships" xmlns:p="http://schemas.openxmlformats.org/presentationml/2006/main" showMasterSp="0">
+  <p:cSld>
+    <p:spTree>
+      <p:nvGrpSpPr>
+        <p:cNvPr id="1" name=""/>
+        <p:cNvGrpSpPr/>
+        <p:nvPr/>
+      </p:nvGrpSpPr>
+      <p:grpSpPr>
+        <a:xfrm>
+          <a:off x="0" y="0"/>
+          <a:ext cx="0" cy="0"/>
+          <a:chOff x="0" y="0"/>
+          <a:chExt cx="0" cy="0"/>
+        </a:xfrm>
+      </p:grpSpPr>
+      <p:sp>
+        <p:nvSpPr>
+          <p:cNvPr id="3" name="Content Placeholder 2">
+            <a:extLst>
+              <a:ext uri="{FF2B5EF4-FFF2-40B4-BE49-F238E27FC236}">
+                <a16:creationId xmlns:a16="http://schemas.microsoft.com/office/drawing/2014/main" id="{581A92E4-5726-4887-A417-15DDF7292906}"/>
+              </a:ext>
+            </a:extLst>
+          </p:cNvPr>
+          <p:cNvSpPr>
+            <a:spLocks noGrp="1"/>
+          </p:cNvSpPr>
+          <p:nvPr>
+            <p:ph idx="1"/>
+          </p:nvPr>
+        </p:nvSpPr>
+        <p:spPr>
+          <a:xfrm>
+            <a:off x="911967" y="3733800"/>
+            <a:ext cx="10368065" cy="2683211"/>
+          </a:xfrm>
+        </p:spPr>
+        <p:txBody>
+          <a:bodyPr>
+            <a:normAutofit/>
+          </a:bodyPr>
+          <a:lstStyle/>
+          <a:p>
+            <a:pPr marL="0" indent="0">
+              <a:buNone/>
+            </a:pPr>
+            <a:r>
+              <a:rPr lang="en-PH" dirty="0"/>
+              <a:t>Note:</a:t>
+            </a:r>
+          </a:p>
+          <a:p>
+            <a:pPr>
+              <a:buFont typeface="Wingdings" panose="05000000000000000000" pitchFamily="2" charset="2"/>
+              <a:buChar char="§"/>
+            </a:pPr>
+            <a:r>
+              <a:rPr lang="en-PH" u="sng" dirty="0"/>
+              <a:t>Two columns </a:t>
+            </a:r>
+          </a:p>
+          <a:p>
+            <a:pPr lvl="1">
+              <a:buFont typeface="Wingdings" panose="05000000000000000000" pitchFamily="2" charset="2"/>
+              <a:buChar char="§"/>
+            </a:pPr>
+            <a:r>
+              <a:rPr lang="en-PH" dirty="0"/>
+              <a:t>First column (left) is the list of all the module projects.</a:t>
+            </a:r>
+          </a:p>
+          <a:p>
+            <a:pPr lvl="1">
+              <a:buFont typeface="Wingdings" panose="05000000000000000000" pitchFamily="2" charset="2"/>
+              <a:buChar char="§"/>
+            </a:pPr>
+            <a:r>
+              <a:rPr lang="en-PH" dirty="0"/>
+              <a:t>Second column (right) is the data table of the roles in a project.</a:t>
+            </a:r>
+            <a:endParaRPr lang="en-PH" u="sng" dirty="0"/>
+          </a:p>
+          <a:p>
+            <a:pPr>
+              <a:buFont typeface="Wingdings" panose="05000000000000000000" pitchFamily="2" charset="2"/>
+              <a:buChar char="§"/>
+            </a:pPr>
+            <a:r>
+              <a:rPr lang="en-PH" dirty="0"/>
+              <a:t>Upper left is the buttons (Add, Edit, Delete, Close)</a:t>
+            </a:r>
+          </a:p>
+          <a:p>
+            <a:pPr marL="457200" lvl="1" indent="0">
+              <a:buNone/>
+            </a:pPr>
+            <a:endParaRPr lang="en-PH" dirty="0"/>
+          </a:p>
+        </p:txBody>
+      </p:sp>
+      <p:sp>
+        <p:nvSpPr>
+          <p:cNvPr id="4" name="AutoShape 2" descr="Untitled">
+            <a:extLst>
+              <a:ext uri="{FF2B5EF4-FFF2-40B4-BE49-F238E27FC236}">
+                <a16:creationId xmlns:a16="http://schemas.microsoft.com/office/drawing/2014/main" id="{62A91052-7B67-4136-8553-8E07E2AD5F6F}"/>
+              </a:ext>
+            </a:extLst>
+          </p:cNvPr>
+          <p:cNvSpPr>
+            <a:spLocks noChangeAspect="1" noChangeArrowheads="1"/>
+          </p:cNvSpPr>
+          <p:nvPr/>
+        </p:nvSpPr>
+        <p:spPr bwMode="auto">
+          <a:xfrm>
+            <a:off x="5943600" y="3276600"/>
+            <a:ext cx="304800" cy="304800"/>
+          </a:xfrm>
+          <a:prstGeom prst="rect">
+            <a:avLst/>
+          </a:prstGeom>
+          <a:noFill/>
+          <a:extLst>
+            <a:ext uri="{909E8E84-426E-40DD-AFC4-6F175D3DCCD1}">
+              <a14:hiddenFill xmlns:a14="http://schemas.microsoft.com/office/drawing/2010/main">
+                <a:solidFill>
+                  <a:srgbClr val="FFFFFF"/>
+                </a:solidFill>
+              </a14:hiddenFill>
+            </a:ext>
+          </a:extLst>
+        </p:spPr>
+        <p:txBody>
+          <a:bodyPr vert="horz" wrap="square" lIns="91440" tIns="45720" rIns="91440" bIns="45720" numCol="1" anchor="t" anchorCtr="0" compatLnSpc="1">
+            <a:prstTxWarp prst="textNoShape">
+              <a:avLst/>
+            </a:prstTxWarp>
+          </a:bodyPr>
+          <a:lstStyle/>
+          <a:p>
+            <a:endParaRPr lang="en-PH" dirty="0"/>
+          </a:p>
+        </p:txBody>
+      </p:sp>
+      <p:sp>
+        <p:nvSpPr>
+          <p:cNvPr id="5" name="AutoShape 4" descr="Untitled">
+            <a:extLst>
+              <a:ext uri="{FF2B5EF4-FFF2-40B4-BE49-F238E27FC236}">
+                <a16:creationId xmlns:a16="http://schemas.microsoft.com/office/drawing/2014/main" id="{F0694E4B-56F4-42EA-9D03-80CE61BE309D}"/>
+              </a:ext>
+            </a:extLst>
+          </p:cNvPr>
+          <p:cNvSpPr>
+            <a:spLocks noChangeAspect="1" noChangeArrowheads="1"/>
+          </p:cNvSpPr>
+          <p:nvPr/>
+        </p:nvSpPr>
+        <p:spPr bwMode="auto">
+          <a:xfrm>
+            <a:off x="6096000" y="3429000"/>
+            <a:ext cx="304800" cy="304800"/>
+          </a:xfrm>
+          <a:prstGeom prst="rect">
+            <a:avLst/>
+          </a:prstGeom>
+          <a:noFill/>
+          <a:extLst>
+            <a:ext uri="{909E8E84-426E-40DD-AFC4-6F175D3DCCD1}">
+              <a14:hiddenFill xmlns:a14="http://schemas.microsoft.com/office/drawing/2010/main">
+                <a:solidFill>
+                  <a:srgbClr val="FFFFFF"/>
+                </a:solidFill>
+              </a14:hiddenFill>
+            </a:ext>
+          </a:extLst>
+        </p:spPr>
+        <p:txBody>
+          <a:bodyPr vert="horz" wrap="square" lIns="91440" tIns="45720" rIns="91440" bIns="45720" numCol="1" anchor="t" anchorCtr="0" compatLnSpc="1">
+            <a:prstTxWarp prst="textNoShape">
+              <a:avLst/>
+            </a:prstTxWarp>
+          </a:bodyPr>
+          <a:lstStyle/>
+          <a:p>
+            <a:endParaRPr lang="en-PH" dirty="0"/>
           </a:p>
         </p:txBody>
       </p:sp>
@@ -11443,7 +14926,7 @@
         </p:blipFill>
         <p:spPr>
           <a:xfrm>
-            <a:off x="273995" y="2879386"/>
+            <a:off x="273994" y="509385"/>
             <a:ext cx="11644009" cy="2919615"/>
           </a:xfrm>
           <a:prstGeom prst="rect">
@@ -11454,234 +14937,7 @@
     </p:spTree>
     <p:extLst>
       <p:ext uri="{BB962C8B-B14F-4D97-AF65-F5344CB8AC3E}">
-        <p14:creationId xmlns:p14="http://schemas.microsoft.com/office/powerpoint/2010/main" val="1023401479"/>
-      </p:ext>
-    </p:extLst>
-  </p:cSld>
-  <p:clrMapOvr>
-    <a:masterClrMapping/>
-  </p:clrMapOvr>
-</p:sld>
-</file>
-
-<file path=ppt/slides/slide9.xml><?xml version="1.0" encoding="utf-8"?>
-<p:sld xmlns:a="http://schemas.openxmlformats.org/drawingml/2006/main" xmlns:r="http://schemas.openxmlformats.org/officeDocument/2006/relationships" xmlns:p="http://schemas.openxmlformats.org/presentationml/2006/main">
-  <p:cSld>
-    <p:spTree>
-      <p:nvGrpSpPr>
-        <p:cNvPr id="1" name=""/>
-        <p:cNvGrpSpPr/>
-        <p:nvPr/>
-      </p:nvGrpSpPr>
-      <p:grpSpPr>
-        <a:xfrm>
-          <a:off x="0" y="0"/>
-          <a:ext cx="0" cy="0"/>
-          <a:chOff x="0" y="0"/>
-          <a:chExt cx="0" cy="0"/>
-        </a:xfrm>
-      </p:grpSpPr>
-      <p:sp>
-        <p:nvSpPr>
-          <p:cNvPr id="2" name="Title 1">
-            <a:extLst>
-              <a:ext uri="{FF2B5EF4-FFF2-40B4-BE49-F238E27FC236}">
-                <a16:creationId xmlns:a16="http://schemas.microsoft.com/office/drawing/2014/main" id="{A798699D-B3C2-4CBA-9697-6D45B479BDD6}"/>
-              </a:ext>
-            </a:extLst>
-          </p:cNvPr>
-          <p:cNvSpPr>
-            <a:spLocks noGrp="1"/>
-          </p:cNvSpPr>
-          <p:nvPr>
-            <p:ph type="title"/>
-          </p:nvPr>
-        </p:nvSpPr>
-        <p:spPr>
-          <a:xfrm>
-            <a:off x="251614" y="234069"/>
-            <a:ext cx="9404723" cy="915514"/>
-          </a:xfrm>
-        </p:spPr>
-        <p:txBody>
-          <a:bodyPr/>
-          <a:lstStyle/>
-          <a:p>
-            <a:r>
-              <a:rPr lang="en-PH" dirty="0"/>
-              <a:t>User Interface: Role Management</a:t>
-            </a:r>
-          </a:p>
-        </p:txBody>
-      </p:sp>
-      <p:sp>
-        <p:nvSpPr>
-          <p:cNvPr id="4" name="AutoShape 2" descr="Untitled">
-            <a:extLst>
-              <a:ext uri="{FF2B5EF4-FFF2-40B4-BE49-F238E27FC236}">
-                <a16:creationId xmlns:a16="http://schemas.microsoft.com/office/drawing/2014/main" id="{DD536FA0-C290-4DCC-ABB1-A2278D9087EC}"/>
-              </a:ext>
-            </a:extLst>
-          </p:cNvPr>
-          <p:cNvSpPr>
-            <a:spLocks noChangeAspect="1" noChangeArrowheads="1"/>
-          </p:cNvSpPr>
-          <p:nvPr/>
-        </p:nvSpPr>
-        <p:spPr bwMode="auto">
-          <a:xfrm>
-            <a:off x="5943600" y="3276600"/>
-            <a:ext cx="304800" cy="304800"/>
-          </a:xfrm>
-          <a:prstGeom prst="rect">
-            <a:avLst/>
-          </a:prstGeom>
-          <a:noFill/>
-          <a:extLst>
-            <a:ext uri="{909E8E84-426E-40DD-AFC4-6F175D3DCCD1}">
-              <a14:hiddenFill xmlns:a14="http://schemas.microsoft.com/office/drawing/2010/main">
-                <a:solidFill>
-                  <a:srgbClr val="FFFFFF"/>
-                </a:solidFill>
-              </a14:hiddenFill>
-            </a:ext>
-          </a:extLst>
-        </p:spPr>
-        <p:txBody>
-          <a:bodyPr vert="horz" wrap="square" lIns="91440" tIns="45720" rIns="91440" bIns="45720" numCol="1" anchor="t" anchorCtr="0" compatLnSpc="1">
-            <a:prstTxWarp prst="textNoShape">
-              <a:avLst/>
-            </a:prstTxWarp>
-          </a:bodyPr>
-          <a:lstStyle/>
-          <a:p>
-            <a:endParaRPr lang="en-PH"/>
-          </a:p>
-        </p:txBody>
-      </p:sp>
-      <p:sp>
-        <p:nvSpPr>
-          <p:cNvPr id="5" name="AutoShape 4" descr="Untitled">
-            <a:extLst>
-              <a:ext uri="{FF2B5EF4-FFF2-40B4-BE49-F238E27FC236}">
-                <a16:creationId xmlns:a16="http://schemas.microsoft.com/office/drawing/2014/main" id="{CA59A72B-03AF-4F0A-9E97-13D6ABCF8856}"/>
-              </a:ext>
-            </a:extLst>
-          </p:cNvPr>
-          <p:cNvSpPr>
-            <a:spLocks noChangeAspect="1" noChangeArrowheads="1"/>
-          </p:cNvSpPr>
-          <p:nvPr/>
-        </p:nvSpPr>
-        <p:spPr bwMode="auto">
-          <a:xfrm>
-            <a:off x="6096000" y="3429000"/>
-            <a:ext cx="304800" cy="304800"/>
-          </a:xfrm>
-          <a:prstGeom prst="rect">
-            <a:avLst/>
-          </a:prstGeom>
-          <a:noFill/>
-          <a:extLst>
-            <a:ext uri="{909E8E84-426E-40DD-AFC4-6F175D3DCCD1}">
-              <a14:hiddenFill xmlns:a14="http://schemas.microsoft.com/office/drawing/2010/main">
-                <a:solidFill>
-                  <a:srgbClr val="FFFFFF"/>
-                </a:solidFill>
-              </a14:hiddenFill>
-            </a:ext>
-          </a:extLst>
-        </p:spPr>
-        <p:txBody>
-          <a:bodyPr vert="horz" wrap="square" lIns="91440" tIns="45720" rIns="91440" bIns="45720" numCol="1" anchor="t" anchorCtr="0" compatLnSpc="1">
-            <a:prstTxWarp prst="textNoShape">
-              <a:avLst/>
-            </a:prstTxWarp>
-          </a:bodyPr>
-          <a:lstStyle/>
-          <a:p>
-            <a:endParaRPr lang="en-PH"/>
-          </a:p>
-        </p:txBody>
-      </p:sp>
-      <p:pic>
-        <p:nvPicPr>
-          <p:cNvPr id="7" name="Picture 6">
-            <a:extLst>
-              <a:ext uri="{FF2B5EF4-FFF2-40B4-BE49-F238E27FC236}">
-                <a16:creationId xmlns:a16="http://schemas.microsoft.com/office/drawing/2014/main" id="{C19EA369-E154-4E78-8B9C-12CEBDBF5E8A}"/>
-              </a:ext>
-            </a:extLst>
-          </p:cNvPr>
-          <p:cNvPicPr>
-            <a:picLocks noChangeAspect="1"/>
-          </p:cNvPicPr>
-          <p:nvPr/>
-        </p:nvPicPr>
-        <p:blipFill rotWithShape="1">
-          <a:blip r:embed="rId2">
-            <a:extLst>
-              <a:ext uri="{28A0092B-C50C-407E-A947-70E740481C1C}">
-                <a14:useLocalDpi xmlns:a14="http://schemas.microsoft.com/office/drawing/2010/main" val="0"/>
-              </a:ext>
-            </a:extLst>
-          </a:blip>
-          <a:srcRect b="22014"/>
-          <a:stretch/>
-        </p:blipFill>
-        <p:spPr>
-          <a:xfrm>
-            <a:off x="464974" y="1271503"/>
-            <a:ext cx="9608666" cy="3774051"/>
-          </a:xfrm>
-          <a:prstGeom prst="rect">
-            <a:avLst/>
-          </a:prstGeom>
-        </p:spPr>
-      </p:pic>
-      <p:sp>
-        <p:nvSpPr>
-          <p:cNvPr id="11" name="TextBox 10">
-            <a:extLst>
-              <a:ext uri="{FF2B5EF4-FFF2-40B4-BE49-F238E27FC236}">
-                <a16:creationId xmlns:a16="http://schemas.microsoft.com/office/drawing/2014/main" id="{ABC9C3FE-2B43-4905-B28F-AADB292D9310}"/>
-              </a:ext>
-            </a:extLst>
-          </p:cNvPr>
-          <p:cNvSpPr txBox="1"/>
-          <p:nvPr/>
-        </p:nvSpPr>
-        <p:spPr>
-          <a:xfrm>
-            <a:off x="1433413" y="5332099"/>
-            <a:ext cx="8430434" cy="369332"/>
-          </a:xfrm>
-          <a:prstGeom prst="rect">
-            <a:avLst/>
-          </a:prstGeom>
-          <a:noFill/>
-        </p:spPr>
-        <p:txBody>
-          <a:bodyPr wrap="square" rtlCol="0">
-            <a:spAutoFit/>
-          </a:bodyPr>
-          <a:lstStyle/>
-          <a:p>
-            <a:pPr marL="285750" indent="-285750">
-              <a:buFont typeface="Wingdings" panose="05000000000000000000" pitchFamily="2" charset="2"/>
-              <a:buChar char="§"/>
-            </a:pPr>
-            <a:r>
-              <a:rPr lang="en-PH" dirty="0"/>
-              <a:t>Column names (Module, Role, Title)</a:t>
-            </a:r>
-          </a:p>
-        </p:txBody>
-      </p:sp>
-    </p:spTree>
-    <p:extLst>
-      <p:ext uri="{BB962C8B-B14F-4D97-AF65-F5344CB8AC3E}">
-        <p14:creationId xmlns:p14="http://schemas.microsoft.com/office/powerpoint/2010/main" val="1106354066"/>
+        <p14:creationId xmlns:p14="http://schemas.microsoft.com/office/powerpoint/2010/main" val="1659754656"/>
       </p:ext>
     </p:extLst>
   </p:cSld>
